--- a/myeongji/졸작/계획 및 발표/졸업프로젝트_내일의_반찬_발표자료.pptx
+++ b/myeongji/졸작/계획 및 발표/졸업프로젝트_내일의_반찬_발표자료.pptx
@@ -5,18 +5,25 @@
     <p:sldMasterId id="2147483648" r:id="rId1"/>
   </p:sldMasterIdLst>
   <p:notesMasterIdLst>
-    <p:notesMasterId r:id="rId11"/>
+    <p:notesMasterId r:id="rId18"/>
   </p:notesMasterIdLst>
   <p:sldIdLst>
     <p:sldId id="256" r:id="rId2"/>
     <p:sldId id="267" r:id="rId3"/>
     <p:sldId id="273" r:id="rId4"/>
     <p:sldId id="274" r:id="rId5"/>
-    <p:sldId id="269" r:id="rId6"/>
-    <p:sldId id="279" r:id="rId7"/>
-    <p:sldId id="277" r:id="rId8"/>
-    <p:sldId id="278" r:id="rId9"/>
-    <p:sldId id="258" r:id="rId10"/>
+    <p:sldId id="280" r:id="rId6"/>
+    <p:sldId id="281" r:id="rId7"/>
+    <p:sldId id="282" r:id="rId8"/>
+    <p:sldId id="269" r:id="rId9"/>
+    <p:sldId id="279" r:id="rId10"/>
+    <p:sldId id="283" r:id="rId11"/>
+    <p:sldId id="284" r:id="rId12"/>
+    <p:sldId id="286" r:id="rId13"/>
+    <p:sldId id="277" r:id="rId14"/>
+    <p:sldId id="278" r:id="rId15"/>
+    <p:sldId id="285" r:id="rId16"/>
+    <p:sldId id="258" r:id="rId17"/>
   </p:sldIdLst>
   <p:sldSz cx="12192000" cy="6858000"/>
   <p:notesSz cx="6858000" cy="9144000"/>
@@ -205,7 +212,7 @@
           <a:p>
             <a:fld id="{82467052-4B5B-4B55-A62D-6336995C5CBF}" type="datetimeFigureOut">
               <a:rPr lang="ko-KR" altLang="en-US" smtClean="0"/>
-              <a:t>2021-09-16</a:t>
+              <a:t>2021-09-23</a:t>
             </a:fld>
             <a:endParaRPr lang="ko-KR" altLang="en-US"/>
           </a:p>
@@ -537,7 +544,7 @@
           <a:p>
             <a:fld id="{4FF87642-0493-4346-9809-010E40277A21}" type="slidenum">
               <a:rPr lang="ko-KR" altLang="en-US" smtClean="0"/>
-              <a:t>6</a:t>
+              <a:t>9</a:t>
             </a:fld>
             <a:endParaRPr lang="ko-KR" altLang="en-US"/>
           </a:p>
@@ -547,6 +554,90 @@
     <p:extLst>
       <p:ext uri="{BB962C8B-B14F-4D97-AF65-F5344CB8AC3E}">
         <p14:creationId xmlns:p14="http://schemas.microsoft.com/office/powerpoint/2010/main" val="589867477"/>
+      </p:ext>
+    </p:extLst>
+  </p:cSld>
+  <p:clrMapOvr>
+    <a:masterClrMapping/>
+  </p:clrMapOvr>
+</p:notes>
+</file>
+
+<file path=ppt/notesSlides/notesSlide2.xml><?xml version="1.0" encoding="utf-8"?>
+<p:notes xmlns:a="http://schemas.openxmlformats.org/drawingml/2006/main" xmlns:r="http://schemas.openxmlformats.org/officeDocument/2006/relationships" xmlns:p="http://schemas.openxmlformats.org/presentationml/2006/main">
+  <p:cSld>
+    <p:spTree>
+      <p:nvGrpSpPr>
+        <p:cNvPr id="1" name=""/>
+        <p:cNvGrpSpPr/>
+        <p:nvPr/>
+      </p:nvGrpSpPr>
+      <p:grpSpPr>
+        <a:xfrm>
+          <a:off x="0" y="0"/>
+          <a:ext cx="0" cy="0"/>
+          <a:chOff x="0" y="0"/>
+          <a:chExt cx="0" cy="0"/>
+        </a:xfrm>
+      </p:grpSpPr>
+      <p:sp>
+        <p:nvSpPr>
+          <p:cNvPr id="2" name="슬라이드 이미지 개체 틀 1"/>
+          <p:cNvSpPr>
+            <a:spLocks noGrp="1" noRot="1" noChangeAspect="1"/>
+          </p:cNvSpPr>
+          <p:nvPr>
+            <p:ph type="sldImg"/>
+          </p:nvPr>
+        </p:nvSpPr>
+        <p:spPr/>
+      </p:sp>
+      <p:sp>
+        <p:nvSpPr>
+          <p:cNvPr id="3" name="슬라이드 노트 개체 틀 2"/>
+          <p:cNvSpPr>
+            <a:spLocks noGrp="1"/>
+          </p:cNvSpPr>
+          <p:nvPr>
+            <p:ph type="body" idx="1"/>
+          </p:nvPr>
+        </p:nvSpPr>
+        <p:spPr/>
+        <p:txBody>
+          <a:bodyPr/>
+          <a:lstStyle/>
+          <a:p>
+            <a:endParaRPr lang="ko-KR" altLang="en-US" dirty="0"/>
+          </a:p>
+        </p:txBody>
+      </p:sp>
+      <p:sp>
+        <p:nvSpPr>
+          <p:cNvPr id="4" name="슬라이드 번호 개체 틀 3"/>
+          <p:cNvSpPr>
+            <a:spLocks noGrp="1"/>
+          </p:cNvSpPr>
+          <p:nvPr>
+            <p:ph type="sldNum" sz="quarter" idx="10"/>
+          </p:nvPr>
+        </p:nvSpPr>
+        <p:spPr/>
+        <p:txBody>
+          <a:bodyPr/>
+          <a:lstStyle/>
+          <a:p>
+            <a:fld id="{4FF87642-0493-4346-9809-010E40277A21}" type="slidenum">
+              <a:rPr lang="ko-KR" altLang="en-US" smtClean="0"/>
+              <a:t>10</a:t>
+            </a:fld>
+            <a:endParaRPr lang="ko-KR" altLang="en-US"/>
+          </a:p>
+        </p:txBody>
+      </p:sp>
+    </p:spTree>
+    <p:extLst>
+      <p:ext uri="{BB962C8B-B14F-4D97-AF65-F5344CB8AC3E}">
+        <p14:creationId xmlns:p14="http://schemas.microsoft.com/office/powerpoint/2010/main" val="2389194445"/>
       </p:ext>
     </p:extLst>
   </p:cSld>
@@ -685,7 +776,7 @@
           <a:p>
             <a:fld id="{64B477C1-132E-4A16-AA59-F87E43D1C762}" type="datetimeFigureOut">
               <a:rPr lang="ko-KR" altLang="en-US" smtClean="0"/>
-              <a:t>2021-09-16</a:t>
+              <a:t>2021-09-23</a:t>
             </a:fld>
             <a:endParaRPr lang="ko-KR" altLang="en-US"/>
           </a:p>
@@ -853,7 +944,7 @@
           <a:p>
             <a:fld id="{64B477C1-132E-4A16-AA59-F87E43D1C762}" type="datetimeFigureOut">
               <a:rPr lang="ko-KR" altLang="en-US" smtClean="0"/>
-              <a:t>2021-09-16</a:t>
+              <a:t>2021-09-23</a:t>
             </a:fld>
             <a:endParaRPr lang="ko-KR" altLang="en-US"/>
           </a:p>
@@ -1031,7 +1122,7 @@
           <a:p>
             <a:fld id="{64B477C1-132E-4A16-AA59-F87E43D1C762}" type="datetimeFigureOut">
               <a:rPr lang="ko-KR" altLang="en-US" smtClean="0"/>
-              <a:t>2021-09-16</a:t>
+              <a:t>2021-09-23</a:t>
             </a:fld>
             <a:endParaRPr lang="ko-KR" altLang="en-US"/>
           </a:p>
@@ -1199,7 +1290,7 @@
           <a:p>
             <a:fld id="{64B477C1-132E-4A16-AA59-F87E43D1C762}" type="datetimeFigureOut">
               <a:rPr lang="ko-KR" altLang="en-US" smtClean="0"/>
-              <a:t>2021-09-16</a:t>
+              <a:t>2021-09-23</a:t>
             </a:fld>
             <a:endParaRPr lang="ko-KR" altLang="en-US"/>
           </a:p>
@@ -1444,7 +1535,7 @@
           <a:p>
             <a:fld id="{64B477C1-132E-4A16-AA59-F87E43D1C762}" type="datetimeFigureOut">
               <a:rPr lang="ko-KR" altLang="en-US" smtClean="0"/>
-              <a:t>2021-09-16</a:t>
+              <a:t>2021-09-23</a:t>
             </a:fld>
             <a:endParaRPr lang="ko-KR" altLang="en-US"/>
           </a:p>
@@ -1673,7 +1764,7 @@
           <a:p>
             <a:fld id="{64B477C1-132E-4A16-AA59-F87E43D1C762}" type="datetimeFigureOut">
               <a:rPr lang="ko-KR" altLang="en-US" smtClean="0"/>
-              <a:t>2021-09-16</a:t>
+              <a:t>2021-09-23</a:t>
             </a:fld>
             <a:endParaRPr lang="ko-KR" altLang="en-US"/>
           </a:p>
@@ -2037,7 +2128,7 @@
           <a:p>
             <a:fld id="{64B477C1-132E-4A16-AA59-F87E43D1C762}" type="datetimeFigureOut">
               <a:rPr lang="ko-KR" altLang="en-US" smtClean="0"/>
-              <a:t>2021-09-16</a:t>
+              <a:t>2021-09-23</a:t>
             </a:fld>
             <a:endParaRPr lang="ko-KR" altLang="en-US"/>
           </a:p>
@@ -2154,7 +2245,7 @@
           <a:p>
             <a:fld id="{64B477C1-132E-4A16-AA59-F87E43D1C762}" type="datetimeFigureOut">
               <a:rPr lang="ko-KR" altLang="en-US" smtClean="0"/>
-              <a:t>2021-09-16</a:t>
+              <a:t>2021-09-23</a:t>
             </a:fld>
             <a:endParaRPr lang="ko-KR" altLang="en-US"/>
           </a:p>
@@ -2249,7 +2340,7 @@
           <a:p>
             <a:fld id="{64B477C1-132E-4A16-AA59-F87E43D1C762}" type="datetimeFigureOut">
               <a:rPr lang="ko-KR" altLang="en-US" smtClean="0"/>
-              <a:t>2021-09-16</a:t>
+              <a:t>2021-09-23</a:t>
             </a:fld>
             <a:endParaRPr lang="ko-KR" altLang="en-US"/>
           </a:p>
@@ -2524,7 +2615,7 @@
           <a:p>
             <a:fld id="{64B477C1-132E-4A16-AA59-F87E43D1C762}" type="datetimeFigureOut">
               <a:rPr lang="ko-KR" altLang="en-US" smtClean="0"/>
-              <a:t>2021-09-16</a:t>
+              <a:t>2021-09-23</a:t>
             </a:fld>
             <a:endParaRPr lang="ko-KR" altLang="en-US"/>
           </a:p>
@@ -2776,7 +2867,7 @@
           <a:p>
             <a:fld id="{64B477C1-132E-4A16-AA59-F87E43D1C762}" type="datetimeFigureOut">
               <a:rPr lang="ko-KR" altLang="en-US" smtClean="0"/>
-              <a:t>2021-09-16</a:t>
+              <a:t>2021-09-23</a:t>
             </a:fld>
             <a:endParaRPr lang="ko-KR" altLang="en-US"/>
           </a:p>
@@ -2987,7 +3078,7 @@
           <a:p>
             <a:fld id="{64B477C1-132E-4A16-AA59-F87E43D1C762}" type="datetimeFigureOut">
               <a:rPr lang="ko-KR" altLang="en-US" smtClean="0"/>
-              <a:t>2021-09-16</a:t>
+              <a:t>2021-09-23</a:t>
             </a:fld>
             <a:endParaRPr lang="ko-KR" altLang="en-US"/>
           </a:p>
@@ -3724,7 +3815,7 @@
 </p:sld>
 </file>
 
-<file path=ppt/slides/slide2.xml><?xml version="1.0" encoding="utf-8"?>
+<file path=ppt/slides/slide10.xml><?xml version="1.0" encoding="utf-8"?>
 <p:sld xmlns:a="http://schemas.openxmlformats.org/drawingml/2006/main" xmlns:r="http://schemas.openxmlformats.org/officeDocument/2006/relationships" xmlns:p="http://schemas.openxmlformats.org/presentationml/2006/main">
   <p:cSld>
     <p:spTree>
@@ -3743,33 +3834,24 @@
       </p:grpSpPr>
       <p:sp>
         <p:nvSpPr>
-          <p:cNvPr id="6" name="오각형 5"/>
+          <p:cNvPr id="4" name="직사각형 3"/>
           <p:cNvSpPr/>
           <p:nvPr/>
         </p:nvSpPr>
         <p:spPr>
           <a:xfrm>
-            <a:off x="0" y="0"/>
-            <a:ext cx="12192000" cy="6858000"/>
-          </a:xfrm>
-          <a:prstGeom prst="homePlate">
+            <a:off x="0" y="-1"/>
+            <a:ext cx="180000" cy="1440000"/>
+          </a:xfrm>
+          <a:prstGeom prst="rect">
             <a:avLst/>
           </a:prstGeom>
           <a:solidFill>
-            <a:srgbClr val="49A6A6">
-              <a:alpha val="85000"/>
-            </a:srgbClr>
+            <a:srgbClr val="49A6A6"/>
           </a:solidFill>
           <a:ln>
             <a:noFill/>
           </a:ln>
-          <a:effectLst>
-            <a:outerShdw blurRad="50800" dist="38100" dir="2700000" algn="tl" rotWithShape="0">
-              <a:prstClr val="black">
-                <a:alpha val="40000"/>
-              </a:prstClr>
-            </a:outerShdw>
-          </a:effectLst>
         </p:spPr>
         <p:style>
           <a:lnRef idx="2">
@@ -3792,20 +3874,20 @@
           <a:lstStyle/>
           <a:p>
             <a:pPr algn="ctr"/>
-            <a:endParaRPr lang="ko-KR" altLang="en-US"/>
-          </a:p>
-        </p:txBody>
-      </p:sp>
-      <p:sp>
-        <p:nvSpPr>
-          <p:cNvPr id="2" name="TextBox 1"/>
+            <a:endParaRPr lang="ko-KR" altLang="en-US" dirty="0"/>
+          </a:p>
+        </p:txBody>
+      </p:sp>
+      <p:sp>
+        <p:nvSpPr>
+          <p:cNvPr id="5" name="TextBox 4"/>
           <p:cNvSpPr txBox="1"/>
           <p:nvPr/>
         </p:nvSpPr>
         <p:spPr>
           <a:xfrm>
-            <a:off x="1835859" y="2767280"/>
-            <a:ext cx="8520281" cy="1323439"/>
+            <a:off x="466326" y="258334"/>
+            <a:ext cx="7148111" cy="923330"/>
           </a:xfrm>
           <a:prstGeom prst="rect">
             <a:avLst/>
@@ -3819,924 +3901,14 @@
           <a:lstStyle/>
           <a:p>
             <a:r>
-              <a:rPr lang="en-US" altLang="ko-KR" sz="8000" b="1" dirty="0">
-                <a:solidFill>
-                  <a:schemeClr val="bg1"/>
-                </a:solidFill>
-              </a:rPr>
-              <a:t>01. </a:t>
-            </a:r>
-            <a:r>
-              <a:rPr lang="ko-KR" altLang="en-US" sz="8000" b="1" dirty="0">
-                <a:solidFill>
-                  <a:schemeClr val="bg1"/>
-                </a:solidFill>
-              </a:rPr>
-              <a:t>프로젝트 개요</a:t>
-            </a:r>
-          </a:p>
-        </p:txBody>
-      </p:sp>
-    </p:spTree>
-    <p:extLst>
-      <p:ext uri="{BB962C8B-B14F-4D97-AF65-F5344CB8AC3E}">
-        <p14:creationId xmlns:p14="http://schemas.microsoft.com/office/powerpoint/2010/main" val="3036433389"/>
-      </p:ext>
-    </p:extLst>
-  </p:cSld>
-  <p:clrMapOvr>
-    <a:masterClrMapping/>
-  </p:clrMapOvr>
-</p:sld>
-</file>
-
-<file path=ppt/slides/slide3.xml><?xml version="1.0" encoding="utf-8"?>
-<p:sld xmlns:a="http://schemas.openxmlformats.org/drawingml/2006/main" xmlns:r="http://schemas.openxmlformats.org/officeDocument/2006/relationships" xmlns:p="http://schemas.openxmlformats.org/presentationml/2006/main">
-  <p:cSld>
-    <p:spTree>
-      <p:nvGrpSpPr>
-        <p:cNvPr id="1" name=""/>
-        <p:cNvGrpSpPr/>
-        <p:nvPr/>
-      </p:nvGrpSpPr>
-      <p:grpSpPr>
-        <a:xfrm>
-          <a:off x="0" y="0"/>
-          <a:ext cx="0" cy="0"/>
-          <a:chOff x="0" y="0"/>
-          <a:chExt cx="0" cy="0"/>
-        </a:xfrm>
-      </p:grpSpPr>
-      <p:sp>
-        <p:nvSpPr>
-          <p:cNvPr id="8" name="갈매기형 수장 7"/>
-          <p:cNvSpPr/>
-          <p:nvPr/>
-        </p:nvSpPr>
-        <p:spPr>
-          <a:xfrm>
-            <a:off x="180000" y="2033071"/>
-            <a:ext cx="6553309" cy="849746"/>
-          </a:xfrm>
-          <a:prstGeom prst="chevron">
-            <a:avLst/>
-          </a:prstGeom>
-          <a:solidFill>
-            <a:schemeClr val="accent4"/>
-          </a:solidFill>
-          <a:ln>
-            <a:noFill/>
-          </a:ln>
-        </p:spPr>
-        <p:style>
-          <a:lnRef idx="2">
-            <a:schemeClr val="accent1">
-              <a:shade val="50000"/>
-            </a:schemeClr>
-          </a:lnRef>
-          <a:fillRef idx="1">
-            <a:schemeClr val="accent1"/>
-          </a:fillRef>
-          <a:effectRef idx="0">
-            <a:schemeClr val="accent1"/>
-          </a:effectRef>
-          <a:fontRef idx="minor">
-            <a:schemeClr val="lt1"/>
-          </a:fontRef>
-        </p:style>
-        <p:txBody>
-          <a:bodyPr rtlCol="0" anchor="ctr"/>
-          <a:lstStyle/>
-          <a:p>
-            <a:pPr algn="ctr"/>
-            <a:endParaRPr lang="ko-KR" altLang="en-US">
-              <a:solidFill>
-                <a:schemeClr val="tx1"/>
-              </a:solidFill>
-            </a:endParaRPr>
-          </a:p>
-        </p:txBody>
-      </p:sp>
-      <p:sp>
-        <p:nvSpPr>
-          <p:cNvPr id="4" name="직사각형 3"/>
-          <p:cNvSpPr/>
-          <p:nvPr/>
-        </p:nvSpPr>
-        <p:spPr>
-          <a:xfrm>
-            <a:off x="0" y="-1"/>
-            <a:ext cx="180000" cy="1440000"/>
-          </a:xfrm>
-          <a:prstGeom prst="rect">
-            <a:avLst/>
-          </a:prstGeom>
-          <a:solidFill>
-            <a:srgbClr val="49A6A6"/>
-          </a:solidFill>
-          <a:ln>
-            <a:noFill/>
-          </a:ln>
-        </p:spPr>
-        <p:style>
-          <a:lnRef idx="2">
-            <a:schemeClr val="accent1">
-              <a:shade val="50000"/>
-            </a:schemeClr>
-          </a:lnRef>
-          <a:fillRef idx="1">
-            <a:schemeClr val="accent1"/>
-          </a:fillRef>
-          <a:effectRef idx="0">
-            <a:schemeClr val="accent1"/>
-          </a:effectRef>
-          <a:fontRef idx="minor">
-            <a:schemeClr val="lt1"/>
-          </a:fontRef>
-        </p:style>
-        <p:txBody>
-          <a:bodyPr rtlCol="0" anchor="ctr"/>
-          <a:lstStyle/>
-          <a:p>
-            <a:pPr algn="ctr"/>
-            <a:endParaRPr lang="ko-KR" altLang="en-US" dirty="0"/>
-          </a:p>
-        </p:txBody>
-      </p:sp>
-      <p:sp>
-        <p:nvSpPr>
-          <p:cNvPr id="5" name="TextBox 4"/>
-          <p:cNvSpPr txBox="1"/>
-          <p:nvPr/>
-        </p:nvSpPr>
-        <p:spPr>
-          <a:xfrm>
-            <a:off x="466326" y="258334"/>
-            <a:ext cx="4583306" cy="923330"/>
-          </a:xfrm>
-          <a:prstGeom prst="rect">
-            <a:avLst/>
-          </a:prstGeom>
-          <a:noFill/>
-        </p:spPr>
-        <p:txBody>
-          <a:bodyPr wrap="none" rtlCol="0">
-            <a:spAutoFit/>
-          </a:bodyPr>
-          <a:lstStyle/>
-          <a:p>
-            <a:r>
               <a:rPr lang="ko-KR" altLang="en-US" sz="5400" b="1" dirty="0"/>
-              <a:t>프로젝트 소개</a:t>
-            </a:r>
-          </a:p>
-        </p:txBody>
-      </p:sp>
-      <p:sp>
-        <p:nvSpPr>
-          <p:cNvPr id="7" name="TextBox 6"/>
-          <p:cNvSpPr txBox="1"/>
-          <p:nvPr/>
-        </p:nvSpPr>
-        <p:spPr>
-          <a:xfrm>
-            <a:off x="1854292" y="2073223"/>
-            <a:ext cx="3204723" cy="769441"/>
-          </a:xfrm>
-          <a:prstGeom prst="rect">
-            <a:avLst/>
-          </a:prstGeom>
-          <a:noFill/>
-        </p:spPr>
-        <p:txBody>
-          <a:bodyPr wrap="none" rtlCol="0">
-            <a:spAutoFit/>
-          </a:bodyPr>
-          <a:lstStyle/>
-          <a:p>
-            <a:r>
-              <a:rPr lang="ko-KR" altLang="en-US" sz="4400" b="1" dirty="0"/>
-              <a:t>내일의 반찬</a:t>
-            </a:r>
-            <a:endParaRPr lang="en-US" altLang="ko-KR" sz="4400" b="1" dirty="0"/>
-          </a:p>
-        </p:txBody>
-      </p:sp>
-      <p:sp>
-        <p:nvSpPr>
-          <p:cNvPr id="9" name="TextBox 8"/>
-          <p:cNvSpPr txBox="1"/>
-          <p:nvPr/>
-        </p:nvSpPr>
-        <p:spPr>
-          <a:xfrm>
-            <a:off x="466326" y="3534169"/>
-            <a:ext cx="10357323" cy="461665"/>
-          </a:xfrm>
-          <a:prstGeom prst="rect">
-            <a:avLst/>
-          </a:prstGeom>
-          <a:noFill/>
-        </p:spPr>
-        <p:txBody>
-          <a:bodyPr wrap="none" rtlCol="0">
-            <a:spAutoFit/>
-          </a:bodyPr>
-          <a:lstStyle/>
-          <a:p>
-            <a:r>
-              <a:rPr lang="ko-KR" altLang="en-US" sz="2400" dirty="0"/>
-              <a:t>▶ 음식료 값을 객관적인 자료로 시각화해서 웹 애플리케이션으로 서비스</a:t>
-            </a:r>
-            <a:r>
-              <a:rPr lang="en-US" altLang="ko-KR" sz="2400" dirty="0"/>
-              <a:t>.</a:t>
-            </a:r>
-            <a:endParaRPr lang="ko-KR" altLang="en-US" sz="2400" dirty="0"/>
-          </a:p>
-        </p:txBody>
-      </p:sp>
-      <p:sp>
-        <p:nvSpPr>
-          <p:cNvPr id="11" name="TextBox 10"/>
-          <p:cNvSpPr txBox="1"/>
-          <p:nvPr/>
-        </p:nvSpPr>
-        <p:spPr>
-          <a:xfrm>
-            <a:off x="466326" y="4394720"/>
-            <a:ext cx="7293984" cy="461665"/>
-          </a:xfrm>
-          <a:prstGeom prst="rect">
-            <a:avLst/>
-          </a:prstGeom>
-          <a:noFill/>
-        </p:spPr>
-        <p:txBody>
-          <a:bodyPr wrap="none" rtlCol="0">
-            <a:spAutoFit/>
-          </a:bodyPr>
-          <a:lstStyle/>
-          <a:p>
-            <a:r>
-              <a:rPr lang="ko-KR" altLang="en-US" sz="2400" dirty="0"/>
-              <a:t>▶ 쉬운 접근성과 가독성으로 </a:t>
-            </a:r>
-            <a:r>
-              <a:rPr lang="en-US" altLang="ko-KR" sz="2400" dirty="0"/>
-              <a:t>40-60</a:t>
-            </a:r>
-            <a:r>
-              <a:rPr lang="ko-KR" altLang="en-US" sz="2400" dirty="0"/>
-              <a:t>대를 타겟팅 함</a:t>
-            </a:r>
-            <a:r>
-              <a:rPr lang="en-US" altLang="ko-KR" sz="2400" dirty="0"/>
-              <a:t>.</a:t>
-            </a:r>
-            <a:r>
-              <a:rPr lang="ko-KR" altLang="en-US" sz="2400" dirty="0"/>
-              <a:t> </a:t>
-            </a:r>
-          </a:p>
-        </p:txBody>
-      </p:sp>
-      <p:sp>
-        <p:nvSpPr>
-          <p:cNvPr id="12" name="TextBox 11"/>
-          <p:cNvSpPr txBox="1"/>
-          <p:nvPr/>
-        </p:nvSpPr>
-        <p:spPr>
-          <a:xfrm>
-            <a:off x="466326" y="5236948"/>
-            <a:ext cx="10158550" cy="461665"/>
-          </a:xfrm>
-          <a:prstGeom prst="rect">
-            <a:avLst/>
-          </a:prstGeom>
-          <a:noFill/>
-        </p:spPr>
-        <p:txBody>
-          <a:bodyPr wrap="none" rtlCol="0">
-            <a:spAutoFit/>
-          </a:bodyPr>
-          <a:lstStyle/>
-          <a:p>
-            <a:r>
-              <a:rPr lang="ko-KR" altLang="en-US" sz="2400" dirty="0"/>
-              <a:t>▶ 향후 가격의 추이를 제공해서 소비자들의 합리적 선택의 근거를 제공</a:t>
-            </a:r>
-            <a:r>
-              <a:rPr lang="en-US" altLang="ko-KR" sz="2400" dirty="0"/>
-              <a:t>.</a:t>
-            </a:r>
-            <a:endParaRPr lang="ko-KR" altLang="en-US" sz="2400" dirty="0"/>
-          </a:p>
-        </p:txBody>
-      </p:sp>
-    </p:spTree>
-    <p:extLst>
-      <p:ext uri="{BB962C8B-B14F-4D97-AF65-F5344CB8AC3E}">
-        <p14:creationId xmlns:p14="http://schemas.microsoft.com/office/powerpoint/2010/main" val="2733162763"/>
-      </p:ext>
-    </p:extLst>
-  </p:cSld>
-  <p:clrMapOvr>
-    <a:masterClrMapping/>
-  </p:clrMapOvr>
-</p:sld>
-</file>
-
-<file path=ppt/slides/slide4.xml><?xml version="1.0" encoding="utf-8"?>
-<p:sld xmlns:a="http://schemas.openxmlformats.org/drawingml/2006/main" xmlns:r="http://schemas.openxmlformats.org/officeDocument/2006/relationships" xmlns:p="http://schemas.openxmlformats.org/presentationml/2006/main">
-  <p:cSld>
-    <p:spTree>
-      <p:nvGrpSpPr>
-        <p:cNvPr id="1" name=""/>
-        <p:cNvGrpSpPr/>
-        <p:nvPr/>
-      </p:nvGrpSpPr>
-      <p:grpSpPr>
-        <a:xfrm>
-          <a:off x="0" y="0"/>
-          <a:ext cx="0" cy="0"/>
-          <a:chOff x="0" y="0"/>
-          <a:chExt cx="0" cy="0"/>
-        </a:xfrm>
-      </p:grpSpPr>
-      <p:sp>
-        <p:nvSpPr>
-          <p:cNvPr id="4" name="직사각형 3"/>
-          <p:cNvSpPr/>
-          <p:nvPr/>
-        </p:nvSpPr>
-        <p:spPr>
-          <a:xfrm>
-            <a:off x="0" y="-1"/>
-            <a:ext cx="180000" cy="1440000"/>
-          </a:xfrm>
-          <a:prstGeom prst="rect">
-            <a:avLst/>
-          </a:prstGeom>
-          <a:solidFill>
-            <a:srgbClr val="49A6A6"/>
-          </a:solidFill>
-          <a:ln>
-            <a:noFill/>
-          </a:ln>
-        </p:spPr>
-        <p:style>
-          <a:lnRef idx="2">
-            <a:schemeClr val="accent1">
-              <a:shade val="50000"/>
-            </a:schemeClr>
-          </a:lnRef>
-          <a:fillRef idx="1">
-            <a:schemeClr val="accent1"/>
-          </a:fillRef>
-          <a:effectRef idx="0">
-            <a:schemeClr val="accent1"/>
-          </a:effectRef>
-          <a:fontRef idx="minor">
-            <a:schemeClr val="lt1"/>
-          </a:fontRef>
-        </p:style>
-        <p:txBody>
-          <a:bodyPr rtlCol="0" anchor="ctr"/>
-          <a:lstStyle/>
-          <a:p>
-            <a:pPr algn="ctr"/>
-            <a:endParaRPr lang="ko-KR" altLang="en-US" dirty="0"/>
-          </a:p>
-        </p:txBody>
-      </p:sp>
-      <p:sp>
-        <p:nvSpPr>
-          <p:cNvPr id="5" name="TextBox 4"/>
-          <p:cNvSpPr txBox="1"/>
-          <p:nvPr/>
-        </p:nvSpPr>
-        <p:spPr>
-          <a:xfrm>
-            <a:off x="466326" y="258334"/>
-            <a:ext cx="3890809" cy="923330"/>
-          </a:xfrm>
-          <a:prstGeom prst="rect">
-            <a:avLst/>
-          </a:prstGeom>
-          <a:noFill/>
-        </p:spPr>
-        <p:txBody>
-          <a:bodyPr wrap="none" rtlCol="0">
-            <a:spAutoFit/>
-          </a:bodyPr>
-          <a:lstStyle/>
-          <a:p>
-            <a:r>
-              <a:rPr lang="ko-KR" altLang="en-US" sz="5400" b="1" dirty="0"/>
-              <a:t>개발 필요성</a:t>
-            </a:r>
-          </a:p>
-        </p:txBody>
-      </p:sp>
-      <p:pic>
-        <p:nvPicPr>
-          <p:cNvPr id="3" name="그림 2"/>
-          <p:cNvPicPr>
-            <a:picLocks noChangeAspect="1"/>
-          </p:cNvPicPr>
-          <p:nvPr/>
-        </p:nvPicPr>
-        <p:blipFill>
-          <a:blip r:embed="rId2">
-            <a:extLst>
-              <a:ext uri="{28A0092B-C50C-407E-A947-70E740481C1C}">
-                <a14:useLocalDpi xmlns:a14="http://schemas.microsoft.com/office/drawing/2010/main" val="0"/>
-              </a:ext>
-            </a:extLst>
-          </a:blip>
-          <a:stretch>
-            <a:fillRect/>
-          </a:stretch>
-        </p:blipFill>
-        <p:spPr>
-          <a:xfrm>
-            <a:off x="1529407" y="1378768"/>
-            <a:ext cx="2827728" cy="2173442"/>
-          </a:xfrm>
-          <a:prstGeom prst="rect">
-            <a:avLst/>
-          </a:prstGeom>
-          <a:solidFill>
-            <a:srgbClr val="FFFFFF">
-              <a:shade val="85000"/>
-            </a:srgbClr>
-          </a:solidFill>
-          <a:ln w="88900" cap="sq">
-            <a:solidFill>
-              <a:srgbClr val="FFFFFF"/>
-            </a:solidFill>
-            <a:miter lim="800000"/>
-          </a:ln>
-          <a:effectLst>
-            <a:outerShdw blurRad="55000" dist="18000" dir="5400000" algn="tl" rotWithShape="0">
-              <a:srgbClr val="000000">
-                <a:alpha val="40000"/>
-              </a:srgbClr>
-            </a:outerShdw>
-          </a:effectLst>
-          <a:scene3d>
-            <a:camera prst="orthographicFront"/>
-            <a:lightRig rig="twoPt" dir="t">
-              <a:rot lat="0" lon="0" rev="7200000"/>
-            </a:lightRig>
-          </a:scene3d>
-          <a:sp3d>
-            <a:bevelT w="25400" h="19050"/>
-            <a:contourClr>
-              <a:srgbClr val="FFFFFF"/>
-            </a:contourClr>
-          </a:sp3d>
-        </p:spPr>
-      </p:pic>
-      <p:sp>
-        <p:nvSpPr>
-          <p:cNvPr id="14" name="TextBox 13"/>
-          <p:cNvSpPr txBox="1"/>
-          <p:nvPr/>
-        </p:nvSpPr>
-        <p:spPr>
-          <a:xfrm>
-            <a:off x="5753447" y="1585834"/>
-            <a:ext cx="5545108" cy="461665"/>
-          </a:xfrm>
-          <a:prstGeom prst="rect">
-            <a:avLst/>
-          </a:prstGeom>
-          <a:noFill/>
-        </p:spPr>
-        <p:txBody>
-          <a:bodyPr wrap="none" rtlCol="0">
-            <a:spAutoFit/>
-          </a:bodyPr>
-          <a:lstStyle/>
-          <a:p>
-            <a:r>
-              <a:rPr lang="ko-KR" altLang="en-US" sz="2400" dirty="0"/>
-              <a:t>◇ 하루하루를 바쁘게 살아가는 현대인</a:t>
-            </a:r>
-          </a:p>
-        </p:txBody>
-      </p:sp>
-      <p:sp>
-        <p:nvSpPr>
-          <p:cNvPr id="15" name="TextBox 14"/>
-          <p:cNvSpPr txBox="1"/>
-          <p:nvPr/>
-        </p:nvSpPr>
-        <p:spPr>
-          <a:xfrm>
-            <a:off x="5753447" y="2242351"/>
-            <a:ext cx="5719836" cy="446276"/>
-          </a:xfrm>
-          <a:prstGeom prst="rect">
-            <a:avLst/>
-          </a:prstGeom>
-          <a:noFill/>
-        </p:spPr>
-        <p:txBody>
-          <a:bodyPr wrap="none" rtlCol="0">
-            <a:spAutoFit/>
-          </a:bodyPr>
-          <a:lstStyle/>
-          <a:p>
-            <a:r>
-              <a:rPr lang="ko-KR" altLang="en-US" sz="2300" dirty="0"/>
-              <a:t>◇ 인플레이션에 따른 가파른 물가 상승폭</a:t>
-            </a:r>
-          </a:p>
-        </p:txBody>
-      </p:sp>
-      <p:sp>
-        <p:nvSpPr>
-          <p:cNvPr id="16" name="TextBox 15"/>
-          <p:cNvSpPr txBox="1"/>
-          <p:nvPr/>
-        </p:nvSpPr>
-        <p:spPr>
-          <a:xfrm>
-            <a:off x="5753447" y="4400315"/>
-            <a:ext cx="5759910" cy="430887"/>
-          </a:xfrm>
-          <a:prstGeom prst="rect">
-            <a:avLst/>
-          </a:prstGeom>
-          <a:noFill/>
-        </p:spPr>
-        <p:txBody>
-          <a:bodyPr wrap="none" rtlCol="0">
-            <a:spAutoFit/>
-          </a:bodyPr>
-          <a:lstStyle/>
-          <a:p>
-            <a:r>
-              <a:rPr lang="ko-KR" altLang="en-US" sz="2200" dirty="0"/>
-              <a:t>◆ 추상적으로 느끼는 물가의 변화를 시각화</a:t>
-            </a:r>
-          </a:p>
-        </p:txBody>
-      </p:sp>
-      <p:sp>
-        <p:nvSpPr>
-          <p:cNvPr id="18" name="TextBox 17"/>
-          <p:cNvSpPr txBox="1"/>
-          <p:nvPr/>
-        </p:nvSpPr>
-        <p:spPr>
-          <a:xfrm>
-            <a:off x="5753447" y="5026054"/>
-            <a:ext cx="5545108" cy="830997"/>
-          </a:xfrm>
-          <a:prstGeom prst="rect">
-            <a:avLst/>
-          </a:prstGeom>
-          <a:noFill/>
-        </p:spPr>
-        <p:txBody>
-          <a:bodyPr wrap="none" rtlCol="0">
-            <a:spAutoFit/>
-          </a:bodyPr>
-          <a:lstStyle/>
-          <a:p>
-            <a:r>
-              <a:rPr lang="ko-KR" altLang="en-US" sz="2400" dirty="0"/>
-              <a:t>◆ 합리적인 장보기를 도와주는 자료를</a:t>
-            </a:r>
-            <a:endParaRPr lang="en-US" altLang="ko-KR" sz="2400" dirty="0"/>
-          </a:p>
-          <a:p>
-            <a:r>
-              <a:rPr lang="en-US" altLang="ko-KR" sz="2400" dirty="0"/>
-              <a:t>    </a:t>
-            </a:r>
-            <a:r>
-              <a:rPr lang="ko-KR" altLang="en-US" sz="2400" dirty="0"/>
-              <a:t>빠르고 쉽게 확인</a:t>
-            </a:r>
-          </a:p>
-        </p:txBody>
-      </p:sp>
-      <p:sp>
-        <p:nvSpPr>
-          <p:cNvPr id="19" name="아래쪽 화살표 18"/>
-          <p:cNvSpPr/>
-          <p:nvPr/>
-        </p:nvSpPr>
-        <p:spPr>
-          <a:xfrm>
-            <a:off x="8164296" y="3222294"/>
-            <a:ext cx="723410" cy="858981"/>
-          </a:xfrm>
-          <a:prstGeom prst="downArrow">
-            <a:avLst/>
-          </a:prstGeom>
-          <a:solidFill>
-            <a:srgbClr val="5F5E58"/>
-          </a:solidFill>
-          <a:ln>
-            <a:noFill/>
-          </a:ln>
-        </p:spPr>
-        <p:style>
-          <a:lnRef idx="2">
-            <a:schemeClr val="accent1">
-              <a:shade val="50000"/>
-            </a:schemeClr>
-          </a:lnRef>
-          <a:fillRef idx="1">
-            <a:schemeClr val="accent1"/>
-          </a:fillRef>
-          <a:effectRef idx="0">
-            <a:schemeClr val="accent1"/>
-          </a:effectRef>
-          <a:fontRef idx="minor">
-            <a:schemeClr val="lt1"/>
-          </a:fontRef>
-        </p:style>
-        <p:txBody>
-          <a:bodyPr rtlCol="0" anchor="ctr"/>
-          <a:lstStyle/>
-          <a:p>
-            <a:pPr algn="ctr"/>
-            <a:endParaRPr lang="ko-KR" altLang="en-US"/>
-          </a:p>
-        </p:txBody>
-      </p:sp>
-      <p:pic>
-        <p:nvPicPr>
-          <p:cNvPr id="6" name="그림 5">
-            <a:extLst>
-              <a:ext uri="{FF2B5EF4-FFF2-40B4-BE49-F238E27FC236}">
-                <a16:creationId xmlns:a16="http://schemas.microsoft.com/office/drawing/2014/main" id="{69333BA8-A253-44F9-B903-9730B769293D}"/>
-              </a:ext>
-            </a:extLst>
-          </p:cNvPr>
-          <p:cNvPicPr>
-            <a:picLocks noChangeAspect="1"/>
-          </p:cNvPicPr>
-          <p:nvPr/>
-        </p:nvPicPr>
-        <p:blipFill>
-          <a:blip r:embed="rId3">
-            <a:extLst>
-              <a:ext uri="{28A0092B-C50C-407E-A947-70E740481C1C}">
-                <a14:useLocalDpi xmlns:a14="http://schemas.microsoft.com/office/drawing/2010/main" val="0"/>
-              </a:ext>
-            </a:extLst>
-          </a:blip>
-          <a:stretch>
-            <a:fillRect/>
-          </a:stretch>
-        </p:blipFill>
-        <p:spPr>
-          <a:xfrm>
-            <a:off x="678643" y="3927192"/>
-            <a:ext cx="4823460" cy="2519172"/>
-          </a:xfrm>
-          <a:prstGeom prst="rect">
-            <a:avLst/>
-          </a:prstGeom>
-        </p:spPr>
-      </p:pic>
-    </p:spTree>
-    <p:extLst>
-      <p:ext uri="{BB962C8B-B14F-4D97-AF65-F5344CB8AC3E}">
-        <p14:creationId xmlns:p14="http://schemas.microsoft.com/office/powerpoint/2010/main" val="1502428214"/>
-      </p:ext>
-    </p:extLst>
-  </p:cSld>
-  <p:clrMapOvr>
-    <a:masterClrMapping/>
-  </p:clrMapOvr>
-</p:sld>
-</file>
-
-<file path=ppt/slides/slide5.xml><?xml version="1.0" encoding="utf-8"?>
-<p:sld xmlns:a="http://schemas.openxmlformats.org/drawingml/2006/main" xmlns:r="http://schemas.openxmlformats.org/officeDocument/2006/relationships" xmlns:p="http://schemas.openxmlformats.org/presentationml/2006/main">
-  <p:cSld>
-    <p:spTree>
-      <p:nvGrpSpPr>
-        <p:cNvPr id="1" name=""/>
-        <p:cNvGrpSpPr/>
-        <p:nvPr/>
-      </p:nvGrpSpPr>
-      <p:grpSpPr>
-        <a:xfrm>
-          <a:off x="0" y="0"/>
-          <a:ext cx="0" cy="0"/>
-          <a:chOff x="0" y="0"/>
-          <a:chExt cx="0" cy="0"/>
-        </a:xfrm>
-      </p:grpSpPr>
-      <p:sp>
-        <p:nvSpPr>
-          <p:cNvPr id="6" name="오각형 5"/>
-          <p:cNvSpPr/>
-          <p:nvPr/>
-        </p:nvSpPr>
-        <p:spPr>
-          <a:xfrm>
-            <a:off x="0" y="0"/>
-            <a:ext cx="12192000" cy="6858000"/>
-          </a:xfrm>
-          <a:prstGeom prst="homePlate">
-            <a:avLst/>
-          </a:prstGeom>
-          <a:solidFill>
-            <a:srgbClr val="49A6A6">
-              <a:alpha val="85000"/>
-            </a:srgbClr>
-          </a:solidFill>
-          <a:ln>
-            <a:noFill/>
-          </a:ln>
-          <a:effectLst>
-            <a:outerShdw blurRad="50800" dist="38100" dir="2700000" algn="tl" rotWithShape="0">
-              <a:prstClr val="black">
-                <a:alpha val="40000"/>
-              </a:prstClr>
-            </a:outerShdw>
-          </a:effectLst>
-        </p:spPr>
-        <p:style>
-          <a:lnRef idx="2">
-            <a:schemeClr val="accent1">
-              <a:shade val="50000"/>
-            </a:schemeClr>
-          </a:lnRef>
-          <a:fillRef idx="1">
-            <a:schemeClr val="accent1"/>
-          </a:fillRef>
-          <a:effectRef idx="0">
-            <a:schemeClr val="accent1"/>
-          </a:effectRef>
-          <a:fontRef idx="minor">
-            <a:schemeClr val="lt1"/>
-          </a:fontRef>
-        </p:style>
-        <p:txBody>
-          <a:bodyPr rtlCol="0" anchor="ctr"/>
-          <a:lstStyle/>
-          <a:p>
-            <a:pPr algn="ctr"/>
-            <a:endParaRPr lang="ko-KR" altLang="en-US"/>
-          </a:p>
-        </p:txBody>
-      </p:sp>
-      <p:sp>
-        <p:nvSpPr>
-          <p:cNvPr id="2" name="TextBox 1"/>
-          <p:cNvSpPr txBox="1"/>
-          <p:nvPr/>
-        </p:nvSpPr>
-        <p:spPr>
-          <a:xfrm>
-            <a:off x="1835859" y="2767280"/>
-            <a:ext cx="6468437" cy="1323439"/>
-          </a:xfrm>
-          <a:prstGeom prst="rect">
-            <a:avLst/>
-          </a:prstGeom>
-          <a:noFill/>
-        </p:spPr>
-        <p:txBody>
-          <a:bodyPr wrap="none" rtlCol="0">
-            <a:spAutoFit/>
-          </a:bodyPr>
-          <a:lstStyle/>
-          <a:p>
-            <a:r>
-              <a:rPr lang="en-US" altLang="ko-KR" sz="8000" b="1" dirty="0">
-                <a:solidFill>
-                  <a:schemeClr val="bg1"/>
-                </a:solidFill>
-              </a:rPr>
-              <a:t>02. </a:t>
-            </a:r>
-            <a:r>
-              <a:rPr lang="ko-KR" altLang="en-US" sz="8000" b="1" dirty="0">
-                <a:solidFill>
-                  <a:schemeClr val="bg1"/>
-                </a:solidFill>
-              </a:rPr>
-              <a:t>개발 내용</a:t>
-            </a:r>
-          </a:p>
-        </p:txBody>
-      </p:sp>
-    </p:spTree>
-    <p:extLst>
-      <p:ext uri="{BB962C8B-B14F-4D97-AF65-F5344CB8AC3E}">
-        <p14:creationId xmlns:p14="http://schemas.microsoft.com/office/powerpoint/2010/main" val="1968968662"/>
-      </p:ext>
-    </p:extLst>
-  </p:cSld>
-  <p:clrMapOvr>
-    <a:masterClrMapping/>
-  </p:clrMapOvr>
-</p:sld>
-</file>
-
-<file path=ppt/slides/slide6.xml><?xml version="1.0" encoding="utf-8"?>
-<p:sld xmlns:a="http://schemas.openxmlformats.org/drawingml/2006/main" xmlns:r="http://schemas.openxmlformats.org/officeDocument/2006/relationships" xmlns:p="http://schemas.openxmlformats.org/presentationml/2006/main">
-  <p:cSld>
-    <p:spTree>
-      <p:nvGrpSpPr>
-        <p:cNvPr id="1" name=""/>
-        <p:cNvGrpSpPr/>
-        <p:nvPr/>
-      </p:nvGrpSpPr>
-      <p:grpSpPr>
-        <a:xfrm>
-          <a:off x="0" y="0"/>
-          <a:ext cx="0" cy="0"/>
-          <a:chOff x="0" y="0"/>
-          <a:chExt cx="0" cy="0"/>
-        </a:xfrm>
-      </p:grpSpPr>
-      <p:sp>
-        <p:nvSpPr>
-          <p:cNvPr id="4" name="직사각형 3"/>
-          <p:cNvSpPr/>
-          <p:nvPr/>
-        </p:nvSpPr>
-        <p:spPr>
-          <a:xfrm>
-            <a:off x="0" y="-1"/>
-            <a:ext cx="180000" cy="1440000"/>
-          </a:xfrm>
-          <a:prstGeom prst="rect">
-            <a:avLst/>
-          </a:prstGeom>
-          <a:solidFill>
-            <a:srgbClr val="49A6A6"/>
-          </a:solidFill>
-          <a:ln>
-            <a:noFill/>
-          </a:ln>
-        </p:spPr>
-        <p:style>
-          <a:lnRef idx="2">
-            <a:schemeClr val="accent1">
-              <a:shade val="50000"/>
-            </a:schemeClr>
-          </a:lnRef>
-          <a:fillRef idx="1">
-            <a:schemeClr val="accent1"/>
-          </a:fillRef>
-          <a:effectRef idx="0">
-            <a:schemeClr val="accent1"/>
-          </a:effectRef>
-          <a:fontRef idx="minor">
-            <a:schemeClr val="lt1"/>
-          </a:fontRef>
-        </p:style>
-        <p:txBody>
-          <a:bodyPr rtlCol="0" anchor="ctr"/>
-          <a:lstStyle/>
-          <a:p>
-            <a:pPr algn="ctr"/>
-            <a:endParaRPr lang="ko-KR" altLang="en-US" dirty="0"/>
-          </a:p>
-        </p:txBody>
-      </p:sp>
-      <p:sp>
-        <p:nvSpPr>
-          <p:cNvPr id="5" name="TextBox 4"/>
-          <p:cNvSpPr txBox="1"/>
-          <p:nvPr/>
-        </p:nvSpPr>
-        <p:spPr>
-          <a:xfrm>
-            <a:off x="466326" y="258334"/>
-            <a:ext cx="3890809" cy="923330"/>
-          </a:xfrm>
-          <a:prstGeom prst="rect">
-            <a:avLst/>
-          </a:prstGeom>
-          <a:noFill/>
-        </p:spPr>
-        <p:txBody>
-          <a:bodyPr wrap="none" rtlCol="0">
-            <a:spAutoFit/>
-          </a:bodyPr>
-          <a:lstStyle/>
-          <a:p>
-            <a:r>
-              <a:rPr lang="ko-KR" altLang="en-US" sz="5400" b="1" dirty="0"/>
-              <a:t>시스템 구성</a:t>
-            </a:r>
+              <a:t>데이터 수집 및 </a:t>
+            </a:r>
+            <a:r>
+              <a:rPr lang="ko-KR" altLang="en-US" sz="5400" b="1" dirty="0" err="1"/>
+              <a:t>전처리</a:t>
+            </a:r>
+            <a:endParaRPr lang="ko-KR" altLang="en-US" sz="5400" b="1" dirty="0"/>
           </a:p>
         </p:txBody>
       </p:sp>
@@ -4805,10 +3977,10 @@
       </p:sp>
       <p:pic>
         <p:nvPicPr>
-          <p:cNvPr id="10" name="그림 9">
+          <p:cNvPr id="12" name="그림 11">
             <a:extLst>
               <a:ext uri="{FF2B5EF4-FFF2-40B4-BE49-F238E27FC236}">
-                <a16:creationId xmlns:a16="http://schemas.microsoft.com/office/drawing/2014/main" id="{375DFA17-BFB5-4E1F-BFA8-4890ECE8505C}"/>
+                <a16:creationId xmlns:a16="http://schemas.microsoft.com/office/drawing/2014/main" id="{5E958969-92DF-4DC3-9C7F-BA847AE92FF7}"/>
               </a:ext>
             </a:extLst>
           </p:cNvPr>
@@ -4831,116 +4003,8 @@
         </p:blipFill>
         <p:spPr>
           <a:xfrm>
-            <a:off x="399877" y="2723736"/>
-            <a:ext cx="1211472" cy="1138050"/>
-          </a:xfrm>
-          <a:prstGeom prst="rect">
-            <a:avLst/>
-          </a:prstGeom>
-        </p:spPr>
-      </p:pic>
-      <p:pic>
-        <p:nvPicPr>
-          <p:cNvPr id="12" name="그림 11">
-            <a:extLst>
-              <a:ext uri="{FF2B5EF4-FFF2-40B4-BE49-F238E27FC236}">
-                <a16:creationId xmlns:a16="http://schemas.microsoft.com/office/drawing/2014/main" id="{5E958969-92DF-4DC3-9C7F-BA847AE92FF7}"/>
-              </a:ext>
-            </a:extLst>
-          </p:cNvPr>
-          <p:cNvPicPr>
-            <a:picLocks noChangeAspect="1"/>
-          </p:cNvPicPr>
-          <p:nvPr/>
-        </p:nvPicPr>
-        <p:blipFill>
-          <a:blip r:embed="rId4">
-            <a:extLst>
-              <a:ext uri="{28A0092B-C50C-407E-A947-70E740481C1C}">
-                <a14:useLocalDpi xmlns:a14="http://schemas.microsoft.com/office/drawing/2010/main" val="0"/>
-              </a:ext>
-            </a:extLst>
-          </a:blip>
-          <a:stretch>
-            <a:fillRect/>
-          </a:stretch>
-        </p:blipFill>
-        <p:spPr>
-          <a:xfrm>
-            <a:off x="6504610" y="673333"/>
+            <a:off x="101355" y="1447580"/>
             <a:ext cx="1539373" cy="899238"/>
-          </a:xfrm>
-          <a:prstGeom prst="rect">
-            <a:avLst/>
-          </a:prstGeom>
-        </p:spPr>
-      </p:pic>
-      <p:pic>
-        <p:nvPicPr>
-          <p:cNvPr id="14" name="그림 13">
-            <a:extLst>
-              <a:ext uri="{FF2B5EF4-FFF2-40B4-BE49-F238E27FC236}">
-                <a16:creationId xmlns:a16="http://schemas.microsoft.com/office/drawing/2014/main" id="{34AD7AD8-643E-4C8C-A8F7-367E4DF90A4C}"/>
-              </a:ext>
-            </a:extLst>
-          </p:cNvPr>
-          <p:cNvPicPr>
-            <a:picLocks noChangeAspect="1"/>
-          </p:cNvPicPr>
-          <p:nvPr/>
-        </p:nvPicPr>
-        <p:blipFill>
-          <a:blip r:embed="rId5">
-            <a:extLst>
-              <a:ext uri="{28A0092B-C50C-407E-A947-70E740481C1C}">
-                <a14:useLocalDpi xmlns:a14="http://schemas.microsoft.com/office/drawing/2010/main" val="0"/>
-              </a:ext>
-            </a:extLst>
-          </a:blip>
-          <a:stretch>
-            <a:fillRect/>
-          </a:stretch>
-        </p:blipFill>
-        <p:spPr>
-          <a:xfrm>
-            <a:off x="2411730" y="2480294"/>
-            <a:ext cx="2142114" cy="1505780"/>
-          </a:xfrm>
-          <a:prstGeom prst="rect">
-            <a:avLst/>
-          </a:prstGeom>
-        </p:spPr>
-      </p:pic>
-      <p:pic>
-        <p:nvPicPr>
-          <p:cNvPr id="16" name="그림 15" descr="텍스트이(가) 표시된 사진&#10;&#10;자동 생성된 설명">
-            <a:extLst>
-              <a:ext uri="{FF2B5EF4-FFF2-40B4-BE49-F238E27FC236}">
-                <a16:creationId xmlns:a16="http://schemas.microsoft.com/office/drawing/2014/main" id="{7C5D976D-5BD7-467F-918D-0409C66BC6D0}"/>
-              </a:ext>
-            </a:extLst>
-          </p:cNvPr>
-          <p:cNvPicPr>
-            <a:picLocks noChangeAspect="1"/>
-          </p:cNvPicPr>
-          <p:nvPr/>
-        </p:nvPicPr>
-        <p:blipFill>
-          <a:blip r:embed="rId6">
-            <a:extLst>
-              <a:ext uri="{28A0092B-C50C-407E-A947-70E740481C1C}">
-                <a14:useLocalDpi xmlns:a14="http://schemas.microsoft.com/office/drawing/2010/main" val="0"/>
-              </a:ext>
-            </a:extLst>
-          </a:blip>
-          <a:stretch>
-            <a:fillRect/>
-          </a:stretch>
-        </p:blipFill>
-        <p:spPr>
-          <a:xfrm>
-            <a:off x="5687390" y="2830268"/>
-            <a:ext cx="817220" cy="924986"/>
           </a:xfrm>
           <a:prstGeom prst="rect">
             <a:avLst/>
@@ -4962,7 +4026,7 @@
           <p:nvPr/>
         </p:nvPicPr>
         <p:blipFill>
-          <a:blip r:embed="rId7" cstate="print">
+          <a:blip r:embed="rId4" cstate="print">
             <a:extLst>
               <a:ext uri="{28A0092B-C50C-407E-A947-70E740481C1C}">
                 <a14:useLocalDpi xmlns:a14="http://schemas.microsoft.com/office/drawing/2010/main" val="0"/>
@@ -4975,7 +4039,7 @@
         </p:blipFill>
         <p:spPr>
           <a:xfrm>
-            <a:off x="10115930" y="2575636"/>
+            <a:off x="10566176" y="3216974"/>
             <a:ext cx="1223854" cy="1434250"/>
           </a:xfrm>
           <a:prstGeom prst="rect">
@@ -4998,7 +4062,7 @@
           <p:nvPr/>
         </p:nvPicPr>
         <p:blipFill>
-          <a:blip r:embed="rId8" cstate="print">
+          <a:blip r:embed="rId5" cstate="print">
             <a:extLst>
               <a:ext uri="{28A0092B-C50C-407E-A947-70E740481C1C}">
                 <a14:useLocalDpi xmlns:a14="http://schemas.microsoft.com/office/drawing/2010/main" val="0"/>
@@ -5011,7 +4075,7 @@
         </p:blipFill>
         <p:spPr>
           <a:xfrm>
-            <a:off x="8084886" y="2783565"/>
+            <a:off x="3119177" y="3166308"/>
             <a:ext cx="1039334" cy="899238"/>
           </a:xfrm>
           <a:prstGeom prst="rect">
@@ -5037,7 +4101,7 @@
           <p:nvPr/>
         </p:nvPicPr>
         <p:blipFill>
-          <a:blip r:embed="rId4">
+          <a:blip r:embed="rId3">
             <a:extLst>
               <a:ext uri="{28A0092B-C50C-407E-A947-70E740481C1C}">
                 <a14:useLocalDpi xmlns:a14="http://schemas.microsoft.com/office/drawing/2010/main" val="0"/>
@@ -5050,7 +4114,7 @@
         </p:blipFill>
         <p:spPr>
           <a:xfrm>
-            <a:off x="6504609" y="4909476"/>
+            <a:off x="101354" y="4152580"/>
             <a:ext cx="1539373" cy="899238"/>
           </a:xfrm>
           <a:prstGeom prst="rect">
@@ -5073,7 +4137,7 @@
           <p:nvPr/>
         </p:nvPicPr>
         <p:blipFill>
-          <a:blip r:embed="rId4">
+          <a:blip r:embed="rId3">
             <a:extLst>
               <a:ext uri="{28A0092B-C50C-407E-A947-70E740481C1C}">
                 <a14:useLocalDpi xmlns:a14="http://schemas.microsoft.com/office/drawing/2010/main" val="0"/>
@@ -5086,7 +4150,7 @@
         </p:blipFill>
         <p:spPr>
           <a:xfrm>
-            <a:off x="8874941" y="673333"/>
+            <a:off x="101354" y="2801170"/>
             <a:ext cx="1539373" cy="899238"/>
           </a:xfrm>
           <a:prstGeom prst="rect">
@@ -5109,7 +4173,7 @@
           <p:nvPr/>
         </p:nvPicPr>
         <p:blipFill>
-          <a:blip r:embed="rId4">
+          <a:blip r:embed="rId3">
             <a:extLst>
               <a:ext uri="{28A0092B-C50C-407E-A947-70E740481C1C}">
                 <a14:useLocalDpi xmlns:a14="http://schemas.microsoft.com/office/drawing/2010/main" val="0"/>
@@ -5122,7 +4186,7 @@
         </p:blipFill>
         <p:spPr>
           <a:xfrm>
-            <a:off x="8874941" y="4909476"/>
+            <a:off x="101353" y="5503990"/>
             <a:ext cx="1539373" cy="899238"/>
           </a:xfrm>
           <a:prstGeom prst="rect">
@@ -5132,10 +4196,10 @@
       </p:pic>
       <p:sp>
         <p:nvSpPr>
-          <p:cNvPr id="17" name="화살표: 오른쪽 16">
+          <p:cNvPr id="25" name="화살표: 오른쪽 24">
             <a:extLst>
               <a:ext uri="{FF2B5EF4-FFF2-40B4-BE49-F238E27FC236}">
-                <a16:creationId xmlns:a16="http://schemas.microsoft.com/office/drawing/2014/main" id="{514D5759-E473-40C5-AC47-2AAD3257D39B}"/>
+                <a16:creationId xmlns:a16="http://schemas.microsoft.com/office/drawing/2014/main" id="{8319987D-D268-4943-82E2-A31132305DD6}"/>
               </a:ext>
             </a:extLst>
           </p:cNvPr>
@@ -5143,8 +4207,8 @@
           <p:nvPr/>
         </p:nvSpPr>
         <p:spPr>
-          <a:xfrm>
-            <a:off x="1701875" y="3051813"/>
+          <a:xfrm rot="2691798">
+            <a:off x="1697367" y="2567315"/>
             <a:ext cx="709466" cy="204236"/>
           </a:xfrm>
           <a:prstGeom prst="rightArrow">
@@ -5178,10 +4242,10 @@
       </p:sp>
       <p:sp>
         <p:nvSpPr>
-          <p:cNvPr id="24" name="화살표: 오른쪽 23">
+          <p:cNvPr id="26" name="화살표: 오른쪽 25">
             <a:extLst>
               <a:ext uri="{FF2B5EF4-FFF2-40B4-BE49-F238E27FC236}">
-                <a16:creationId xmlns:a16="http://schemas.microsoft.com/office/drawing/2014/main" id="{47E4E44E-67FC-46D4-A565-ADC56CA64B1B}"/>
+                <a16:creationId xmlns:a16="http://schemas.microsoft.com/office/drawing/2014/main" id="{7A56B0E1-18E2-4FB7-9195-140BE2BE05F7}"/>
               </a:ext>
             </a:extLst>
           </p:cNvPr>
@@ -5189,8 +4253,8 @@
           <p:nvPr/>
         </p:nvSpPr>
         <p:spPr>
-          <a:xfrm>
-            <a:off x="4768433" y="3043740"/>
+          <a:xfrm rot="1832905">
+            <a:off x="1699025" y="3598290"/>
             <a:ext cx="709466" cy="204236"/>
           </a:xfrm>
           <a:prstGeom prst="rightArrow">
@@ -5224,10 +4288,10 @@
       </p:sp>
       <p:sp>
         <p:nvSpPr>
-          <p:cNvPr id="25" name="화살표: 오른쪽 24">
+          <p:cNvPr id="27" name="화살표: 오른쪽 26">
             <a:extLst>
               <a:ext uri="{FF2B5EF4-FFF2-40B4-BE49-F238E27FC236}">
-                <a16:creationId xmlns:a16="http://schemas.microsoft.com/office/drawing/2014/main" id="{8319987D-D268-4943-82E2-A31132305DD6}"/>
+                <a16:creationId xmlns:a16="http://schemas.microsoft.com/office/drawing/2014/main" id="{522A7356-22B6-40C3-9386-AB65095A7122}"/>
               </a:ext>
             </a:extLst>
           </p:cNvPr>
@@ -5235,8 +4299,8 @@
           <p:nvPr/>
         </p:nvSpPr>
         <p:spPr>
-          <a:xfrm rot="3291755">
-            <a:off x="7283423" y="1928795"/>
+          <a:xfrm rot="18566995">
+            <a:off x="1678151" y="5512688"/>
             <a:ext cx="709466" cy="204236"/>
           </a:xfrm>
           <a:prstGeom prst="rightArrow">
@@ -5270,10 +4334,10 @@
       </p:sp>
       <p:sp>
         <p:nvSpPr>
-          <p:cNvPr id="26" name="화살표: 오른쪽 25">
+          <p:cNvPr id="28" name="화살표: 오른쪽 27">
             <a:extLst>
               <a:ext uri="{FF2B5EF4-FFF2-40B4-BE49-F238E27FC236}">
-                <a16:creationId xmlns:a16="http://schemas.microsoft.com/office/drawing/2014/main" id="{7A56B0E1-18E2-4FB7-9195-140BE2BE05F7}"/>
+                <a16:creationId xmlns:a16="http://schemas.microsoft.com/office/drawing/2014/main" id="{4EC24EF9-98D4-464A-B24A-38E0E32323D2}"/>
               </a:ext>
             </a:extLst>
           </p:cNvPr>
@@ -5281,9 +4345,9 @@
           <p:nvPr/>
         </p:nvSpPr>
         <p:spPr>
-          <a:xfrm rot="7261906">
-            <a:off x="9019521" y="1928795"/>
-            <a:ext cx="709466" cy="204236"/>
+          <a:xfrm>
+            <a:off x="4379269" y="3689246"/>
+            <a:ext cx="5953607" cy="300321"/>
           </a:xfrm>
           <a:prstGeom prst="rightArrow">
             <a:avLst/>
@@ -5316,10 +4380,10 @@
       </p:sp>
       <p:sp>
         <p:nvSpPr>
-          <p:cNvPr id="27" name="화살표: 오른쪽 26">
+          <p:cNvPr id="30" name="화살표: 오른쪽 29">
             <a:extLst>
               <a:ext uri="{FF2B5EF4-FFF2-40B4-BE49-F238E27FC236}">
-                <a16:creationId xmlns:a16="http://schemas.microsoft.com/office/drawing/2014/main" id="{522A7356-22B6-40C3-9386-AB65095A7122}"/>
+                <a16:creationId xmlns:a16="http://schemas.microsoft.com/office/drawing/2014/main" id="{3A72714E-6661-4FB3-BDAC-1FD8DCFC0A0C}"/>
               </a:ext>
             </a:extLst>
           </p:cNvPr>
@@ -5327,8 +4391,8 @@
           <p:nvPr/>
         </p:nvSpPr>
         <p:spPr>
-          <a:xfrm rot="18566995">
-            <a:off x="7347033" y="4468554"/>
+          <a:xfrm rot="20022277">
+            <a:off x="1708930" y="4568015"/>
             <a:ext cx="709466" cy="204236"/>
           </a:xfrm>
           <a:prstGeom prst="rightArrow">
@@ -5362,24 +4426,276 @@
       </p:sp>
       <p:sp>
         <p:nvSpPr>
-          <p:cNvPr id="28" name="화살표: 오른쪽 27">
+          <p:cNvPr id="38" name="TextBox 37">
             <a:extLst>
               <a:ext uri="{FF2B5EF4-FFF2-40B4-BE49-F238E27FC236}">
-                <a16:creationId xmlns:a16="http://schemas.microsoft.com/office/drawing/2014/main" id="{4EC24EF9-98D4-464A-B24A-38E0E32323D2}"/>
+                <a16:creationId xmlns:a16="http://schemas.microsoft.com/office/drawing/2014/main" id="{8F1E2B6B-82DB-47FD-A8D0-6AEE2EE974C1}"/>
               </a:ext>
             </a:extLst>
           </p:cNvPr>
+          <p:cNvSpPr txBox="1"/>
+          <p:nvPr/>
+        </p:nvSpPr>
+        <p:spPr>
+          <a:xfrm>
+            <a:off x="2629764" y="2755250"/>
+            <a:ext cx="1917961" cy="369332"/>
+          </a:xfrm>
+          <a:prstGeom prst="rect">
+            <a:avLst/>
+          </a:prstGeom>
+          <a:noFill/>
+        </p:spPr>
+        <p:txBody>
+          <a:bodyPr wrap="none" rtlCol="0">
+            <a:spAutoFit/>
+          </a:bodyPr>
+          <a:lstStyle/>
+          <a:p>
+            <a:r>
+              <a:rPr lang="en-US" altLang="ko-KR" dirty="0"/>
+              <a:t>Web Application</a:t>
+            </a:r>
+          </a:p>
+        </p:txBody>
+      </p:sp>
+      <p:sp>
+        <p:nvSpPr>
+          <p:cNvPr id="39" name="TextBox 38">
+            <a:extLst>
+              <a:ext uri="{FF2B5EF4-FFF2-40B4-BE49-F238E27FC236}">
+                <a16:creationId xmlns:a16="http://schemas.microsoft.com/office/drawing/2014/main" id="{16303B3A-2B4F-4CF8-9951-8D065D532336}"/>
+              </a:ext>
+            </a:extLst>
+          </p:cNvPr>
+          <p:cNvSpPr txBox="1"/>
+          <p:nvPr/>
+        </p:nvSpPr>
+        <p:spPr>
+          <a:xfrm>
+            <a:off x="10566176" y="2863070"/>
+            <a:ext cx="1222322" cy="369332"/>
+          </a:xfrm>
+          <a:prstGeom prst="rect">
+            <a:avLst/>
+          </a:prstGeom>
+          <a:noFill/>
+        </p:spPr>
+        <p:txBody>
+          <a:bodyPr wrap="none" rtlCol="0">
+            <a:spAutoFit/>
+          </a:bodyPr>
+          <a:lstStyle/>
+          <a:p>
+            <a:r>
+              <a:rPr lang="en-US" altLang="ko-KR" dirty="0"/>
+              <a:t>DB Server</a:t>
+            </a:r>
+          </a:p>
+        </p:txBody>
+      </p:sp>
+      <p:sp>
+        <p:nvSpPr>
+          <p:cNvPr id="3" name="TextBox 2">
+            <a:extLst>
+              <a:ext uri="{FF2B5EF4-FFF2-40B4-BE49-F238E27FC236}">
+                <a16:creationId xmlns:a16="http://schemas.microsoft.com/office/drawing/2014/main" id="{DD360850-C366-46F3-8B77-F7D56DA45B44}"/>
+              </a:ext>
+            </a:extLst>
+          </p:cNvPr>
+          <p:cNvSpPr txBox="1"/>
+          <p:nvPr/>
+        </p:nvSpPr>
+        <p:spPr>
+          <a:xfrm>
+            <a:off x="2122154" y="4162582"/>
+            <a:ext cx="3635354" cy="276999"/>
+          </a:xfrm>
+          <a:prstGeom prst="rect">
+            <a:avLst/>
+          </a:prstGeom>
+          <a:noFill/>
+        </p:spPr>
+        <p:txBody>
+          <a:bodyPr wrap="none" rtlCol="0">
+            <a:spAutoFit/>
+          </a:bodyPr>
+          <a:lstStyle/>
+          <a:p>
+            <a:r>
+              <a:rPr lang="en-US" altLang="ko-KR" sz="1200" dirty="0"/>
+              <a:t>API</a:t>
+            </a:r>
+            <a:r>
+              <a:rPr lang="ko-KR" altLang="en-US" sz="1200" dirty="0"/>
+              <a:t>에서 데이터 파싱</a:t>
+            </a:r>
+            <a:r>
+              <a:rPr lang="en-US" altLang="ko-KR" sz="1200" dirty="0"/>
+              <a:t>…(JSON, XML, CSV, HTML </a:t>
+            </a:r>
+            <a:r>
+              <a:rPr lang="ko-KR" altLang="en-US" sz="1200" dirty="0"/>
+              <a:t>등</a:t>
+            </a:r>
+            <a:r>
+              <a:rPr lang="en-US" altLang="ko-KR" sz="1200" dirty="0"/>
+              <a:t>)</a:t>
+            </a:r>
+            <a:endParaRPr lang="ko-KR" altLang="en-US" sz="1200" dirty="0"/>
+          </a:p>
+        </p:txBody>
+      </p:sp>
+      <p:sp>
+        <p:nvSpPr>
+          <p:cNvPr id="35" name="TextBox 34">
+            <a:extLst>
+              <a:ext uri="{FF2B5EF4-FFF2-40B4-BE49-F238E27FC236}">
+                <a16:creationId xmlns:a16="http://schemas.microsoft.com/office/drawing/2014/main" id="{D48FAFAA-36A8-4F8D-8514-2369DA470BFC}"/>
+              </a:ext>
+            </a:extLst>
+          </p:cNvPr>
+          <p:cNvSpPr txBox="1"/>
+          <p:nvPr/>
+        </p:nvSpPr>
+        <p:spPr>
+          <a:xfrm>
+            <a:off x="5375699" y="3054566"/>
+            <a:ext cx="4112023" cy="461665"/>
+          </a:xfrm>
+          <a:prstGeom prst="rect">
+            <a:avLst/>
+          </a:prstGeom>
+          <a:noFill/>
+        </p:spPr>
+        <p:txBody>
+          <a:bodyPr wrap="none" rtlCol="0">
+            <a:spAutoFit/>
+          </a:bodyPr>
+          <a:lstStyle/>
+          <a:p>
+            <a:r>
+              <a:rPr lang="ko-KR" altLang="en-US" sz="1200" dirty="0"/>
+              <a:t>각자 다른 형식의 데이터를 쓰기 좋은 형태</a:t>
+            </a:r>
+            <a:r>
+              <a:rPr lang="en-US" altLang="ko-KR" sz="1200" dirty="0"/>
+              <a:t>(JSON)</a:t>
+            </a:r>
+            <a:r>
+              <a:rPr lang="ko-KR" altLang="en-US" sz="1200" dirty="0"/>
+              <a:t>로 가공</a:t>
+            </a:r>
+            <a:endParaRPr lang="en-US" altLang="ko-KR" sz="1200" dirty="0"/>
+          </a:p>
+          <a:p>
+            <a:pPr algn="ctr"/>
+            <a:r>
+              <a:rPr lang="en-US" altLang="ko-KR" sz="1200" dirty="0"/>
+              <a:t>(</a:t>
+            </a:r>
+            <a:r>
+              <a:rPr lang="ko-KR" altLang="en-US" sz="1200" dirty="0"/>
+              <a:t>데이터 </a:t>
+            </a:r>
+            <a:r>
+              <a:rPr lang="ko-KR" altLang="en-US" sz="1200" dirty="0" err="1"/>
+              <a:t>전처리</a:t>
+            </a:r>
+            <a:r>
+              <a:rPr lang="en-US" altLang="ko-KR" sz="1200" dirty="0"/>
+              <a:t>)</a:t>
+            </a:r>
+            <a:endParaRPr lang="ko-KR" altLang="en-US" sz="1200" dirty="0"/>
+          </a:p>
+        </p:txBody>
+      </p:sp>
+      <p:pic>
+        <p:nvPicPr>
+          <p:cNvPr id="7" name="그림 6" descr="텍스트이(가) 표시된 사진&#10;&#10;자동 생성된 설명">
+            <a:extLst>
+              <a:ext uri="{FF2B5EF4-FFF2-40B4-BE49-F238E27FC236}">
+                <a16:creationId xmlns:a16="http://schemas.microsoft.com/office/drawing/2014/main" id="{83620E90-E49B-49A0-8B06-21B53A17E5F1}"/>
+              </a:ext>
+            </a:extLst>
+          </p:cNvPr>
+          <p:cNvPicPr>
+            <a:picLocks noChangeAspect="1"/>
+          </p:cNvPicPr>
+          <p:nvPr/>
+        </p:nvPicPr>
+        <p:blipFill>
+          <a:blip r:embed="rId6">
+            <a:extLst>
+              <a:ext uri="{28A0092B-C50C-407E-A947-70E740481C1C}">
+                <a14:useLocalDpi xmlns:a14="http://schemas.microsoft.com/office/drawing/2010/main" val="0"/>
+              </a:ext>
+            </a:extLst>
+          </a:blip>
+          <a:stretch>
+            <a:fillRect/>
+          </a:stretch>
+        </p:blipFill>
+        <p:spPr>
+          <a:xfrm>
+            <a:off x="6096000" y="4113605"/>
+            <a:ext cx="3541038" cy="1998973"/>
+          </a:xfrm>
+          <a:prstGeom prst="rect">
+            <a:avLst/>
+          </a:prstGeom>
+        </p:spPr>
+      </p:pic>
+    </p:spTree>
+    <p:extLst>
+      <p:ext uri="{BB962C8B-B14F-4D97-AF65-F5344CB8AC3E}">
+        <p14:creationId xmlns:p14="http://schemas.microsoft.com/office/powerpoint/2010/main" val="567910677"/>
+      </p:ext>
+    </p:extLst>
+  </p:cSld>
+  <p:clrMapOvr>
+    <a:masterClrMapping/>
+  </p:clrMapOvr>
+</p:sld>
+</file>
+
+<file path=ppt/slides/slide11.xml><?xml version="1.0" encoding="utf-8"?>
+<p:sld xmlns:a="http://schemas.openxmlformats.org/drawingml/2006/main" xmlns:r="http://schemas.openxmlformats.org/officeDocument/2006/relationships" xmlns:p="http://schemas.openxmlformats.org/presentationml/2006/main">
+  <p:cSld>
+    <p:spTree>
+      <p:nvGrpSpPr>
+        <p:cNvPr id="1" name=""/>
+        <p:cNvGrpSpPr/>
+        <p:nvPr/>
+      </p:nvGrpSpPr>
+      <p:grpSpPr>
+        <a:xfrm>
+          <a:off x="0" y="0"/>
+          <a:ext cx="0" cy="0"/>
+          <a:chOff x="0" y="0"/>
+          <a:chExt cx="0" cy="0"/>
+        </a:xfrm>
+      </p:grpSpPr>
+      <p:sp>
+        <p:nvSpPr>
+          <p:cNvPr id="4" name="직사각형 3"/>
           <p:cNvSpPr/>
           <p:nvPr/>
         </p:nvSpPr>
         <p:spPr>
-          <a:xfrm rot="13823943">
-            <a:off x="8985092" y="4462124"/>
-            <a:ext cx="709466" cy="204236"/>
-          </a:xfrm>
-          <a:prstGeom prst="rightArrow">
-            <a:avLst/>
-          </a:prstGeom>
+          <a:xfrm>
+            <a:off x="0" y="-1"/>
+            <a:ext cx="180000" cy="1440000"/>
+          </a:xfrm>
+          <a:prstGeom prst="rect">
+            <a:avLst/>
+          </a:prstGeom>
+          <a:solidFill>
+            <a:srgbClr val="49A6A6"/>
+          </a:solidFill>
+          <a:ln>
+            <a:noFill/>
+          </a:ln>
         </p:spPr>
         <p:style>
           <a:lnRef idx="2">
@@ -5402,30 +4718,336 @@
           <a:lstStyle/>
           <a:p>
             <a:pPr algn="ctr"/>
-            <a:endParaRPr lang="ko-KR" altLang="en-US"/>
-          </a:p>
-        </p:txBody>
-      </p:sp>
-      <p:sp>
-        <p:nvSpPr>
-          <p:cNvPr id="29" name="화살표: 오른쪽 28">
+            <a:endParaRPr lang="ko-KR" altLang="en-US" dirty="0"/>
+          </a:p>
+        </p:txBody>
+      </p:sp>
+      <p:sp>
+        <p:nvSpPr>
+          <p:cNvPr id="5" name="TextBox 4"/>
+          <p:cNvSpPr txBox="1"/>
+          <p:nvPr/>
+        </p:nvSpPr>
+        <p:spPr>
+          <a:xfrm>
+            <a:off x="466326" y="258334"/>
+            <a:ext cx="4847802" cy="923330"/>
+          </a:xfrm>
+          <a:prstGeom prst="rect">
+            <a:avLst/>
+          </a:prstGeom>
+          <a:noFill/>
+        </p:spPr>
+        <p:txBody>
+          <a:bodyPr wrap="none" rtlCol="0">
+            <a:spAutoFit/>
+          </a:bodyPr>
+          <a:lstStyle/>
+          <a:p>
+            <a:r>
+              <a:rPr lang="en-US" altLang="ko-KR" sz="5400" b="1" dirty="0"/>
+              <a:t>DB </a:t>
+            </a:r>
+            <a:r>
+              <a:rPr lang="ko-KR" altLang="en-US" sz="5400" b="1" dirty="0"/>
+              <a:t>모델링방법</a:t>
+            </a:r>
+            <a:endParaRPr lang="en-US" altLang="ko-KR" sz="5400" b="1" dirty="0"/>
+          </a:p>
+        </p:txBody>
+      </p:sp>
+      <p:sp>
+        <p:nvSpPr>
+          <p:cNvPr id="2" name="TextBox 1">
             <a:extLst>
               <a:ext uri="{FF2B5EF4-FFF2-40B4-BE49-F238E27FC236}">
-                <a16:creationId xmlns:a16="http://schemas.microsoft.com/office/drawing/2014/main" id="{F4D5076D-58AD-4E78-BC89-6D73F14415A9}"/>
+                <a16:creationId xmlns:a16="http://schemas.microsoft.com/office/drawing/2014/main" id="{E2654DCF-B098-447A-9727-2CB745182594}"/>
               </a:ext>
             </a:extLst>
           </p:cNvPr>
+          <p:cNvSpPr txBox="1"/>
+          <p:nvPr/>
+        </p:nvSpPr>
+        <p:spPr>
+          <a:xfrm>
+            <a:off x="3364638" y="1704513"/>
+            <a:ext cx="6520118" cy="4585871"/>
+          </a:xfrm>
+          <a:prstGeom prst="rect">
+            <a:avLst/>
+          </a:prstGeom>
+          <a:noFill/>
+        </p:spPr>
+        <p:txBody>
+          <a:bodyPr wrap="none" rtlCol="0">
+            <a:spAutoFit/>
+          </a:bodyPr>
+          <a:lstStyle/>
+          <a:p>
+            <a:r>
+              <a:rPr lang="en-US" altLang="ko-KR" sz="2400" b="1" dirty="0"/>
+              <a:t>MongoDB </a:t>
+            </a:r>
+            <a:r>
+              <a:rPr lang="ko-KR" altLang="en-US" sz="2400" b="1" dirty="0"/>
+              <a:t>주요 특징</a:t>
+            </a:r>
+          </a:p>
+          <a:p>
+            <a:endParaRPr lang="ko-KR" altLang="en-US" dirty="0"/>
+          </a:p>
+          <a:p>
+            <a:r>
+              <a:rPr lang="en-US" altLang="ko-KR" dirty="0"/>
+              <a:t>Secondary Index </a:t>
+            </a:r>
+          </a:p>
+          <a:p>
+            <a:r>
+              <a:rPr lang="en-US" altLang="ko-KR" dirty="0"/>
+              <a:t>  ▪ </a:t>
+            </a:r>
+            <a:r>
+              <a:rPr lang="ko-KR" altLang="en-US" dirty="0"/>
+              <a:t>다른 </a:t>
+            </a:r>
+            <a:r>
+              <a:rPr lang="en-US" altLang="ko-KR" dirty="0"/>
+              <a:t>NOSQL </a:t>
+            </a:r>
+            <a:r>
+              <a:rPr lang="ko-KR" altLang="en-US" dirty="0"/>
+              <a:t>보다 </a:t>
+            </a:r>
+            <a:r>
+              <a:rPr lang="en-US" altLang="ko-KR" dirty="0"/>
+              <a:t>secondary index </a:t>
+            </a:r>
+            <a:r>
+              <a:rPr lang="ko-KR" altLang="en-US" dirty="0"/>
+              <a:t>기능이 발달되어 있음</a:t>
+            </a:r>
+          </a:p>
+          <a:p>
+            <a:endParaRPr lang="ko-KR" altLang="en-US" dirty="0"/>
+          </a:p>
+          <a:p>
+            <a:r>
+              <a:rPr lang="ko-KR" altLang="en-US" dirty="0" err="1"/>
+              <a:t>샤드키</a:t>
+            </a:r>
+            <a:r>
+              <a:rPr lang="ko-KR" altLang="en-US" dirty="0"/>
+              <a:t> 지정 </a:t>
+            </a:r>
+          </a:p>
+          <a:p>
+            <a:r>
+              <a:rPr lang="ko-KR" altLang="en-US" dirty="0"/>
+              <a:t>  ▪  </a:t>
+            </a:r>
+            <a:r>
+              <a:rPr lang="en-US" altLang="ko-KR" dirty="0"/>
+              <a:t>_id : </a:t>
+            </a:r>
+            <a:r>
+              <a:rPr lang="ko-KR" altLang="en-US" dirty="0"/>
+              <a:t>키 필드 </a:t>
+            </a:r>
+          </a:p>
+          <a:p>
+            <a:r>
+              <a:rPr lang="ko-KR" altLang="en-US" dirty="0"/>
+              <a:t>  ▪  </a:t>
+            </a:r>
+            <a:r>
+              <a:rPr lang="en-US" altLang="ko-KR" dirty="0"/>
+              <a:t>Shard Key &lt;&gt; _id </a:t>
+            </a:r>
+          </a:p>
+          <a:p>
+            <a:r>
+              <a:rPr lang="en-US" altLang="ko-KR" dirty="0"/>
+              <a:t>    - </a:t>
+            </a:r>
+            <a:r>
+              <a:rPr lang="ko-KR" altLang="en-US" dirty="0"/>
+              <a:t>대부분의 </a:t>
+            </a:r>
+            <a:r>
+              <a:rPr lang="en-US" altLang="ko-KR" dirty="0"/>
+              <a:t>NOSQL</a:t>
+            </a:r>
+            <a:r>
+              <a:rPr lang="ko-KR" altLang="en-US" dirty="0"/>
+              <a:t>은 </a:t>
+            </a:r>
+            <a:r>
+              <a:rPr lang="en-US" altLang="ko-KR" dirty="0"/>
+              <a:t>Row Key = Shard Key </a:t>
+            </a:r>
+            <a:r>
+              <a:rPr lang="ko-KR" altLang="en-US" dirty="0"/>
+              <a:t>임</a:t>
+            </a:r>
+          </a:p>
+          <a:p>
+            <a:endParaRPr lang="ko-KR" altLang="en-US" dirty="0"/>
+          </a:p>
+          <a:p>
+            <a:r>
+              <a:rPr lang="en-US" altLang="ko-KR" dirty="0"/>
+              <a:t>Document </a:t>
+            </a:r>
+            <a:r>
+              <a:rPr lang="ko-KR" altLang="en-US" dirty="0"/>
+              <a:t>기반 </a:t>
+            </a:r>
+          </a:p>
+          <a:p>
+            <a:r>
+              <a:rPr lang="ko-KR" altLang="en-US" dirty="0"/>
+              <a:t>  ▪ </a:t>
+            </a:r>
+            <a:r>
+              <a:rPr lang="en-US" altLang="ko-KR" dirty="0"/>
+              <a:t>JSON Style</a:t>
+            </a:r>
+            <a:r>
+              <a:rPr lang="ko-KR" altLang="en-US" dirty="0"/>
+              <a:t>의 </a:t>
+            </a:r>
+            <a:r>
+              <a:rPr lang="en-US" altLang="ko-KR" dirty="0"/>
+              <a:t>Document : BSON(Binary JSON)</a:t>
+            </a:r>
+          </a:p>
+          <a:p>
+            <a:endParaRPr lang="en-US" altLang="ko-KR" dirty="0"/>
+          </a:p>
+          <a:p>
+            <a:r>
+              <a:rPr lang="en-US" altLang="ko-KR" dirty="0"/>
+              <a:t>Modelling </a:t>
+            </a:r>
+            <a:r>
+              <a:rPr lang="ko-KR" altLang="en-US" dirty="0"/>
+              <a:t>주요 적용 모델링 기법 </a:t>
+            </a:r>
+          </a:p>
+          <a:p>
+            <a:r>
+              <a:rPr lang="ko-KR" altLang="en-US" dirty="0"/>
+              <a:t>  ▪ 비정규화</a:t>
+            </a:r>
+            <a:r>
+              <a:rPr lang="en-US" altLang="ko-KR" dirty="0"/>
+              <a:t>(Denormalization)</a:t>
+            </a:r>
+          </a:p>
+          <a:p>
+            <a:r>
+              <a:rPr lang="en-US" altLang="ko-KR" dirty="0"/>
+              <a:t>  ▪ </a:t>
+            </a:r>
+            <a:r>
+              <a:rPr lang="ko-KR" altLang="en-US" dirty="0"/>
+              <a:t>집합</a:t>
+            </a:r>
+            <a:r>
+              <a:rPr lang="en-US" altLang="ko-KR" dirty="0"/>
+              <a:t>(Aggregation)</a:t>
+            </a:r>
+            <a:endParaRPr lang="ko-KR" altLang="en-US" dirty="0"/>
+          </a:p>
+        </p:txBody>
+      </p:sp>
+      <p:pic>
+        <p:nvPicPr>
+          <p:cNvPr id="6" name="그림 5">
+            <a:extLst>
+              <a:ext uri="{FF2B5EF4-FFF2-40B4-BE49-F238E27FC236}">
+                <a16:creationId xmlns:a16="http://schemas.microsoft.com/office/drawing/2014/main" id="{F3303715-0801-4A01-8D09-FD2FBCD42595}"/>
+              </a:ext>
+            </a:extLst>
+          </p:cNvPr>
+          <p:cNvPicPr>
+            <a:picLocks noChangeAspect="1"/>
+          </p:cNvPicPr>
+          <p:nvPr/>
+        </p:nvPicPr>
+        <p:blipFill>
+          <a:blip r:embed="rId2" cstate="print">
+            <a:extLst>
+              <a:ext uri="{28A0092B-C50C-407E-A947-70E740481C1C}">
+                <a14:useLocalDpi xmlns:a14="http://schemas.microsoft.com/office/drawing/2010/main" val="0"/>
+              </a:ext>
+            </a:extLst>
+          </a:blip>
+          <a:stretch>
+            <a:fillRect/>
+          </a:stretch>
+        </p:blipFill>
+        <p:spPr>
+          <a:xfrm>
+            <a:off x="466326" y="2160754"/>
+            <a:ext cx="2164403" cy="2536491"/>
+          </a:xfrm>
+          <a:prstGeom prst="rect">
+            <a:avLst/>
+          </a:prstGeom>
+        </p:spPr>
+      </p:pic>
+    </p:spTree>
+    <p:extLst>
+      <p:ext uri="{BB962C8B-B14F-4D97-AF65-F5344CB8AC3E}">
+        <p14:creationId xmlns:p14="http://schemas.microsoft.com/office/powerpoint/2010/main" val="3928650401"/>
+      </p:ext>
+    </p:extLst>
+  </p:cSld>
+  <p:clrMapOvr>
+    <a:masterClrMapping/>
+  </p:clrMapOvr>
+</p:sld>
+</file>
+
+<file path=ppt/slides/slide12.xml><?xml version="1.0" encoding="utf-8"?>
+<p:sld xmlns:a="http://schemas.openxmlformats.org/drawingml/2006/main" xmlns:r="http://schemas.openxmlformats.org/officeDocument/2006/relationships" xmlns:p="http://schemas.openxmlformats.org/presentationml/2006/main">
+  <p:cSld>
+    <p:spTree>
+      <p:nvGrpSpPr>
+        <p:cNvPr id="1" name=""/>
+        <p:cNvGrpSpPr/>
+        <p:nvPr/>
+      </p:nvGrpSpPr>
+      <p:grpSpPr>
+        <a:xfrm>
+          <a:off x="0" y="0"/>
+          <a:ext cx="0" cy="0"/>
+          <a:chOff x="0" y="0"/>
+          <a:chExt cx="0" cy="0"/>
+        </a:xfrm>
+      </p:grpSpPr>
+      <p:sp>
+        <p:nvSpPr>
+          <p:cNvPr id="4" name="직사각형 3"/>
           <p:cNvSpPr/>
           <p:nvPr/>
         </p:nvSpPr>
         <p:spPr>
           <a:xfrm>
-            <a:off x="6887587" y="2919790"/>
-            <a:ext cx="709466" cy="204236"/>
-          </a:xfrm>
-          <a:prstGeom prst="rightArrow">
-            <a:avLst/>
-          </a:prstGeom>
+            <a:off x="0" y="-1"/>
+            <a:ext cx="180000" cy="1440000"/>
+          </a:xfrm>
+          <a:prstGeom prst="rect">
+            <a:avLst/>
+          </a:prstGeom>
+          <a:solidFill>
+            <a:srgbClr val="49A6A6"/>
+          </a:solidFill>
+          <a:ln>
+            <a:noFill/>
+          </a:ln>
         </p:spPr>
         <p:style>
           <a:lnRef idx="2">
@@ -5448,30 +5070,260 @@
           <a:lstStyle/>
           <a:p>
             <a:pPr algn="ctr"/>
-            <a:endParaRPr lang="ko-KR" altLang="en-US"/>
-          </a:p>
-        </p:txBody>
-      </p:sp>
-      <p:sp>
-        <p:nvSpPr>
-          <p:cNvPr id="30" name="화살표: 오른쪽 29">
+            <a:endParaRPr lang="ko-KR" altLang="en-US" dirty="0"/>
+          </a:p>
+        </p:txBody>
+      </p:sp>
+      <p:sp>
+        <p:nvSpPr>
+          <p:cNvPr id="5" name="TextBox 4"/>
+          <p:cNvSpPr txBox="1"/>
+          <p:nvPr/>
+        </p:nvSpPr>
+        <p:spPr>
+          <a:xfrm>
+            <a:off x="466326" y="258334"/>
+            <a:ext cx="4847802" cy="923330"/>
+          </a:xfrm>
+          <a:prstGeom prst="rect">
+            <a:avLst/>
+          </a:prstGeom>
+          <a:noFill/>
+        </p:spPr>
+        <p:txBody>
+          <a:bodyPr wrap="none" rtlCol="0">
+            <a:spAutoFit/>
+          </a:bodyPr>
+          <a:lstStyle/>
+          <a:p>
+            <a:r>
+              <a:rPr lang="en-US" altLang="ko-KR" sz="5400" b="1" dirty="0"/>
+              <a:t>DB </a:t>
+            </a:r>
+            <a:r>
+              <a:rPr lang="ko-KR" altLang="en-US" sz="5400" b="1" dirty="0"/>
+              <a:t>모델링방법</a:t>
+            </a:r>
+            <a:endParaRPr lang="en-US" altLang="ko-KR" sz="5400" b="1" dirty="0"/>
+          </a:p>
+        </p:txBody>
+      </p:sp>
+      <p:pic>
+        <p:nvPicPr>
+          <p:cNvPr id="11" name="그림 10">
             <a:extLst>
               <a:ext uri="{FF2B5EF4-FFF2-40B4-BE49-F238E27FC236}">
-                <a16:creationId xmlns:a16="http://schemas.microsoft.com/office/drawing/2014/main" id="{3A72714E-6661-4FB3-BDAC-1FD8DCFC0A0C}"/>
+                <a16:creationId xmlns:a16="http://schemas.microsoft.com/office/drawing/2014/main" id="{8709A984-7C38-405D-A993-2FDAE6285D7F}"/>
               </a:ext>
             </a:extLst>
           </p:cNvPr>
+          <p:cNvPicPr>
+            <a:picLocks noChangeAspect="1"/>
+          </p:cNvPicPr>
+          <p:nvPr/>
+        </p:nvPicPr>
+        <p:blipFill>
+          <a:blip r:embed="rId2">
+            <a:extLst>
+              <a:ext uri="{28A0092B-C50C-407E-A947-70E740481C1C}">
+                <a14:useLocalDpi xmlns:a14="http://schemas.microsoft.com/office/drawing/2010/main" val="0"/>
+              </a:ext>
+            </a:extLst>
+          </a:blip>
+          <a:stretch>
+            <a:fillRect/>
+          </a:stretch>
+        </p:blipFill>
+        <p:spPr>
+          <a:xfrm>
+            <a:off x="7295113" y="1732963"/>
+            <a:ext cx="2825431" cy="4275190"/>
+          </a:xfrm>
+          <a:prstGeom prst="rect">
+            <a:avLst/>
+          </a:prstGeom>
+        </p:spPr>
+      </p:pic>
+      <p:sp>
+        <p:nvSpPr>
+          <p:cNvPr id="12" name="TextBox 11">
+            <a:extLst>
+              <a:ext uri="{FF2B5EF4-FFF2-40B4-BE49-F238E27FC236}">
+                <a16:creationId xmlns:a16="http://schemas.microsoft.com/office/drawing/2014/main" id="{A0ECFD0A-32CB-43BD-BE32-75409DDE3EE1}"/>
+              </a:ext>
+            </a:extLst>
+          </p:cNvPr>
+          <p:cNvSpPr txBox="1"/>
+          <p:nvPr/>
+        </p:nvSpPr>
+        <p:spPr>
+          <a:xfrm>
+            <a:off x="466326" y="2061437"/>
+            <a:ext cx="6062878" cy="2462213"/>
+          </a:xfrm>
+          <a:prstGeom prst="rect">
+            <a:avLst/>
+          </a:prstGeom>
+          <a:noFill/>
+        </p:spPr>
+        <p:txBody>
+          <a:bodyPr wrap="none" rtlCol="0">
+            <a:spAutoFit/>
+          </a:bodyPr>
+          <a:lstStyle/>
+          <a:p>
+            <a:r>
+              <a:rPr lang="en-US" altLang="ko-KR" sz="2400" b="1" dirty="0"/>
+              <a:t>Tree </a:t>
+            </a:r>
+            <a:r>
+              <a:rPr lang="ko-KR" altLang="en-US" sz="2400" b="1" dirty="0"/>
+              <a:t>패턴</a:t>
+            </a:r>
+            <a:endParaRPr lang="en-US" altLang="ko-KR" sz="2400" b="1" dirty="0"/>
+          </a:p>
+          <a:p>
+            <a:endParaRPr lang="ko-KR" altLang="en-US" dirty="0"/>
+          </a:p>
+          <a:p>
+            <a:r>
+              <a:rPr lang="ko-KR" altLang="en-US" sz="1600" dirty="0"/>
+              <a:t>  </a:t>
+            </a:r>
+            <a:r>
+              <a:rPr lang="en-US" altLang="ko-KR" sz="1600" dirty="0"/>
+              <a:t>-  </a:t>
+            </a:r>
+            <a:r>
+              <a:rPr lang="ko-KR" altLang="en-US" sz="1600" dirty="0"/>
+              <a:t>전체 트리를 하나의 </a:t>
+            </a:r>
+            <a:r>
+              <a:rPr lang="en-US" altLang="ko-KR" sz="1600" dirty="0"/>
+              <a:t>Document</a:t>
+            </a:r>
+            <a:r>
+              <a:rPr lang="ko-KR" altLang="en-US" sz="1600" dirty="0"/>
+              <a:t>안에 포함시켜 작성하는 방법</a:t>
+            </a:r>
+            <a:endParaRPr lang="en-US" altLang="ko-KR" sz="1600" dirty="0"/>
+          </a:p>
+          <a:p>
+            <a:r>
+              <a:rPr lang="ko-KR" altLang="en-US" sz="1600" dirty="0"/>
+              <a:t> </a:t>
+            </a:r>
+          </a:p>
+          <a:p>
+            <a:r>
+              <a:rPr lang="ko-KR" altLang="en-US" sz="1600" dirty="0"/>
+              <a:t>  </a:t>
+            </a:r>
+            <a:r>
+              <a:rPr lang="en-US" altLang="ko-KR" sz="1600" dirty="0"/>
+              <a:t>-  </a:t>
+            </a:r>
+            <a:r>
+              <a:rPr lang="ko-KR" altLang="en-US" sz="1600" dirty="0"/>
+              <a:t>트리 구조 전체를 액세스할 경우가 빈번한 경우에 유용함</a:t>
+            </a:r>
+            <a:endParaRPr lang="en-US" altLang="ko-KR" sz="1600" dirty="0"/>
+          </a:p>
+          <a:p>
+            <a:endParaRPr lang="ko-KR" altLang="en-US" sz="1600" dirty="0"/>
+          </a:p>
+          <a:p>
+            <a:r>
+              <a:rPr lang="ko-KR" altLang="en-US" sz="1600" dirty="0"/>
+              <a:t>  </a:t>
+            </a:r>
+            <a:r>
+              <a:rPr lang="en-US" altLang="ko-KR" sz="1600" dirty="0"/>
+              <a:t>-  </a:t>
+            </a:r>
+            <a:r>
+              <a:rPr lang="ko-KR" altLang="en-US" sz="1600" dirty="0"/>
+              <a:t>지나치게 복잡해질 우려가 있음</a:t>
+            </a:r>
+            <a:endParaRPr lang="en-US" altLang="ko-KR" sz="1600" dirty="0"/>
+          </a:p>
+          <a:p>
+            <a:endParaRPr lang="ko-KR" altLang="en-US" sz="1600" dirty="0"/>
+          </a:p>
+          <a:p>
+            <a:r>
+              <a:rPr lang="ko-KR" altLang="en-US" sz="1600" dirty="0"/>
+              <a:t>  </a:t>
+            </a:r>
+            <a:r>
+              <a:rPr lang="en-US" altLang="ko-KR" sz="1600" dirty="0"/>
+              <a:t>-  Document </a:t>
+            </a:r>
+            <a:r>
+              <a:rPr lang="ko-KR" altLang="en-US" sz="1600" dirty="0"/>
+              <a:t>크기는 </a:t>
+            </a:r>
+            <a:r>
+              <a:rPr lang="en-US" altLang="ko-KR" sz="1600" dirty="0"/>
+              <a:t>16MB</a:t>
+            </a:r>
+            <a:r>
+              <a:rPr lang="ko-KR" altLang="en-US" sz="1600" dirty="0"/>
+              <a:t>로 제한</a:t>
+            </a:r>
+          </a:p>
+        </p:txBody>
+      </p:sp>
+    </p:spTree>
+    <p:extLst>
+      <p:ext uri="{BB962C8B-B14F-4D97-AF65-F5344CB8AC3E}">
+        <p14:creationId xmlns:p14="http://schemas.microsoft.com/office/powerpoint/2010/main" val="3307764436"/>
+      </p:ext>
+    </p:extLst>
+  </p:cSld>
+  <p:clrMapOvr>
+    <a:masterClrMapping/>
+  </p:clrMapOvr>
+</p:sld>
+</file>
+
+<file path=ppt/slides/slide13.xml><?xml version="1.0" encoding="utf-8"?>
+<p:sld xmlns:a="http://schemas.openxmlformats.org/drawingml/2006/main" xmlns:r="http://schemas.openxmlformats.org/officeDocument/2006/relationships" xmlns:p="http://schemas.openxmlformats.org/presentationml/2006/main">
+  <p:cSld>
+    <p:spTree>
+      <p:nvGrpSpPr>
+        <p:cNvPr id="1" name=""/>
+        <p:cNvGrpSpPr/>
+        <p:nvPr/>
+      </p:nvGrpSpPr>
+      <p:grpSpPr>
+        <a:xfrm>
+          <a:off x="0" y="0"/>
+          <a:ext cx="0" cy="0"/>
+          <a:chOff x="0" y="0"/>
+          <a:chExt cx="0" cy="0"/>
+        </a:xfrm>
+      </p:grpSpPr>
+      <p:sp>
+        <p:nvSpPr>
+          <p:cNvPr id="4" name="직사각형 3"/>
           <p:cNvSpPr/>
           <p:nvPr/>
         </p:nvSpPr>
         <p:spPr>
           <a:xfrm>
-            <a:off x="9406464" y="2880381"/>
-            <a:ext cx="709466" cy="204236"/>
-          </a:xfrm>
-          <a:prstGeom prst="rightArrow">
-            <a:avLst/>
-          </a:prstGeom>
+            <a:off x="0" y="-1"/>
+            <a:ext cx="180000" cy="1440000"/>
+          </a:xfrm>
+          <a:prstGeom prst="rect">
+            <a:avLst/>
+          </a:prstGeom>
+          <a:solidFill>
+            <a:srgbClr val="49A6A6"/>
+          </a:solidFill>
+          <a:ln>
+            <a:noFill/>
+          </a:ln>
         </p:spPr>
         <p:style>
           <a:lnRef idx="2">
@@ -5494,33 +5346,68 @@
           <a:lstStyle/>
           <a:p>
             <a:pPr algn="ctr"/>
-            <a:endParaRPr lang="ko-KR" altLang="en-US"/>
-          </a:p>
-        </p:txBody>
-      </p:sp>
-      <p:sp>
-        <p:nvSpPr>
-          <p:cNvPr id="31" name="화살표: 오른쪽 30">
-            <a:extLst>
-              <a:ext uri="{FF2B5EF4-FFF2-40B4-BE49-F238E27FC236}">
-                <a16:creationId xmlns:a16="http://schemas.microsoft.com/office/drawing/2014/main" id="{9A0AA95C-3578-4DB8-AAFF-ACD3A5E1FBC1}"/>
-              </a:ext>
-            </a:extLst>
-          </p:cNvPr>
+            <a:endParaRPr lang="ko-KR" altLang="en-US" dirty="0"/>
+          </a:p>
+        </p:txBody>
+      </p:sp>
+      <p:sp>
+        <p:nvSpPr>
+          <p:cNvPr id="5" name="TextBox 4"/>
+          <p:cNvSpPr txBox="1"/>
+          <p:nvPr/>
+        </p:nvSpPr>
+        <p:spPr>
+          <a:xfrm>
+            <a:off x="466326" y="258334"/>
+            <a:ext cx="3198311" cy="923330"/>
+          </a:xfrm>
+          <a:prstGeom prst="rect">
+            <a:avLst/>
+          </a:prstGeom>
+          <a:noFill/>
+        </p:spPr>
+        <p:txBody>
+          <a:bodyPr wrap="none" rtlCol="0">
+            <a:spAutoFit/>
+          </a:bodyPr>
+          <a:lstStyle/>
+          <a:p>
+            <a:r>
+              <a:rPr lang="ko-KR" altLang="en-US" sz="5400" b="1" dirty="0"/>
+              <a:t>개발 환경</a:t>
+            </a:r>
+          </a:p>
+        </p:txBody>
+      </p:sp>
+      <p:sp>
+        <p:nvSpPr>
+          <p:cNvPr id="11" name="타원 10"/>
           <p:cNvSpPr/>
           <p:nvPr/>
         </p:nvSpPr>
         <p:spPr>
-          <a:xfrm rot="10800000">
-            <a:off x="9396821" y="3365322"/>
-            <a:ext cx="709466" cy="204236"/>
-          </a:xfrm>
-          <a:prstGeom prst="rightArrow">
+          <a:xfrm>
+            <a:off x="2585496" y="1578312"/>
+            <a:ext cx="2609382" cy="2494692"/>
+          </a:xfrm>
+          <a:prstGeom prst="ellipse">
             <a:avLst/>
           </a:prstGeom>
           <a:solidFill>
-            <a:srgbClr val="FF0000"/>
+            <a:schemeClr val="bg2">
+              <a:lumMod val="90000"/>
+            </a:schemeClr>
           </a:solidFill>
+          <a:ln>
+            <a:noFill/>
+          </a:ln>
+          <a:effectLst>
+            <a:outerShdw blurRad="44450" dist="27940" dir="5400000" algn="ctr">
+              <a:srgbClr val="000000">
+                <a:alpha val="32000"/>
+              </a:srgbClr>
+            </a:outerShdw>
+          </a:effectLst>
         </p:spPr>
         <p:style>
           <a:lnRef idx="2">
@@ -5547,29 +5434,154 @@
           </a:p>
         </p:txBody>
       </p:sp>
-      <p:sp>
-        <p:nvSpPr>
-          <p:cNvPr id="32" name="화살표: 오른쪽 31">
+      <p:pic>
+        <p:nvPicPr>
+          <p:cNvPr id="13" name="그림 12"/>
+          <p:cNvPicPr>
+            <a:picLocks noChangeAspect="1"/>
+          </p:cNvPicPr>
+          <p:nvPr/>
+        </p:nvPicPr>
+        <p:blipFill>
+          <a:blip r:embed="rId2" cstate="print">
             <a:extLst>
-              <a:ext uri="{FF2B5EF4-FFF2-40B4-BE49-F238E27FC236}">
-                <a16:creationId xmlns:a16="http://schemas.microsoft.com/office/drawing/2014/main" id="{BDA1CCC8-9560-48EE-BA7C-CF99ED798ED9}"/>
+              <a:ext uri="{28A0092B-C50C-407E-A947-70E740481C1C}">
+                <a14:useLocalDpi xmlns:a14="http://schemas.microsoft.com/office/drawing/2010/main" val="0"/>
               </a:ext>
             </a:extLst>
-          </p:cNvPr>
+          </a:blip>
+          <a:stretch>
+            <a:fillRect/>
+          </a:stretch>
+        </p:blipFill>
+        <p:spPr>
+          <a:xfrm>
+            <a:off x="2762085" y="2316980"/>
+            <a:ext cx="2254727" cy="1016908"/>
+          </a:xfrm>
+          <a:prstGeom prst="rect">
+            <a:avLst/>
+          </a:prstGeom>
+          <a:ln>
+            <a:noFill/>
+          </a:ln>
+        </p:spPr>
+      </p:pic>
+      <p:sp>
+        <p:nvSpPr>
+          <p:cNvPr id="8" name="TextBox 7"/>
+          <p:cNvSpPr txBox="1"/>
+          <p:nvPr/>
+        </p:nvSpPr>
+        <p:spPr>
+          <a:xfrm>
+            <a:off x="3127060" y="4469652"/>
+            <a:ext cx="1524776" cy="1200329"/>
+          </a:xfrm>
+          <a:prstGeom prst="rect">
+            <a:avLst/>
+          </a:prstGeom>
+          <a:noFill/>
+        </p:spPr>
+        <p:txBody>
+          <a:bodyPr wrap="none" rtlCol="0">
+            <a:spAutoFit/>
+          </a:bodyPr>
+          <a:lstStyle/>
+          <a:p>
+            <a:pPr algn="ctr"/>
+            <a:r>
+              <a:rPr lang="ko-KR" altLang="en-US" sz="2400" b="1" dirty="0"/>
+              <a:t>개발 도구</a:t>
+            </a:r>
+            <a:endParaRPr lang="en-US" altLang="ko-KR" sz="2400" b="1" dirty="0"/>
+          </a:p>
+          <a:p>
+            <a:pPr algn="ctr"/>
+            <a:endParaRPr lang="en-US" altLang="ko-KR" sz="2400" b="1" dirty="0"/>
+          </a:p>
+          <a:p>
+            <a:pPr algn="ctr"/>
+            <a:r>
+              <a:rPr lang="en-US" altLang="ko-KR" sz="2400" b="1" dirty="0"/>
+              <a:t>VS Code</a:t>
+            </a:r>
+            <a:endParaRPr lang="ko-KR" altLang="en-US" sz="2400" b="1" dirty="0"/>
+          </a:p>
+        </p:txBody>
+      </p:sp>
+      <p:sp>
+        <p:nvSpPr>
+          <p:cNvPr id="17" name="TextBox 16"/>
+          <p:cNvSpPr txBox="1"/>
+          <p:nvPr/>
+        </p:nvSpPr>
+        <p:spPr>
+          <a:xfrm>
+            <a:off x="7222820" y="4469652"/>
+            <a:ext cx="2549159" cy="1200329"/>
+          </a:xfrm>
+          <a:prstGeom prst="rect">
+            <a:avLst/>
+          </a:prstGeom>
+          <a:noFill/>
+        </p:spPr>
+        <p:txBody>
+          <a:bodyPr wrap="none" rtlCol="0">
+            <a:spAutoFit/>
+          </a:bodyPr>
+          <a:lstStyle/>
+          <a:p>
+            <a:pPr algn="ctr"/>
+            <a:r>
+              <a:rPr lang="ko-KR" altLang="en-US" sz="2400" b="1" dirty="0"/>
+              <a:t>협업 도구</a:t>
+            </a:r>
+            <a:endParaRPr lang="en-US" altLang="ko-KR" sz="2400" b="1" dirty="0"/>
+          </a:p>
+          <a:p>
+            <a:pPr algn="ctr"/>
+            <a:endParaRPr lang="en-US" altLang="ko-KR" sz="2400" b="1" dirty="0"/>
+          </a:p>
+          <a:p>
+            <a:pPr algn="ctr"/>
+            <a:r>
+              <a:rPr lang="en-US" altLang="ko-KR" sz="2400" b="1" dirty="0"/>
+              <a:t>GitHub Desktop</a:t>
+            </a:r>
+            <a:endParaRPr lang="ko-KR" altLang="en-US" sz="2400" b="1" dirty="0"/>
+          </a:p>
+        </p:txBody>
+      </p:sp>
+      <p:sp>
+        <p:nvSpPr>
+          <p:cNvPr id="18" name="타원 17"/>
           <p:cNvSpPr/>
           <p:nvPr/>
         </p:nvSpPr>
         <p:spPr>
-          <a:xfrm rot="10800000">
-            <a:off x="6879045" y="3395614"/>
-            <a:ext cx="709466" cy="204236"/>
-          </a:xfrm>
-          <a:prstGeom prst="rightArrow">
+          <a:xfrm>
+            <a:off x="7192709" y="1578536"/>
+            <a:ext cx="2609382" cy="2494692"/>
+          </a:xfrm>
+          <a:prstGeom prst="ellipse">
             <a:avLst/>
           </a:prstGeom>
           <a:solidFill>
-            <a:srgbClr val="FF0000"/>
+            <a:schemeClr val="bg2">
+              <a:lumMod val="90000"/>
+            </a:schemeClr>
           </a:solidFill>
+          <a:ln>
+            <a:noFill/>
+          </a:ln>
+          <a:effectLst>
+            <a:outerShdw blurRad="44450" dist="27940" dir="5400000" algn="ctr">
+              <a:srgbClr val="000000">
+                <a:alpha val="32000"/>
+              </a:srgbClr>
+            </a:outerShdw>
+          </a:effectLst>
         </p:spPr>
         <p:style>
           <a:lnRef idx="2">
@@ -5596,29 +5608,89 @@
           </a:p>
         </p:txBody>
       </p:sp>
-      <p:sp>
-        <p:nvSpPr>
-          <p:cNvPr id="33" name="화살표: 오른쪽 32">
+      <p:pic>
+        <p:nvPicPr>
+          <p:cNvPr id="15" name="그림 14"/>
+          <p:cNvPicPr>
+            <a:picLocks noChangeAspect="1"/>
+          </p:cNvPicPr>
+          <p:nvPr/>
+        </p:nvPicPr>
+        <p:blipFill>
+          <a:blip r:embed="rId3" cstate="print">
             <a:extLst>
-              <a:ext uri="{FF2B5EF4-FFF2-40B4-BE49-F238E27FC236}">
-                <a16:creationId xmlns:a16="http://schemas.microsoft.com/office/drawing/2014/main" id="{66915F78-B21E-465D-BC0D-D0A626E10935}"/>
+              <a:ext uri="{28A0092B-C50C-407E-A947-70E740481C1C}">
+                <a14:useLocalDpi xmlns:a14="http://schemas.microsoft.com/office/drawing/2010/main" val="0"/>
               </a:ext>
             </a:extLst>
-          </p:cNvPr>
+          </a:blip>
+          <a:stretch>
+            <a:fillRect/>
+          </a:stretch>
+        </p:blipFill>
+        <p:spPr>
+          <a:xfrm>
+            <a:off x="7528084" y="1914401"/>
+            <a:ext cx="1938632" cy="1822962"/>
+          </a:xfrm>
+          <a:prstGeom prst="rect">
+            <a:avLst/>
+          </a:prstGeom>
+          <a:ln>
+            <a:noFill/>
+          </a:ln>
+        </p:spPr>
+      </p:pic>
+    </p:spTree>
+    <p:extLst>
+      <p:ext uri="{BB962C8B-B14F-4D97-AF65-F5344CB8AC3E}">
+        <p14:creationId xmlns:p14="http://schemas.microsoft.com/office/powerpoint/2010/main" val="3614603374"/>
+      </p:ext>
+    </p:extLst>
+  </p:cSld>
+  <p:clrMapOvr>
+    <a:masterClrMapping/>
+  </p:clrMapOvr>
+</p:sld>
+</file>
+
+<file path=ppt/slides/slide14.xml><?xml version="1.0" encoding="utf-8"?>
+<p:sld xmlns:a="http://schemas.openxmlformats.org/drawingml/2006/main" xmlns:r="http://schemas.openxmlformats.org/officeDocument/2006/relationships" xmlns:p="http://schemas.openxmlformats.org/presentationml/2006/main">
+  <p:cSld>
+    <p:spTree>
+      <p:nvGrpSpPr>
+        <p:cNvPr id="1" name=""/>
+        <p:cNvGrpSpPr/>
+        <p:nvPr/>
+      </p:nvGrpSpPr>
+      <p:grpSpPr>
+        <a:xfrm>
+          <a:off x="0" y="0"/>
+          <a:ext cx="0" cy="0"/>
+          <a:chOff x="0" y="0"/>
+          <a:chExt cx="0" cy="0"/>
+        </a:xfrm>
+      </p:grpSpPr>
+      <p:sp>
+        <p:nvSpPr>
+          <p:cNvPr id="4" name="직사각형 3"/>
           <p:cNvSpPr/>
           <p:nvPr/>
         </p:nvSpPr>
         <p:spPr>
-          <a:xfrm rot="10800000">
-            <a:off x="4729737" y="3391130"/>
-            <a:ext cx="709466" cy="204236"/>
-          </a:xfrm>
-          <a:prstGeom prst="rightArrow">
+          <a:xfrm>
+            <a:off x="0" y="-1"/>
+            <a:ext cx="180000" cy="1440000"/>
+          </a:xfrm>
+          <a:prstGeom prst="rect">
             <a:avLst/>
           </a:prstGeom>
           <a:solidFill>
-            <a:srgbClr val="FF0000"/>
+            <a:srgbClr val="49A6A6"/>
           </a:solidFill>
+          <a:ln>
+            <a:noFill/>
+          </a:ln>
         </p:spPr>
         <p:style>
           <a:lnRef idx="2">
@@ -5641,33 +5713,303 @@
           <a:lstStyle/>
           <a:p>
             <a:pPr algn="ctr"/>
-            <a:endParaRPr lang="ko-KR" altLang="en-US"/>
-          </a:p>
-        </p:txBody>
-      </p:sp>
-      <p:sp>
-        <p:nvSpPr>
-          <p:cNvPr id="34" name="화살표: 오른쪽 33">
+            <a:endParaRPr lang="ko-KR" altLang="en-US" dirty="0"/>
+          </a:p>
+        </p:txBody>
+      </p:sp>
+      <p:sp>
+        <p:nvSpPr>
+          <p:cNvPr id="5" name="TextBox 4"/>
+          <p:cNvSpPr txBox="1"/>
+          <p:nvPr/>
+        </p:nvSpPr>
+        <p:spPr>
+          <a:xfrm>
+            <a:off x="466326" y="258334"/>
+            <a:ext cx="4826962" cy="923330"/>
+          </a:xfrm>
+          <a:prstGeom prst="rect">
+            <a:avLst/>
+          </a:prstGeom>
+          <a:noFill/>
+        </p:spPr>
+        <p:txBody>
+          <a:bodyPr wrap="none" rtlCol="0">
+            <a:spAutoFit/>
+          </a:bodyPr>
+          <a:lstStyle/>
+          <a:p>
+            <a:r>
+              <a:rPr lang="ko-KR" altLang="en-US" sz="5400" b="1" dirty="0"/>
+              <a:t>도구 선정 이유</a:t>
+            </a:r>
+          </a:p>
+        </p:txBody>
+      </p:sp>
+      <p:pic>
+        <p:nvPicPr>
+          <p:cNvPr id="30" name="그림 29"/>
+          <p:cNvPicPr>
+            <a:picLocks noChangeAspect="1"/>
+          </p:cNvPicPr>
+          <p:nvPr/>
+        </p:nvPicPr>
+        <p:blipFill>
+          <a:blip r:embed="rId2" cstate="print">
             <a:extLst>
-              <a:ext uri="{FF2B5EF4-FFF2-40B4-BE49-F238E27FC236}">
-                <a16:creationId xmlns:a16="http://schemas.microsoft.com/office/drawing/2014/main" id="{63422CE3-EFAA-431F-A53C-271D6D510F35}"/>
+              <a:ext uri="{28A0092B-C50C-407E-A947-70E740481C1C}">
+                <a14:useLocalDpi xmlns:a14="http://schemas.microsoft.com/office/drawing/2010/main" val="0"/>
               </a:ext>
             </a:extLst>
-          </p:cNvPr>
+          </a:blip>
+          <a:stretch>
+            <a:fillRect/>
+          </a:stretch>
+        </p:blipFill>
+        <p:spPr>
+          <a:xfrm>
+            <a:off x="1855583" y="2346792"/>
+            <a:ext cx="2254727" cy="1016908"/>
+          </a:xfrm>
+          <a:prstGeom prst="rect">
+            <a:avLst/>
+          </a:prstGeom>
+          <a:ln>
+            <a:noFill/>
+          </a:ln>
+        </p:spPr>
+      </p:pic>
+      <p:pic>
+        <p:nvPicPr>
+          <p:cNvPr id="33" name="그림 32"/>
+          <p:cNvPicPr>
+            <a:picLocks noChangeAspect="1"/>
+          </p:cNvPicPr>
+          <p:nvPr/>
+        </p:nvPicPr>
+        <p:blipFill>
+          <a:blip r:embed="rId3" cstate="print">
+            <a:extLst>
+              <a:ext uri="{28A0092B-C50C-407E-A947-70E740481C1C}">
+                <a14:useLocalDpi xmlns:a14="http://schemas.microsoft.com/office/drawing/2010/main" val="0"/>
+              </a:ext>
+            </a:extLst>
+          </a:blip>
+          <a:stretch>
+            <a:fillRect/>
+          </a:stretch>
+        </p:blipFill>
+        <p:spPr>
+          <a:xfrm>
+            <a:off x="8214677" y="2255772"/>
+            <a:ext cx="1383034" cy="1300514"/>
+          </a:xfrm>
+          <a:prstGeom prst="rect">
+            <a:avLst/>
+          </a:prstGeom>
+          <a:ln>
+            <a:noFill/>
+          </a:ln>
+        </p:spPr>
+      </p:pic>
+      <p:sp>
+        <p:nvSpPr>
+          <p:cNvPr id="3" name="TextBox 2"/>
+          <p:cNvSpPr txBox="1"/>
+          <p:nvPr/>
+        </p:nvSpPr>
+        <p:spPr>
+          <a:xfrm>
+            <a:off x="645595" y="3622968"/>
+            <a:ext cx="4286751" cy="369332"/>
+          </a:xfrm>
+          <a:prstGeom prst="rect">
+            <a:avLst/>
+          </a:prstGeom>
+          <a:noFill/>
+        </p:spPr>
+        <p:txBody>
+          <a:bodyPr wrap="none" rtlCol="0">
+            <a:spAutoFit/>
+          </a:bodyPr>
+          <a:lstStyle/>
+          <a:p>
+            <a:r>
+              <a:rPr lang="ko-KR" altLang="en-US" dirty="0"/>
+              <a:t>▶ 대부분의 주요 프로그래밍 언어 지원</a:t>
+            </a:r>
+          </a:p>
+        </p:txBody>
+      </p:sp>
+      <p:sp>
+        <p:nvSpPr>
+          <p:cNvPr id="34" name="TextBox 33"/>
+          <p:cNvSpPr txBox="1"/>
+          <p:nvPr/>
+        </p:nvSpPr>
+        <p:spPr>
+          <a:xfrm>
+            <a:off x="645595" y="3996013"/>
+            <a:ext cx="4882234" cy="369332"/>
+          </a:xfrm>
+          <a:prstGeom prst="rect">
+            <a:avLst/>
+          </a:prstGeom>
+          <a:noFill/>
+        </p:spPr>
+        <p:txBody>
+          <a:bodyPr wrap="none" rtlCol="0">
+            <a:spAutoFit/>
+          </a:bodyPr>
+          <a:lstStyle/>
+          <a:p>
+            <a:r>
+              <a:rPr lang="ko-KR" altLang="en-US" dirty="0"/>
+              <a:t>▶ 터미널을 통한 </a:t>
+            </a:r>
+            <a:r>
+              <a:rPr lang="en-US" altLang="ko-KR" dirty="0" err="1"/>
+              <a:t>Cmd</a:t>
+            </a:r>
+            <a:r>
+              <a:rPr lang="en-US" altLang="ko-KR" dirty="0"/>
+              <a:t>, PowerShell </a:t>
+            </a:r>
+            <a:r>
+              <a:rPr lang="ko-KR" altLang="en-US" dirty="0"/>
+              <a:t>사용 용이</a:t>
+            </a:r>
+          </a:p>
+        </p:txBody>
+      </p:sp>
+      <p:sp>
+        <p:nvSpPr>
+          <p:cNvPr id="39" name="TextBox 38"/>
+          <p:cNvSpPr txBox="1"/>
+          <p:nvPr/>
+        </p:nvSpPr>
+        <p:spPr>
+          <a:xfrm>
+            <a:off x="6691485" y="3654024"/>
+            <a:ext cx="4429418" cy="369332"/>
+          </a:xfrm>
+          <a:prstGeom prst="rect">
+            <a:avLst/>
+          </a:prstGeom>
+          <a:noFill/>
+        </p:spPr>
+        <p:txBody>
+          <a:bodyPr wrap="none" rtlCol="0">
+            <a:spAutoFit/>
+          </a:bodyPr>
+          <a:lstStyle/>
+          <a:p>
+            <a:r>
+              <a:rPr lang="ko-KR" altLang="en-US" dirty="0"/>
+              <a:t>▶ 대부분의 </a:t>
+            </a:r>
+            <a:r>
+              <a:rPr lang="en-US" altLang="ko-KR" dirty="0" err="1"/>
+              <a:t>Git</a:t>
+            </a:r>
+            <a:r>
+              <a:rPr lang="en-US" altLang="ko-KR" dirty="0"/>
+              <a:t> </a:t>
+            </a:r>
+            <a:r>
+              <a:rPr lang="ko-KR" altLang="en-US" dirty="0"/>
+              <a:t>작업을 </a:t>
+            </a:r>
+            <a:r>
+              <a:rPr lang="en-US" altLang="ko-KR" dirty="0"/>
+              <a:t>UI</a:t>
+            </a:r>
+            <a:r>
+              <a:rPr lang="ko-KR" altLang="en-US" dirty="0"/>
+              <a:t>에서 수행 가능</a:t>
+            </a:r>
+          </a:p>
+        </p:txBody>
+      </p:sp>
+      <p:sp>
+        <p:nvSpPr>
+          <p:cNvPr id="40" name="TextBox 39"/>
+          <p:cNvSpPr txBox="1"/>
+          <p:nvPr/>
+        </p:nvSpPr>
+        <p:spPr>
+          <a:xfrm>
+            <a:off x="6691485" y="4020177"/>
+            <a:ext cx="3050835" cy="369332"/>
+          </a:xfrm>
+          <a:prstGeom prst="rect">
+            <a:avLst/>
+          </a:prstGeom>
+          <a:noFill/>
+        </p:spPr>
+        <p:txBody>
+          <a:bodyPr wrap="none" rtlCol="0">
+            <a:spAutoFit/>
+          </a:bodyPr>
+          <a:lstStyle/>
+          <a:p>
+            <a:r>
+              <a:rPr lang="ko-KR" altLang="en-US" dirty="0"/>
+              <a:t>▶ 개발 워크 플로우 단순화</a:t>
+            </a:r>
+          </a:p>
+        </p:txBody>
+      </p:sp>
+    </p:spTree>
+    <p:extLst>
+      <p:ext uri="{BB962C8B-B14F-4D97-AF65-F5344CB8AC3E}">
+        <p14:creationId xmlns:p14="http://schemas.microsoft.com/office/powerpoint/2010/main" val="36158573"/>
+      </p:ext>
+    </p:extLst>
+  </p:cSld>
+  <p:clrMapOvr>
+    <a:masterClrMapping/>
+  </p:clrMapOvr>
+</p:sld>
+</file>
+
+<file path=ppt/slides/slide15.xml><?xml version="1.0" encoding="utf-8"?>
+<p:sld xmlns:a="http://schemas.openxmlformats.org/drawingml/2006/main" xmlns:r="http://schemas.openxmlformats.org/officeDocument/2006/relationships" xmlns:p="http://schemas.openxmlformats.org/presentationml/2006/main">
+  <p:cSld>
+    <p:spTree>
+      <p:nvGrpSpPr>
+        <p:cNvPr id="1" name=""/>
+        <p:cNvGrpSpPr/>
+        <p:nvPr/>
+      </p:nvGrpSpPr>
+      <p:grpSpPr>
+        <a:xfrm>
+          <a:off x="0" y="0"/>
+          <a:ext cx="0" cy="0"/>
+          <a:chOff x="0" y="0"/>
+          <a:chExt cx="0" cy="0"/>
+        </a:xfrm>
+      </p:grpSpPr>
+      <p:sp>
+        <p:nvSpPr>
+          <p:cNvPr id="4" name="직사각형 3"/>
           <p:cNvSpPr/>
           <p:nvPr/>
         </p:nvSpPr>
         <p:spPr>
-          <a:xfrm rot="10800000">
-            <a:off x="1656806" y="3416825"/>
-            <a:ext cx="709466" cy="204236"/>
-          </a:xfrm>
-          <a:prstGeom prst="rightArrow">
+          <a:xfrm>
+            <a:off x="0" y="-1"/>
+            <a:ext cx="180000" cy="1440000"/>
+          </a:xfrm>
+          <a:prstGeom prst="rect">
             <a:avLst/>
           </a:prstGeom>
           <a:solidFill>
-            <a:srgbClr val="FF0000"/>
+            <a:srgbClr val="49A6A6"/>
           </a:solidFill>
+          <a:ln>
+            <a:noFill/>
+          </a:ln>
         </p:spPr>
         <p:style>
           <a:lnRef idx="2">
@@ -5690,26 +6032,1311 @@
           <a:lstStyle/>
           <a:p>
             <a:pPr algn="ctr"/>
-            <a:endParaRPr lang="ko-KR" altLang="en-US"/>
-          </a:p>
-        </p:txBody>
-      </p:sp>
-      <p:sp>
-        <p:nvSpPr>
-          <p:cNvPr id="23" name="TextBox 22">
+            <a:endParaRPr lang="ko-KR" altLang="en-US" dirty="0"/>
+          </a:p>
+        </p:txBody>
+      </p:sp>
+      <p:sp>
+        <p:nvSpPr>
+          <p:cNvPr id="5" name="TextBox 4"/>
+          <p:cNvSpPr txBox="1"/>
+          <p:nvPr/>
+        </p:nvSpPr>
+        <p:spPr>
+          <a:xfrm>
+            <a:off x="466326" y="258334"/>
+            <a:ext cx="3198311" cy="923330"/>
+          </a:xfrm>
+          <a:prstGeom prst="rect">
+            <a:avLst/>
+          </a:prstGeom>
+          <a:noFill/>
+        </p:spPr>
+        <p:txBody>
+          <a:bodyPr wrap="none" rtlCol="0">
+            <a:spAutoFit/>
+          </a:bodyPr>
+          <a:lstStyle/>
+          <a:p>
+            <a:r>
+              <a:rPr lang="ko-KR" altLang="en-US" sz="5400" b="1" dirty="0"/>
+              <a:t>개발 일정</a:t>
+            </a:r>
+            <a:endParaRPr lang="en-US" altLang="ko-KR" sz="5400" b="1" dirty="0"/>
+          </a:p>
+        </p:txBody>
+      </p:sp>
+      <p:graphicFrame>
+        <p:nvGraphicFramePr>
+          <p:cNvPr id="2" name="표 2">
             <a:extLst>
               <a:ext uri="{FF2B5EF4-FFF2-40B4-BE49-F238E27FC236}">
-                <a16:creationId xmlns:a16="http://schemas.microsoft.com/office/drawing/2014/main" id="{0D31F097-22DE-4DBF-8D4E-2EE41FD38DB0}"/>
+                <a16:creationId xmlns:a16="http://schemas.microsoft.com/office/drawing/2014/main" id="{33927361-8A2F-4642-99D6-022763B03CAB}"/>
               </a:ext>
             </a:extLst>
           </p:cNvPr>
+          <p:cNvGraphicFramePr>
+            <a:graphicFrameLocks noGrp="1"/>
+          </p:cNvGraphicFramePr>
+          <p:nvPr>
+            <p:extLst>
+              <p:ext uri="{D42A27DB-BD31-4B8C-83A1-F6EECF244321}">
+                <p14:modId xmlns:p14="http://schemas.microsoft.com/office/powerpoint/2010/main" val="4212279710"/>
+              </p:ext>
+            </p:extLst>
+          </p:nvPr>
+        </p:nvGraphicFramePr>
+        <p:xfrm>
+          <a:off x="466326" y="1181664"/>
+          <a:ext cx="11259348" cy="5562600"/>
+        </p:xfrm>
+        <a:graphic>
+          <a:graphicData uri="http://schemas.openxmlformats.org/drawingml/2006/table">
+            <a:tbl>
+              <a:tblPr firstRow="1" bandRow="1">
+                <a:tableStyleId>{3B4B98B0-60AC-42C2-AFA5-B58CD77FA1E5}</a:tableStyleId>
+              </a:tblPr>
+              <a:tblGrid>
+                <a:gridCol w="687771">
+                  <a:extLst>
+                    <a:ext uri="{9D8B030D-6E8A-4147-A177-3AD203B41FA5}">
+                      <a16:colId xmlns:a16="http://schemas.microsoft.com/office/drawing/2014/main" val="802315887"/>
+                    </a:ext>
+                  </a:extLst>
+                </a:gridCol>
+                <a:gridCol w="8788893">
+                  <a:extLst>
+                    <a:ext uri="{9D8B030D-6E8A-4147-A177-3AD203B41FA5}">
+                      <a16:colId xmlns:a16="http://schemas.microsoft.com/office/drawing/2014/main" val="3128157767"/>
+                    </a:ext>
+                  </a:extLst>
+                </a:gridCol>
+                <a:gridCol w="1782684">
+                  <a:extLst>
+                    <a:ext uri="{9D8B030D-6E8A-4147-A177-3AD203B41FA5}">
+                      <a16:colId xmlns:a16="http://schemas.microsoft.com/office/drawing/2014/main" val="1035415127"/>
+                    </a:ext>
+                  </a:extLst>
+                </a:gridCol>
+              </a:tblGrid>
+              <a:tr h="370840">
+                <a:tc>
+                  <a:txBody>
+                    <a:bodyPr/>
+                    <a:lstStyle/>
+                    <a:p>
+                      <a:pPr latinLnBrk="1"/>
+                      <a:r>
+                        <a:rPr lang="ko-KR" altLang="en-US" dirty="0"/>
+                        <a:t>주차</a:t>
+                      </a:r>
+                    </a:p>
+                  </a:txBody>
+                  <a:tcPr/>
+                </a:tc>
+                <a:tc>
+                  <a:txBody>
+                    <a:bodyPr/>
+                    <a:lstStyle/>
+                    <a:p>
+                      <a:pPr latinLnBrk="1"/>
+                      <a:r>
+                        <a:rPr lang="ko-KR" altLang="en-US" dirty="0"/>
+                        <a:t>내용</a:t>
+                      </a:r>
+                    </a:p>
+                  </a:txBody>
+                  <a:tcPr/>
+                </a:tc>
+                <a:tc>
+                  <a:txBody>
+                    <a:bodyPr/>
+                    <a:lstStyle/>
+                    <a:p>
+                      <a:pPr latinLnBrk="1"/>
+                      <a:r>
+                        <a:rPr lang="ko-KR" altLang="en-US" dirty="0"/>
+                        <a:t>비고</a:t>
+                      </a:r>
+                    </a:p>
+                  </a:txBody>
+                  <a:tcPr/>
+                </a:tc>
+                <a:extLst>
+                  <a:ext uri="{0D108BD9-81ED-4DB2-BD59-A6C34878D82A}">
+                    <a16:rowId xmlns:a16="http://schemas.microsoft.com/office/drawing/2014/main" val="1407883091"/>
+                  </a:ext>
+                </a:extLst>
+              </a:tr>
+              <a:tr h="370840">
+                <a:tc>
+                  <a:txBody>
+                    <a:bodyPr/>
+                    <a:lstStyle/>
+                    <a:p>
+                      <a:pPr latinLnBrk="1"/>
+                      <a:r>
+                        <a:rPr lang="en-US" altLang="ko-KR" sz="1200" dirty="0"/>
+                        <a:t>1</a:t>
+                      </a:r>
+                      <a:r>
+                        <a:rPr lang="ko-KR" altLang="en-US" sz="1200" dirty="0"/>
+                        <a:t>주차</a:t>
+                      </a:r>
+                    </a:p>
+                  </a:txBody>
+                  <a:tcPr/>
+                </a:tc>
+                <a:tc>
+                  <a:txBody>
+                    <a:bodyPr/>
+                    <a:lstStyle/>
+                    <a:p>
+                      <a:pPr latinLnBrk="1"/>
+                      <a:r>
+                        <a:rPr lang="ko-KR" altLang="en-US" sz="1200" dirty="0"/>
+                        <a:t>프로젝트 진행을 위한 팀 회의 </a:t>
+                      </a:r>
+                      <a:r>
+                        <a:rPr lang="en-US" altLang="ko-KR" sz="1200" dirty="0"/>
+                        <a:t>(</a:t>
+                      </a:r>
+                      <a:r>
+                        <a:rPr lang="ko-KR" altLang="en-US" sz="1200" dirty="0"/>
+                        <a:t>프로젝트 계획서 작성</a:t>
+                      </a:r>
+                      <a:r>
+                        <a:rPr lang="en-US" altLang="ko-KR" sz="1200" dirty="0"/>
+                        <a:t>)</a:t>
+                      </a:r>
+                      <a:endParaRPr lang="ko-KR" altLang="en-US" sz="1200" dirty="0"/>
+                    </a:p>
+                  </a:txBody>
+                  <a:tcPr/>
+                </a:tc>
+                <a:tc>
+                  <a:txBody>
+                    <a:bodyPr/>
+                    <a:lstStyle/>
+                    <a:p>
+                      <a:pPr latinLnBrk="1"/>
+                      <a:r>
+                        <a:rPr lang="ko-KR" altLang="en-US" sz="1200" dirty="0"/>
+                        <a:t>프로젝트 계획서</a:t>
+                      </a:r>
+                    </a:p>
+                  </a:txBody>
+                  <a:tcPr/>
+                </a:tc>
+                <a:extLst>
+                  <a:ext uri="{0D108BD9-81ED-4DB2-BD59-A6C34878D82A}">
+                    <a16:rowId xmlns:a16="http://schemas.microsoft.com/office/drawing/2014/main" val="2214203248"/>
+                  </a:ext>
+                </a:extLst>
+              </a:tr>
+              <a:tr h="370840">
+                <a:tc>
+                  <a:txBody>
+                    <a:bodyPr/>
+                    <a:lstStyle/>
+                    <a:p>
+                      <a:pPr marL="0" marR="0" lvl="0" indent="0" algn="l" defTabSz="914400" rtl="0" eaLnBrk="1" fontAlgn="auto" latinLnBrk="1" hangingPunct="1">
+                        <a:lnSpc>
+                          <a:spcPct val="100000"/>
+                        </a:lnSpc>
+                        <a:spcBef>
+                          <a:spcPts val="0"/>
+                        </a:spcBef>
+                        <a:spcAft>
+                          <a:spcPts val="0"/>
+                        </a:spcAft>
+                        <a:buClrTx/>
+                        <a:buSzTx/>
+                        <a:buFontTx/>
+                        <a:buNone/>
+                        <a:tabLst/>
+                        <a:defRPr/>
+                      </a:pPr>
+                      <a:r>
+                        <a:rPr lang="en-US" altLang="ko-KR" sz="1200" dirty="0"/>
+                        <a:t>2</a:t>
+                      </a:r>
+                      <a:r>
+                        <a:rPr lang="ko-KR" altLang="en-US" sz="1200" dirty="0"/>
+                        <a:t>주차</a:t>
+                      </a:r>
+                    </a:p>
+                  </a:txBody>
+                  <a:tcPr/>
+                </a:tc>
+                <a:tc>
+                  <a:txBody>
+                    <a:bodyPr/>
+                    <a:lstStyle/>
+                    <a:p>
+                      <a:pPr latinLnBrk="1"/>
+                      <a:r>
+                        <a:rPr lang="ko-KR" altLang="en-US" sz="1200" dirty="0"/>
+                        <a:t>데이터 시각화에 필요한 데이터 수집 및 </a:t>
+                      </a:r>
+                      <a:r>
+                        <a:rPr lang="ko-KR" altLang="en-US" sz="1200" dirty="0" err="1"/>
+                        <a:t>전처리</a:t>
+                      </a:r>
+                      <a:r>
+                        <a:rPr lang="ko-KR" altLang="en-US" sz="1200" dirty="0"/>
+                        <a:t> 작업 수행</a:t>
+                      </a:r>
+                      <a:r>
+                        <a:rPr lang="en-US" altLang="ko-KR" sz="1200" dirty="0"/>
+                        <a:t> (API, </a:t>
+                      </a:r>
+                      <a:r>
+                        <a:rPr lang="ko-KR" altLang="en-US" sz="1200" dirty="0" err="1"/>
+                        <a:t>크롤링</a:t>
+                      </a:r>
+                      <a:r>
+                        <a:rPr lang="ko-KR" altLang="en-US" sz="1200" dirty="0"/>
+                        <a:t> </a:t>
+                      </a:r>
+                      <a:r>
+                        <a:rPr lang="en-US" altLang="ko-KR" sz="1200" dirty="0"/>
+                        <a:t>-&gt; JSON </a:t>
+                      </a:r>
+                      <a:r>
+                        <a:rPr lang="ko-KR" altLang="en-US" sz="1200" dirty="0"/>
+                        <a:t>형식</a:t>
+                      </a:r>
+                      <a:r>
+                        <a:rPr lang="en-US" altLang="ko-KR" sz="1200" dirty="0"/>
+                        <a:t>)</a:t>
+                      </a:r>
+                      <a:endParaRPr lang="ko-KR" altLang="en-US" sz="1200" dirty="0"/>
+                    </a:p>
+                  </a:txBody>
+                  <a:tcPr/>
+                </a:tc>
+                <a:tc>
+                  <a:txBody>
+                    <a:bodyPr/>
+                    <a:lstStyle/>
+                    <a:p>
+                      <a:pPr latinLnBrk="1"/>
+                      <a:endParaRPr lang="ko-KR" altLang="en-US" sz="1200"/>
+                    </a:p>
+                  </a:txBody>
+                  <a:tcPr/>
+                </a:tc>
+                <a:extLst>
+                  <a:ext uri="{0D108BD9-81ED-4DB2-BD59-A6C34878D82A}">
+                    <a16:rowId xmlns:a16="http://schemas.microsoft.com/office/drawing/2014/main" val="1713372444"/>
+                  </a:ext>
+                </a:extLst>
+              </a:tr>
+              <a:tr h="370840">
+                <a:tc>
+                  <a:txBody>
+                    <a:bodyPr/>
+                    <a:lstStyle/>
+                    <a:p>
+                      <a:pPr latinLnBrk="1"/>
+                      <a:r>
+                        <a:rPr lang="en-US" altLang="ko-KR" sz="1200" dirty="0"/>
+                        <a:t>3</a:t>
+                      </a:r>
+                      <a:r>
+                        <a:rPr lang="ko-KR" altLang="en-US" sz="1200" dirty="0"/>
+                        <a:t>주차</a:t>
+                      </a:r>
+                    </a:p>
+                  </a:txBody>
+                  <a:tcPr/>
+                </a:tc>
+                <a:tc>
+                  <a:txBody>
+                    <a:bodyPr/>
+                    <a:lstStyle/>
+                    <a:p>
+                      <a:pPr latinLnBrk="1"/>
+                      <a:r>
+                        <a:rPr lang="ko-KR" altLang="en-US" sz="1200" dirty="0"/>
+                        <a:t>데이터 시각화에 필요한 데이터 수집 및 </a:t>
+                      </a:r>
+                      <a:r>
+                        <a:rPr lang="ko-KR" altLang="en-US" sz="1200" dirty="0" err="1"/>
+                        <a:t>전처리</a:t>
+                      </a:r>
+                      <a:r>
+                        <a:rPr lang="ko-KR" altLang="en-US" sz="1200" dirty="0"/>
+                        <a:t> 작업 수행</a:t>
+                      </a:r>
+                      <a:r>
+                        <a:rPr lang="en-US" altLang="ko-KR" sz="1200" dirty="0"/>
+                        <a:t> (API, </a:t>
+                      </a:r>
+                      <a:r>
+                        <a:rPr lang="ko-KR" altLang="en-US" sz="1200" dirty="0" err="1"/>
+                        <a:t>크롤링</a:t>
+                      </a:r>
+                      <a:r>
+                        <a:rPr lang="ko-KR" altLang="en-US" sz="1200" dirty="0"/>
+                        <a:t> </a:t>
+                      </a:r>
+                      <a:r>
+                        <a:rPr lang="en-US" altLang="ko-KR" sz="1200" dirty="0"/>
+                        <a:t>-&gt; JSON </a:t>
+                      </a:r>
+                      <a:r>
+                        <a:rPr lang="ko-KR" altLang="en-US" sz="1200" dirty="0"/>
+                        <a:t>형식</a:t>
+                      </a:r>
+                      <a:r>
+                        <a:rPr lang="en-US" altLang="ko-KR" sz="1200" dirty="0"/>
+                        <a:t>)</a:t>
+                      </a:r>
+                      <a:endParaRPr lang="ko-KR" altLang="en-US" sz="1200" dirty="0"/>
+                    </a:p>
+                  </a:txBody>
+                  <a:tcPr/>
+                </a:tc>
+                <a:tc>
+                  <a:txBody>
+                    <a:bodyPr/>
+                    <a:lstStyle/>
+                    <a:p>
+                      <a:pPr latinLnBrk="1"/>
+                      <a:endParaRPr lang="ko-KR" altLang="en-US" sz="1200"/>
+                    </a:p>
+                  </a:txBody>
+                  <a:tcPr/>
+                </a:tc>
+                <a:extLst>
+                  <a:ext uri="{0D108BD9-81ED-4DB2-BD59-A6C34878D82A}">
+                    <a16:rowId xmlns:a16="http://schemas.microsoft.com/office/drawing/2014/main" val="2623168168"/>
+                  </a:ext>
+                </a:extLst>
+              </a:tr>
+              <a:tr h="370840">
+                <a:tc>
+                  <a:txBody>
+                    <a:bodyPr/>
+                    <a:lstStyle/>
+                    <a:p>
+                      <a:pPr latinLnBrk="1"/>
+                      <a:r>
+                        <a:rPr lang="en-US" altLang="ko-KR" sz="1200" dirty="0"/>
+                        <a:t>4</a:t>
+                      </a:r>
+                      <a:r>
+                        <a:rPr lang="ko-KR" altLang="en-US" sz="1200" dirty="0"/>
+                        <a:t>주차</a:t>
+                      </a:r>
+                    </a:p>
+                  </a:txBody>
+                  <a:tcPr/>
+                </a:tc>
+                <a:tc>
+                  <a:txBody>
+                    <a:bodyPr/>
+                    <a:lstStyle/>
+                    <a:p>
+                      <a:pPr latinLnBrk="1"/>
+                      <a:r>
+                        <a:rPr lang="ko-KR" altLang="en-US" sz="1200" dirty="0"/>
+                        <a:t>데이터 시각화에 필요한 데이터 수집 및 </a:t>
+                      </a:r>
+                      <a:r>
+                        <a:rPr lang="ko-KR" altLang="en-US" sz="1200" dirty="0" err="1"/>
+                        <a:t>전처리</a:t>
+                      </a:r>
+                      <a:r>
+                        <a:rPr lang="ko-KR" altLang="en-US" sz="1200" dirty="0"/>
+                        <a:t> 작업 수행</a:t>
+                      </a:r>
+                      <a:r>
+                        <a:rPr lang="en-US" altLang="ko-KR" sz="1200" dirty="0"/>
+                        <a:t> (API, </a:t>
+                      </a:r>
+                      <a:r>
+                        <a:rPr lang="ko-KR" altLang="en-US" sz="1200" dirty="0" err="1"/>
+                        <a:t>크롤링</a:t>
+                      </a:r>
+                      <a:r>
+                        <a:rPr lang="ko-KR" altLang="en-US" sz="1200" dirty="0"/>
+                        <a:t> </a:t>
+                      </a:r>
+                      <a:r>
+                        <a:rPr lang="en-US" altLang="ko-KR" sz="1200" dirty="0"/>
+                        <a:t>-&gt; JSON </a:t>
+                      </a:r>
+                      <a:r>
+                        <a:rPr lang="ko-KR" altLang="en-US" sz="1200" dirty="0"/>
+                        <a:t>형식</a:t>
+                      </a:r>
+                      <a:r>
+                        <a:rPr lang="en-US" altLang="ko-KR" sz="1200" dirty="0"/>
+                        <a:t>)</a:t>
+                      </a:r>
+                      <a:endParaRPr lang="ko-KR" altLang="en-US" sz="1200" dirty="0"/>
+                    </a:p>
+                  </a:txBody>
+                  <a:tcPr/>
+                </a:tc>
+                <a:tc>
+                  <a:txBody>
+                    <a:bodyPr/>
+                    <a:lstStyle/>
+                    <a:p>
+                      <a:pPr latinLnBrk="1"/>
+                      <a:endParaRPr lang="ko-KR" altLang="en-US" sz="1200"/>
+                    </a:p>
+                  </a:txBody>
+                  <a:tcPr/>
+                </a:tc>
+                <a:extLst>
+                  <a:ext uri="{0D108BD9-81ED-4DB2-BD59-A6C34878D82A}">
+                    <a16:rowId xmlns:a16="http://schemas.microsoft.com/office/drawing/2014/main" val="3020815362"/>
+                  </a:ext>
+                </a:extLst>
+              </a:tr>
+              <a:tr h="370840">
+                <a:tc>
+                  <a:txBody>
+                    <a:bodyPr/>
+                    <a:lstStyle/>
+                    <a:p>
+                      <a:pPr latinLnBrk="1"/>
+                      <a:r>
+                        <a:rPr lang="en-US" altLang="ko-KR" sz="1200" dirty="0"/>
+                        <a:t>5</a:t>
+                      </a:r>
+                      <a:r>
+                        <a:rPr lang="ko-KR" altLang="en-US" sz="1200" dirty="0"/>
+                        <a:t>주차</a:t>
+                      </a:r>
+                    </a:p>
+                  </a:txBody>
+                  <a:tcPr/>
+                </a:tc>
+                <a:tc>
+                  <a:txBody>
+                    <a:bodyPr/>
+                    <a:lstStyle/>
+                    <a:p>
+                      <a:pPr latinLnBrk="1"/>
+                      <a:r>
+                        <a:rPr lang="ko-KR" altLang="en-US" sz="1200" dirty="0"/>
+                        <a:t>데이터 시각화에 필요한 데이터 수집 및 </a:t>
+                      </a:r>
+                      <a:r>
+                        <a:rPr lang="ko-KR" altLang="en-US" sz="1200" dirty="0" err="1"/>
+                        <a:t>전처리</a:t>
+                      </a:r>
+                      <a:r>
+                        <a:rPr lang="ko-KR" altLang="en-US" sz="1200" dirty="0"/>
+                        <a:t> 작업 수행</a:t>
+                      </a:r>
+                      <a:r>
+                        <a:rPr lang="en-US" altLang="ko-KR" sz="1200" dirty="0"/>
+                        <a:t> (API, </a:t>
+                      </a:r>
+                      <a:r>
+                        <a:rPr lang="ko-KR" altLang="en-US" sz="1200" dirty="0" err="1"/>
+                        <a:t>크롤링</a:t>
+                      </a:r>
+                      <a:r>
+                        <a:rPr lang="ko-KR" altLang="en-US" sz="1200" dirty="0"/>
+                        <a:t> </a:t>
+                      </a:r>
+                      <a:r>
+                        <a:rPr lang="en-US" altLang="ko-KR" sz="1200" dirty="0"/>
+                        <a:t>-&gt; JSON </a:t>
+                      </a:r>
+                      <a:r>
+                        <a:rPr lang="ko-KR" altLang="en-US" sz="1200" dirty="0"/>
+                        <a:t>형식</a:t>
+                      </a:r>
+                      <a:r>
+                        <a:rPr lang="en-US" altLang="ko-KR" sz="1200" dirty="0"/>
+                        <a:t>)</a:t>
+                      </a:r>
+                      <a:endParaRPr lang="ko-KR" altLang="en-US" sz="1200" dirty="0"/>
+                    </a:p>
+                  </a:txBody>
+                  <a:tcPr/>
+                </a:tc>
+                <a:tc>
+                  <a:txBody>
+                    <a:bodyPr/>
+                    <a:lstStyle/>
+                    <a:p>
+                      <a:pPr latinLnBrk="1"/>
+                      <a:endParaRPr lang="ko-KR" altLang="en-US" sz="1200"/>
+                    </a:p>
+                  </a:txBody>
+                  <a:tcPr/>
+                </a:tc>
+                <a:extLst>
+                  <a:ext uri="{0D108BD9-81ED-4DB2-BD59-A6C34878D82A}">
+                    <a16:rowId xmlns:a16="http://schemas.microsoft.com/office/drawing/2014/main" val="1045249920"/>
+                  </a:ext>
+                </a:extLst>
+              </a:tr>
+              <a:tr h="370840">
+                <a:tc>
+                  <a:txBody>
+                    <a:bodyPr/>
+                    <a:lstStyle/>
+                    <a:p>
+                      <a:pPr latinLnBrk="1"/>
+                      <a:r>
+                        <a:rPr lang="en-US" altLang="ko-KR" sz="1200" dirty="0"/>
+                        <a:t>6</a:t>
+                      </a:r>
+                      <a:r>
+                        <a:rPr lang="ko-KR" altLang="en-US" sz="1200" dirty="0"/>
+                        <a:t>주차</a:t>
+                      </a:r>
+                      <a:endParaRPr lang="en-US" altLang="ko-KR" sz="1200" dirty="0"/>
+                    </a:p>
+                  </a:txBody>
+                  <a:tcPr/>
+                </a:tc>
+                <a:tc>
+                  <a:txBody>
+                    <a:bodyPr/>
+                    <a:lstStyle/>
+                    <a:p>
+                      <a:pPr latinLnBrk="1"/>
+                      <a:r>
+                        <a:rPr lang="ko-KR" altLang="en-US" sz="1200" dirty="0"/>
+                        <a:t>데이터 시각화에 필요한 데이터 수집 및 </a:t>
+                      </a:r>
+                      <a:r>
+                        <a:rPr lang="ko-KR" altLang="en-US" sz="1200" dirty="0" err="1"/>
+                        <a:t>전처리</a:t>
+                      </a:r>
+                      <a:r>
+                        <a:rPr lang="ko-KR" altLang="en-US" sz="1200" dirty="0"/>
+                        <a:t> 작업 수행</a:t>
+                      </a:r>
+                      <a:r>
+                        <a:rPr lang="en-US" altLang="ko-KR" sz="1200" dirty="0"/>
+                        <a:t> (API, </a:t>
+                      </a:r>
+                      <a:r>
+                        <a:rPr lang="ko-KR" altLang="en-US" sz="1200" dirty="0" err="1"/>
+                        <a:t>크롤링</a:t>
+                      </a:r>
+                      <a:r>
+                        <a:rPr lang="ko-KR" altLang="en-US" sz="1200" dirty="0"/>
+                        <a:t> </a:t>
+                      </a:r>
+                      <a:r>
+                        <a:rPr lang="en-US" altLang="ko-KR" sz="1200" dirty="0"/>
+                        <a:t>-&gt; JSON </a:t>
+                      </a:r>
+                      <a:r>
+                        <a:rPr lang="ko-KR" altLang="en-US" sz="1200" dirty="0"/>
+                        <a:t>형식</a:t>
+                      </a:r>
+                      <a:r>
+                        <a:rPr lang="en-US" altLang="ko-KR" sz="1200" dirty="0"/>
+                        <a:t>)</a:t>
+                      </a:r>
+                      <a:endParaRPr lang="ko-KR" altLang="en-US" sz="1200" dirty="0"/>
+                    </a:p>
+                  </a:txBody>
+                  <a:tcPr/>
+                </a:tc>
+                <a:tc>
+                  <a:txBody>
+                    <a:bodyPr/>
+                    <a:lstStyle/>
+                    <a:p>
+                      <a:pPr latinLnBrk="1"/>
+                      <a:endParaRPr lang="ko-KR" altLang="en-US" sz="1200"/>
+                    </a:p>
+                  </a:txBody>
+                  <a:tcPr/>
+                </a:tc>
+                <a:extLst>
+                  <a:ext uri="{0D108BD9-81ED-4DB2-BD59-A6C34878D82A}">
+                    <a16:rowId xmlns:a16="http://schemas.microsoft.com/office/drawing/2014/main" val="39706483"/>
+                  </a:ext>
+                </a:extLst>
+              </a:tr>
+              <a:tr h="370840">
+                <a:tc>
+                  <a:txBody>
+                    <a:bodyPr/>
+                    <a:lstStyle/>
+                    <a:p>
+                      <a:pPr latinLnBrk="1"/>
+                      <a:r>
+                        <a:rPr lang="en-US" altLang="ko-KR" sz="1200" dirty="0"/>
+                        <a:t>7</a:t>
+                      </a:r>
+                      <a:r>
+                        <a:rPr lang="ko-KR" altLang="en-US" sz="1200" dirty="0"/>
+                        <a:t>주차</a:t>
+                      </a:r>
+                    </a:p>
+                  </a:txBody>
+                  <a:tcPr/>
+                </a:tc>
+                <a:tc>
+                  <a:txBody>
+                    <a:bodyPr/>
+                    <a:lstStyle/>
+                    <a:p>
+                      <a:pPr latinLnBrk="1"/>
+                      <a:r>
+                        <a:rPr lang="ko-KR" altLang="en-US" sz="1200" dirty="0"/>
+                        <a:t>전처리한 데이터 </a:t>
+                      </a:r>
+                      <a:r>
+                        <a:rPr lang="en-US" altLang="ko-KR" sz="1200" dirty="0"/>
+                        <a:t>DB</a:t>
+                      </a:r>
+                      <a:r>
+                        <a:rPr lang="ko-KR" altLang="en-US" sz="1200" dirty="0"/>
+                        <a:t>에 적재 </a:t>
+                      </a:r>
+                      <a:r>
+                        <a:rPr lang="en-US" altLang="ko-KR" sz="1200" dirty="0"/>
+                        <a:t>(MongoDB)</a:t>
+                      </a:r>
+                      <a:endParaRPr lang="ko-KR" altLang="en-US" sz="1200" dirty="0"/>
+                    </a:p>
+                  </a:txBody>
+                  <a:tcPr/>
+                </a:tc>
+                <a:tc>
+                  <a:txBody>
+                    <a:bodyPr/>
+                    <a:lstStyle/>
+                    <a:p>
+                      <a:pPr latinLnBrk="1"/>
+                      <a:endParaRPr lang="ko-KR" altLang="en-US" sz="1200"/>
+                    </a:p>
+                  </a:txBody>
+                  <a:tcPr/>
+                </a:tc>
+                <a:extLst>
+                  <a:ext uri="{0D108BD9-81ED-4DB2-BD59-A6C34878D82A}">
+                    <a16:rowId xmlns:a16="http://schemas.microsoft.com/office/drawing/2014/main" val="1573604053"/>
+                  </a:ext>
+                </a:extLst>
+              </a:tr>
+              <a:tr h="370840">
+                <a:tc>
+                  <a:txBody>
+                    <a:bodyPr/>
+                    <a:lstStyle/>
+                    <a:p>
+                      <a:pPr latinLnBrk="1"/>
+                      <a:r>
+                        <a:rPr lang="en-US" altLang="ko-KR" sz="1200" dirty="0"/>
+                        <a:t>8</a:t>
+                      </a:r>
+                      <a:r>
+                        <a:rPr lang="ko-KR" altLang="en-US" sz="1200" dirty="0"/>
+                        <a:t>주차</a:t>
+                      </a:r>
+                    </a:p>
+                  </a:txBody>
+                  <a:tcPr/>
+                </a:tc>
+                <a:tc>
+                  <a:txBody>
+                    <a:bodyPr/>
+                    <a:lstStyle/>
+                    <a:p>
+                      <a:pPr latinLnBrk="1"/>
+                      <a:r>
+                        <a:rPr lang="ko-KR" altLang="en-US" sz="1200" dirty="0"/>
+                        <a:t>데이터 시각화 및 웹 개발 </a:t>
+                      </a:r>
+                      <a:r>
+                        <a:rPr lang="en-US" altLang="ko-KR" sz="1200" dirty="0"/>
+                        <a:t>(Django </a:t>
+                      </a:r>
+                      <a:r>
+                        <a:rPr lang="ko-KR" altLang="en-US" sz="1200" dirty="0"/>
+                        <a:t>프레임워크</a:t>
+                      </a:r>
+                      <a:r>
+                        <a:rPr lang="en-US" altLang="ko-KR" sz="1200" dirty="0"/>
+                        <a:t>)</a:t>
+                      </a:r>
+                      <a:endParaRPr lang="ko-KR" altLang="en-US" sz="1200" dirty="0"/>
+                    </a:p>
+                  </a:txBody>
+                  <a:tcPr/>
+                </a:tc>
+                <a:tc>
+                  <a:txBody>
+                    <a:bodyPr/>
+                    <a:lstStyle/>
+                    <a:p>
+                      <a:pPr latinLnBrk="1"/>
+                      <a:endParaRPr lang="ko-KR" altLang="en-US" sz="1200"/>
+                    </a:p>
+                  </a:txBody>
+                  <a:tcPr/>
+                </a:tc>
+                <a:extLst>
+                  <a:ext uri="{0D108BD9-81ED-4DB2-BD59-A6C34878D82A}">
+                    <a16:rowId xmlns:a16="http://schemas.microsoft.com/office/drawing/2014/main" val="3899222396"/>
+                  </a:ext>
+                </a:extLst>
+              </a:tr>
+              <a:tr h="370840">
+                <a:tc>
+                  <a:txBody>
+                    <a:bodyPr/>
+                    <a:lstStyle/>
+                    <a:p>
+                      <a:pPr latinLnBrk="1"/>
+                      <a:r>
+                        <a:rPr lang="en-US" altLang="ko-KR" sz="1200" dirty="0"/>
+                        <a:t>9</a:t>
+                      </a:r>
+                      <a:r>
+                        <a:rPr lang="ko-KR" altLang="en-US" sz="1200" dirty="0"/>
+                        <a:t>주차</a:t>
+                      </a:r>
+                    </a:p>
+                  </a:txBody>
+                  <a:tcPr/>
+                </a:tc>
+                <a:tc>
+                  <a:txBody>
+                    <a:bodyPr/>
+                    <a:lstStyle/>
+                    <a:p>
+                      <a:pPr latinLnBrk="1"/>
+                      <a:r>
+                        <a:rPr lang="ko-KR" altLang="en-US" sz="1200" dirty="0"/>
+                        <a:t>데이터 시각화 및 웹 개발 </a:t>
+                      </a:r>
+                      <a:r>
+                        <a:rPr lang="en-US" altLang="ko-KR" sz="1200" dirty="0"/>
+                        <a:t>(Django </a:t>
+                      </a:r>
+                      <a:r>
+                        <a:rPr lang="ko-KR" altLang="en-US" sz="1200" dirty="0"/>
+                        <a:t>프레임워크</a:t>
+                      </a:r>
+                      <a:r>
+                        <a:rPr lang="en-US" altLang="ko-KR" sz="1200" dirty="0"/>
+                        <a:t>)</a:t>
+                      </a:r>
+                      <a:endParaRPr lang="ko-KR" altLang="en-US" sz="1200" dirty="0"/>
+                    </a:p>
+                  </a:txBody>
+                  <a:tcPr/>
+                </a:tc>
+                <a:tc>
+                  <a:txBody>
+                    <a:bodyPr/>
+                    <a:lstStyle/>
+                    <a:p>
+                      <a:pPr latinLnBrk="1"/>
+                      <a:endParaRPr lang="ko-KR" altLang="en-US" sz="1200"/>
+                    </a:p>
+                  </a:txBody>
+                  <a:tcPr/>
+                </a:tc>
+                <a:extLst>
+                  <a:ext uri="{0D108BD9-81ED-4DB2-BD59-A6C34878D82A}">
+                    <a16:rowId xmlns:a16="http://schemas.microsoft.com/office/drawing/2014/main" val="4070033390"/>
+                  </a:ext>
+                </a:extLst>
+              </a:tr>
+              <a:tr h="370840">
+                <a:tc>
+                  <a:txBody>
+                    <a:bodyPr/>
+                    <a:lstStyle/>
+                    <a:p>
+                      <a:pPr latinLnBrk="1"/>
+                      <a:r>
+                        <a:rPr lang="en-US" altLang="ko-KR" sz="1200" dirty="0"/>
+                        <a:t>10</a:t>
+                      </a:r>
+                      <a:r>
+                        <a:rPr lang="ko-KR" altLang="en-US" sz="1200" dirty="0"/>
+                        <a:t>주차</a:t>
+                      </a:r>
+                    </a:p>
+                  </a:txBody>
+                  <a:tcPr/>
+                </a:tc>
+                <a:tc>
+                  <a:txBody>
+                    <a:bodyPr/>
+                    <a:lstStyle/>
+                    <a:p>
+                      <a:pPr latinLnBrk="1"/>
+                      <a:r>
+                        <a:rPr lang="en-US" altLang="ko-KR" sz="1200" dirty="0"/>
+                        <a:t>WSGI </a:t>
+                      </a:r>
+                      <a:r>
+                        <a:rPr lang="ko-KR" altLang="en-US" sz="1200" dirty="0"/>
+                        <a:t>서버 구축</a:t>
+                      </a:r>
+                      <a:r>
+                        <a:rPr lang="en-US" altLang="ko-KR" sz="1200" dirty="0"/>
+                        <a:t> (</a:t>
+                      </a:r>
+                      <a:r>
+                        <a:rPr lang="en-US" altLang="ko-KR" sz="1200" dirty="0" err="1"/>
+                        <a:t>gunicorn</a:t>
+                      </a:r>
+                      <a:r>
+                        <a:rPr lang="en-US" altLang="ko-KR" sz="1200" dirty="0"/>
+                        <a:t>)</a:t>
+                      </a:r>
+                      <a:endParaRPr lang="ko-KR" altLang="en-US" sz="1200" dirty="0"/>
+                    </a:p>
+                  </a:txBody>
+                  <a:tcPr/>
+                </a:tc>
+                <a:tc>
+                  <a:txBody>
+                    <a:bodyPr/>
+                    <a:lstStyle/>
+                    <a:p>
+                      <a:pPr latinLnBrk="1"/>
+                      <a:endParaRPr lang="ko-KR" altLang="en-US" sz="1200" dirty="0"/>
+                    </a:p>
+                  </a:txBody>
+                  <a:tcPr/>
+                </a:tc>
+                <a:extLst>
+                  <a:ext uri="{0D108BD9-81ED-4DB2-BD59-A6C34878D82A}">
+                    <a16:rowId xmlns:a16="http://schemas.microsoft.com/office/drawing/2014/main" val="3186957143"/>
+                  </a:ext>
+                </a:extLst>
+              </a:tr>
+              <a:tr h="370840">
+                <a:tc>
+                  <a:txBody>
+                    <a:bodyPr/>
+                    <a:lstStyle/>
+                    <a:p>
+                      <a:pPr latinLnBrk="1"/>
+                      <a:r>
+                        <a:rPr lang="en-US" altLang="ko-KR" sz="1200" dirty="0"/>
+                        <a:t>11</a:t>
+                      </a:r>
+                      <a:r>
+                        <a:rPr lang="ko-KR" altLang="en-US" sz="1200" dirty="0"/>
+                        <a:t>주차</a:t>
+                      </a:r>
+                    </a:p>
+                  </a:txBody>
+                  <a:tcPr/>
+                </a:tc>
+                <a:tc>
+                  <a:txBody>
+                    <a:bodyPr/>
+                    <a:lstStyle/>
+                    <a:p>
+                      <a:pPr latinLnBrk="1"/>
+                      <a:r>
+                        <a:rPr lang="ko-KR" altLang="en-US" sz="1200" dirty="0"/>
+                        <a:t>웹 서버 구축</a:t>
+                      </a:r>
+                      <a:r>
+                        <a:rPr lang="en-US" altLang="ko-KR" sz="1200" dirty="0"/>
+                        <a:t> (AWS)</a:t>
+                      </a:r>
+                      <a:endParaRPr lang="ko-KR" altLang="en-US" sz="1200" dirty="0"/>
+                    </a:p>
+                  </a:txBody>
+                  <a:tcPr/>
+                </a:tc>
+                <a:tc>
+                  <a:txBody>
+                    <a:bodyPr/>
+                    <a:lstStyle/>
+                    <a:p>
+                      <a:pPr latinLnBrk="1"/>
+                      <a:endParaRPr lang="ko-KR" altLang="en-US" sz="1200" dirty="0"/>
+                    </a:p>
+                  </a:txBody>
+                  <a:tcPr/>
+                </a:tc>
+                <a:extLst>
+                  <a:ext uri="{0D108BD9-81ED-4DB2-BD59-A6C34878D82A}">
+                    <a16:rowId xmlns:a16="http://schemas.microsoft.com/office/drawing/2014/main" val="3515976224"/>
+                  </a:ext>
+                </a:extLst>
+              </a:tr>
+              <a:tr h="370840">
+                <a:tc>
+                  <a:txBody>
+                    <a:bodyPr/>
+                    <a:lstStyle/>
+                    <a:p>
+                      <a:pPr latinLnBrk="1"/>
+                      <a:r>
+                        <a:rPr lang="en-US" altLang="ko-KR" sz="1200" dirty="0"/>
+                        <a:t>12</a:t>
+                      </a:r>
+                      <a:r>
+                        <a:rPr lang="ko-KR" altLang="en-US" sz="1200" dirty="0"/>
+                        <a:t>주차</a:t>
+                      </a:r>
+                    </a:p>
+                  </a:txBody>
+                  <a:tcPr/>
+                </a:tc>
+                <a:tc>
+                  <a:txBody>
+                    <a:bodyPr/>
+                    <a:lstStyle/>
+                    <a:p>
+                      <a:pPr latinLnBrk="1"/>
+                      <a:r>
+                        <a:rPr lang="ko-KR" altLang="en-US" sz="1200" dirty="0"/>
+                        <a:t>디버깅 작업</a:t>
+                      </a:r>
+                    </a:p>
+                  </a:txBody>
+                  <a:tcPr/>
+                </a:tc>
+                <a:tc>
+                  <a:txBody>
+                    <a:bodyPr/>
+                    <a:lstStyle/>
+                    <a:p>
+                      <a:pPr latinLnBrk="1"/>
+                      <a:endParaRPr lang="ko-KR" altLang="en-US" sz="1200" dirty="0"/>
+                    </a:p>
+                  </a:txBody>
+                  <a:tcPr/>
+                </a:tc>
+                <a:extLst>
+                  <a:ext uri="{0D108BD9-81ED-4DB2-BD59-A6C34878D82A}">
+                    <a16:rowId xmlns:a16="http://schemas.microsoft.com/office/drawing/2014/main" val="3357070535"/>
+                  </a:ext>
+                </a:extLst>
+              </a:tr>
+              <a:tr h="370840">
+                <a:tc>
+                  <a:txBody>
+                    <a:bodyPr/>
+                    <a:lstStyle/>
+                    <a:p>
+                      <a:pPr latinLnBrk="1"/>
+                      <a:r>
+                        <a:rPr lang="en-US" altLang="ko-KR" sz="1200" dirty="0"/>
+                        <a:t>13</a:t>
+                      </a:r>
+                      <a:r>
+                        <a:rPr lang="ko-KR" altLang="en-US" sz="1200" dirty="0"/>
+                        <a:t>주차</a:t>
+                      </a:r>
+                    </a:p>
+                  </a:txBody>
+                  <a:tcPr/>
+                </a:tc>
+                <a:tc>
+                  <a:txBody>
+                    <a:bodyPr/>
+                    <a:lstStyle/>
+                    <a:p>
+                      <a:pPr latinLnBrk="1"/>
+                      <a:r>
+                        <a:rPr lang="ko-KR" altLang="en-US" sz="1200" dirty="0"/>
+                        <a:t>프로젝트 마무리를 위한 팀 회의 </a:t>
+                      </a:r>
+                      <a:r>
+                        <a:rPr lang="en-US" altLang="ko-KR" sz="1200" dirty="0"/>
+                        <a:t>(</a:t>
+                      </a:r>
+                      <a:r>
+                        <a:rPr lang="ko-KR" altLang="en-US" sz="1200" dirty="0"/>
+                        <a:t>프로젝트 결과 보고서</a:t>
+                      </a:r>
+                      <a:r>
+                        <a:rPr lang="en-US" altLang="ko-KR" sz="1200" dirty="0"/>
+                        <a:t>)</a:t>
+                      </a:r>
+                      <a:endParaRPr lang="ko-KR" altLang="en-US" sz="1200" dirty="0"/>
+                    </a:p>
+                  </a:txBody>
+                  <a:tcPr/>
+                </a:tc>
+                <a:tc>
+                  <a:txBody>
+                    <a:bodyPr/>
+                    <a:lstStyle/>
+                    <a:p>
+                      <a:pPr latinLnBrk="1"/>
+                      <a:r>
+                        <a:rPr lang="ko-KR" altLang="en-US" sz="1200" dirty="0"/>
+                        <a:t>프로젝트 결과 보고서</a:t>
+                      </a:r>
+                    </a:p>
+                  </a:txBody>
+                  <a:tcPr/>
+                </a:tc>
+                <a:extLst>
+                  <a:ext uri="{0D108BD9-81ED-4DB2-BD59-A6C34878D82A}">
+                    <a16:rowId xmlns:a16="http://schemas.microsoft.com/office/drawing/2014/main" val="3274482988"/>
+                  </a:ext>
+                </a:extLst>
+              </a:tr>
+              <a:tr h="370840">
+                <a:tc>
+                  <a:txBody>
+                    <a:bodyPr/>
+                    <a:lstStyle/>
+                    <a:p>
+                      <a:pPr latinLnBrk="1"/>
+                      <a:r>
+                        <a:rPr lang="en-US" altLang="ko-KR" sz="1200" dirty="0"/>
+                        <a:t>14</a:t>
+                      </a:r>
+                      <a:r>
+                        <a:rPr lang="ko-KR" altLang="en-US" sz="1200" dirty="0"/>
+                        <a:t>주차</a:t>
+                      </a:r>
+                    </a:p>
+                  </a:txBody>
+                  <a:tcPr/>
+                </a:tc>
+                <a:tc>
+                  <a:txBody>
+                    <a:bodyPr/>
+                    <a:lstStyle/>
+                    <a:p>
+                      <a:pPr latinLnBrk="1"/>
+                      <a:r>
+                        <a:rPr lang="ko-KR" altLang="en-US" sz="1200" dirty="0"/>
+                        <a:t>프로젝트 최종 점검 및 보고</a:t>
+                      </a:r>
+                    </a:p>
+                  </a:txBody>
+                  <a:tcPr/>
+                </a:tc>
+                <a:tc>
+                  <a:txBody>
+                    <a:bodyPr/>
+                    <a:lstStyle/>
+                    <a:p>
+                      <a:pPr latinLnBrk="1"/>
+                      <a:r>
+                        <a:rPr lang="ko-KR" altLang="en-US" sz="1200" dirty="0"/>
+                        <a:t>프로젝트 결과 보고서</a:t>
+                      </a:r>
+                    </a:p>
+                  </a:txBody>
+                  <a:tcPr/>
+                </a:tc>
+                <a:extLst>
+                  <a:ext uri="{0D108BD9-81ED-4DB2-BD59-A6C34878D82A}">
+                    <a16:rowId xmlns:a16="http://schemas.microsoft.com/office/drawing/2014/main" val="3255068989"/>
+                  </a:ext>
+                </a:extLst>
+              </a:tr>
+            </a:tbl>
+          </a:graphicData>
+        </a:graphic>
+      </p:graphicFrame>
+    </p:spTree>
+    <p:extLst>
+      <p:ext uri="{BB962C8B-B14F-4D97-AF65-F5344CB8AC3E}">
+        <p14:creationId xmlns:p14="http://schemas.microsoft.com/office/powerpoint/2010/main" val="4262296427"/>
+      </p:ext>
+    </p:extLst>
+  </p:cSld>
+  <p:clrMapOvr>
+    <a:masterClrMapping/>
+  </p:clrMapOvr>
+</p:sld>
+</file>
+
+<file path=ppt/slides/slide16.xml><?xml version="1.0" encoding="utf-8"?>
+<p:sld xmlns:a="http://schemas.openxmlformats.org/drawingml/2006/main" xmlns:r="http://schemas.openxmlformats.org/officeDocument/2006/relationships" xmlns:p="http://schemas.openxmlformats.org/presentationml/2006/main">
+  <p:cSld>
+    <p:spTree>
+      <p:nvGrpSpPr>
+        <p:cNvPr id="1" name=""/>
+        <p:cNvGrpSpPr/>
+        <p:nvPr/>
+      </p:nvGrpSpPr>
+      <p:grpSpPr>
+        <a:xfrm>
+          <a:off x="0" y="0"/>
+          <a:ext cx="0" cy="0"/>
+          <a:chOff x="0" y="0"/>
+          <a:chExt cx="0" cy="0"/>
+        </a:xfrm>
+      </p:grpSpPr>
+      <p:sp>
+        <p:nvSpPr>
+          <p:cNvPr id="4" name="Google Shape;86;p13"/>
+          <p:cNvSpPr/>
+          <p:nvPr/>
+        </p:nvSpPr>
+        <p:spPr>
+          <a:xfrm>
+            <a:off x="-24803" y="0"/>
+            <a:ext cx="12216800" cy="6858000"/>
+          </a:xfrm>
+          <a:prstGeom prst="rect">
+            <a:avLst/>
+          </a:prstGeom>
+          <a:solidFill>
+            <a:srgbClr val="49A6A6"/>
+          </a:solidFill>
+          <a:ln>
+            <a:solidFill>
+              <a:srgbClr val="49A6A6"/>
+            </a:solidFill>
+          </a:ln>
+        </p:spPr>
+        <p:txBody>
+          <a:bodyPr spcFirstLastPara="1" wrap="square" lIns="91425" tIns="45700" rIns="91425" bIns="45700" anchor="ctr" anchorCtr="0">
+            <a:noAutofit/>
+          </a:bodyPr>
+          <a:lstStyle/>
+          <a:p>
+            <a:pPr marL="0" marR="0" lvl="0" indent="0" algn="ctr" rtl="0">
+              <a:spcBef>
+                <a:spcPts val="0"/>
+              </a:spcBef>
+              <a:spcAft>
+                <a:spcPts val="0"/>
+              </a:spcAft>
+              <a:buNone/>
+            </a:pPr>
+            <a:r>
+              <a:rPr lang="en-US" altLang="ko-KR" sz="6000" b="1" dirty="0">
+                <a:solidFill>
+                  <a:schemeClr val="bg1"/>
+                </a:solidFill>
+                <a:latin typeface="Arial"/>
+                <a:ea typeface="Arial"/>
+                <a:cs typeface="Arial"/>
+                <a:sym typeface="Arial"/>
+              </a:rPr>
+              <a:t>Thank You!</a:t>
+            </a:r>
+            <a:endParaRPr sz="6000" b="1" i="0" u="none" strike="noStrike" cap="none" dirty="0">
+              <a:solidFill>
+                <a:schemeClr val="bg1"/>
+              </a:solidFill>
+              <a:latin typeface="Arial"/>
+              <a:ea typeface="Arial"/>
+              <a:cs typeface="Arial"/>
+              <a:sym typeface="Arial"/>
+            </a:endParaRPr>
+          </a:p>
+        </p:txBody>
+      </p:sp>
+    </p:spTree>
+    <p:extLst>
+      <p:ext uri="{BB962C8B-B14F-4D97-AF65-F5344CB8AC3E}">
+        <p14:creationId xmlns:p14="http://schemas.microsoft.com/office/powerpoint/2010/main" val="1802889630"/>
+      </p:ext>
+    </p:extLst>
+  </p:cSld>
+  <p:clrMapOvr>
+    <a:masterClrMapping/>
+  </p:clrMapOvr>
+</p:sld>
+</file>
+
+<file path=ppt/slides/slide2.xml><?xml version="1.0" encoding="utf-8"?>
+<p:sld xmlns:a="http://schemas.openxmlformats.org/drawingml/2006/main" xmlns:r="http://schemas.openxmlformats.org/officeDocument/2006/relationships" xmlns:p="http://schemas.openxmlformats.org/presentationml/2006/main">
+  <p:cSld>
+    <p:spTree>
+      <p:nvGrpSpPr>
+        <p:cNvPr id="1" name=""/>
+        <p:cNvGrpSpPr/>
+        <p:nvPr/>
+      </p:nvGrpSpPr>
+      <p:grpSpPr>
+        <a:xfrm>
+          <a:off x="0" y="0"/>
+          <a:ext cx="0" cy="0"/>
+          <a:chOff x="0" y="0"/>
+          <a:chExt cx="0" cy="0"/>
+        </a:xfrm>
+      </p:grpSpPr>
+      <p:sp>
+        <p:nvSpPr>
+          <p:cNvPr id="6" name="오각형 5"/>
+          <p:cNvSpPr/>
+          <p:nvPr/>
+        </p:nvSpPr>
+        <p:spPr>
+          <a:xfrm>
+            <a:off x="0" y="0"/>
+            <a:ext cx="12192000" cy="6858000"/>
+          </a:xfrm>
+          <a:prstGeom prst="homePlate">
+            <a:avLst/>
+          </a:prstGeom>
+          <a:solidFill>
+            <a:srgbClr val="49A6A6">
+              <a:alpha val="85000"/>
+            </a:srgbClr>
+          </a:solidFill>
+          <a:ln>
+            <a:noFill/>
+          </a:ln>
+          <a:effectLst>
+            <a:outerShdw blurRad="50800" dist="38100" dir="2700000" algn="tl" rotWithShape="0">
+              <a:prstClr val="black">
+                <a:alpha val="40000"/>
+              </a:prstClr>
+            </a:outerShdw>
+          </a:effectLst>
+        </p:spPr>
+        <p:style>
+          <a:lnRef idx="2">
+            <a:schemeClr val="accent1">
+              <a:shade val="50000"/>
+            </a:schemeClr>
+          </a:lnRef>
+          <a:fillRef idx="1">
+            <a:schemeClr val="accent1"/>
+          </a:fillRef>
+          <a:effectRef idx="0">
+            <a:schemeClr val="accent1"/>
+          </a:effectRef>
+          <a:fontRef idx="minor">
+            <a:schemeClr val="lt1"/>
+          </a:fontRef>
+        </p:style>
+        <p:txBody>
+          <a:bodyPr rtlCol="0" anchor="ctr"/>
+          <a:lstStyle/>
+          <a:p>
+            <a:pPr algn="ctr"/>
+            <a:endParaRPr lang="ko-KR" altLang="en-US"/>
+          </a:p>
+        </p:txBody>
+      </p:sp>
+      <p:sp>
+        <p:nvSpPr>
+          <p:cNvPr id="2" name="TextBox 1"/>
           <p:cNvSpPr txBox="1"/>
           <p:nvPr/>
         </p:nvSpPr>
         <p:spPr>
           <a:xfrm>
-            <a:off x="600205" y="3825764"/>
-            <a:ext cx="779381" cy="369332"/>
+            <a:off x="1835859" y="2767280"/>
+            <a:ext cx="8520281" cy="1323439"/>
           </a:xfrm>
           <a:prstGeom prst="rect">
             <a:avLst/>
@@ -5723,29 +7350,782 @@
           <a:lstStyle/>
           <a:p>
             <a:r>
-              <a:rPr lang="en-US" altLang="ko-KR" dirty="0"/>
-              <a:t>Client</a:t>
-            </a:r>
+              <a:rPr lang="en-US" altLang="ko-KR" sz="8000" b="1" dirty="0">
+                <a:solidFill>
+                  <a:schemeClr val="bg1"/>
+                </a:solidFill>
+              </a:rPr>
+              <a:t>01. </a:t>
+            </a:r>
+            <a:r>
+              <a:rPr lang="ko-KR" altLang="en-US" sz="8000" b="1" dirty="0">
+                <a:solidFill>
+                  <a:schemeClr val="bg1"/>
+                </a:solidFill>
+              </a:rPr>
+              <a:t>프로젝트 개요</a:t>
+            </a:r>
+          </a:p>
+        </p:txBody>
+      </p:sp>
+    </p:spTree>
+    <p:extLst>
+      <p:ext uri="{BB962C8B-B14F-4D97-AF65-F5344CB8AC3E}">
+        <p14:creationId xmlns:p14="http://schemas.microsoft.com/office/powerpoint/2010/main" val="3036433389"/>
+      </p:ext>
+    </p:extLst>
+  </p:cSld>
+  <p:clrMapOvr>
+    <a:masterClrMapping/>
+  </p:clrMapOvr>
+</p:sld>
+</file>
+
+<file path=ppt/slides/slide3.xml><?xml version="1.0" encoding="utf-8"?>
+<p:sld xmlns:a="http://schemas.openxmlformats.org/drawingml/2006/main" xmlns:r="http://schemas.openxmlformats.org/officeDocument/2006/relationships" xmlns:p="http://schemas.openxmlformats.org/presentationml/2006/main">
+  <p:cSld>
+    <p:spTree>
+      <p:nvGrpSpPr>
+        <p:cNvPr id="1" name=""/>
+        <p:cNvGrpSpPr/>
+        <p:nvPr/>
+      </p:nvGrpSpPr>
+      <p:grpSpPr>
+        <a:xfrm>
+          <a:off x="0" y="0"/>
+          <a:ext cx="0" cy="0"/>
+          <a:chOff x="0" y="0"/>
+          <a:chExt cx="0" cy="0"/>
+        </a:xfrm>
+      </p:grpSpPr>
+      <p:sp>
+        <p:nvSpPr>
+          <p:cNvPr id="8" name="갈매기형 수장 7"/>
+          <p:cNvSpPr/>
+          <p:nvPr/>
+        </p:nvSpPr>
+        <p:spPr>
+          <a:xfrm>
+            <a:off x="180000" y="2033071"/>
+            <a:ext cx="6553309" cy="849746"/>
+          </a:xfrm>
+          <a:prstGeom prst="chevron">
+            <a:avLst/>
+          </a:prstGeom>
+          <a:solidFill>
+            <a:schemeClr val="accent4"/>
+          </a:solidFill>
+          <a:ln>
+            <a:noFill/>
+          </a:ln>
+        </p:spPr>
+        <p:style>
+          <a:lnRef idx="2">
+            <a:schemeClr val="accent1">
+              <a:shade val="50000"/>
+            </a:schemeClr>
+          </a:lnRef>
+          <a:fillRef idx="1">
+            <a:schemeClr val="accent1"/>
+          </a:fillRef>
+          <a:effectRef idx="0">
+            <a:schemeClr val="accent1"/>
+          </a:effectRef>
+          <a:fontRef idx="minor">
+            <a:schemeClr val="lt1"/>
+          </a:fontRef>
+        </p:style>
+        <p:txBody>
+          <a:bodyPr rtlCol="0" anchor="ctr"/>
+          <a:lstStyle/>
+          <a:p>
+            <a:pPr algn="ctr"/>
+            <a:endParaRPr lang="ko-KR" altLang="en-US">
+              <a:solidFill>
+                <a:schemeClr val="tx1"/>
+              </a:solidFill>
+            </a:endParaRPr>
+          </a:p>
+        </p:txBody>
+      </p:sp>
+      <p:sp>
+        <p:nvSpPr>
+          <p:cNvPr id="4" name="직사각형 3"/>
+          <p:cNvSpPr/>
+          <p:nvPr/>
+        </p:nvSpPr>
+        <p:spPr>
+          <a:xfrm>
+            <a:off x="0" y="-1"/>
+            <a:ext cx="180000" cy="1440000"/>
+          </a:xfrm>
+          <a:prstGeom prst="rect">
+            <a:avLst/>
+          </a:prstGeom>
+          <a:solidFill>
+            <a:srgbClr val="49A6A6"/>
+          </a:solidFill>
+          <a:ln>
+            <a:noFill/>
+          </a:ln>
+        </p:spPr>
+        <p:style>
+          <a:lnRef idx="2">
+            <a:schemeClr val="accent1">
+              <a:shade val="50000"/>
+            </a:schemeClr>
+          </a:lnRef>
+          <a:fillRef idx="1">
+            <a:schemeClr val="accent1"/>
+          </a:fillRef>
+          <a:effectRef idx="0">
+            <a:schemeClr val="accent1"/>
+          </a:effectRef>
+          <a:fontRef idx="minor">
+            <a:schemeClr val="lt1"/>
+          </a:fontRef>
+        </p:style>
+        <p:txBody>
+          <a:bodyPr rtlCol="0" anchor="ctr"/>
+          <a:lstStyle/>
+          <a:p>
+            <a:pPr algn="ctr"/>
             <a:endParaRPr lang="ko-KR" altLang="en-US" dirty="0"/>
           </a:p>
         </p:txBody>
       </p:sp>
       <p:sp>
         <p:nvSpPr>
-          <p:cNvPr id="36" name="TextBox 35">
+          <p:cNvPr id="5" name="TextBox 4"/>
+          <p:cNvSpPr txBox="1"/>
+          <p:nvPr/>
+        </p:nvSpPr>
+        <p:spPr>
+          <a:xfrm>
+            <a:off x="466326" y="258334"/>
+            <a:ext cx="4583306" cy="923330"/>
+          </a:xfrm>
+          <a:prstGeom prst="rect">
+            <a:avLst/>
+          </a:prstGeom>
+          <a:noFill/>
+        </p:spPr>
+        <p:txBody>
+          <a:bodyPr wrap="none" rtlCol="0">
+            <a:spAutoFit/>
+          </a:bodyPr>
+          <a:lstStyle/>
+          <a:p>
+            <a:r>
+              <a:rPr lang="ko-KR" altLang="en-US" sz="5400" b="1" dirty="0"/>
+              <a:t>프로젝트 소개</a:t>
+            </a:r>
+          </a:p>
+        </p:txBody>
+      </p:sp>
+      <p:sp>
+        <p:nvSpPr>
+          <p:cNvPr id="7" name="TextBox 6"/>
+          <p:cNvSpPr txBox="1"/>
+          <p:nvPr/>
+        </p:nvSpPr>
+        <p:spPr>
+          <a:xfrm>
+            <a:off x="1854292" y="2073223"/>
+            <a:ext cx="3204723" cy="769441"/>
+          </a:xfrm>
+          <a:prstGeom prst="rect">
+            <a:avLst/>
+          </a:prstGeom>
+          <a:noFill/>
+        </p:spPr>
+        <p:txBody>
+          <a:bodyPr wrap="none" rtlCol="0">
+            <a:spAutoFit/>
+          </a:bodyPr>
+          <a:lstStyle/>
+          <a:p>
+            <a:r>
+              <a:rPr lang="ko-KR" altLang="en-US" sz="4400" b="1" dirty="0"/>
+              <a:t>내일의 반찬</a:t>
+            </a:r>
+            <a:endParaRPr lang="en-US" altLang="ko-KR" sz="4400" b="1" dirty="0"/>
+          </a:p>
+        </p:txBody>
+      </p:sp>
+      <p:sp>
+        <p:nvSpPr>
+          <p:cNvPr id="9" name="TextBox 8"/>
+          <p:cNvSpPr txBox="1"/>
+          <p:nvPr/>
+        </p:nvSpPr>
+        <p:spPr>
+          <a:xfrm>
+            <a:off x="466326" y="3534169"/>
+            <a:ext cx="10357323" cy="461665"/>
+          </a:xfrm>
+          <a:prstGeom prst="rect">
+            <a:avLst/>
+          </a:prstGeom>
+          <a:noFill/>
+        </p:spPr>
+        <p:txBody>
+          <a:bodyPr wrap="none" rtlCol="0">
+            <a:spAutoFit/>
+          </a:bodyPr>
+          <a:lstStyle/>
+          <a:p>
+            <a:r>
+              <a:rPr lang="ko-KR" altLang="en-US" sz="2400" dirty="0"/>
+              <a:t>▶ 음식료 값을 객관적인 자료로 시각화해서 웹 애플리케이션으로 서비스</a:t>
+            </a:r>
+            <a:r>
+              <a:rPr lang="en-US" altLang="ko-KR" sz="2400" dirty="0"/>
+              <a:t>.</a:t>
+            </a:r>
+            <a:endParaRPr lang="ko-KR" altLang="en-US" sz="2400" dirty="0"/>
+          </a:p>
+        </p:txBody>
+      </p:sp>
+      <p:sp>
+        <p:nvSpPr>
+          <p:cNvPr id="11" name="TextBox 10"/>
+          <p:cNvSpPr txBox="1"/>
+          <p:nvPr/>
+        </p:nvSpPr>
+        <p:spPr>
+          <a:xfrm>
+            <a:off x="466326" y="4394720"/>
+            <a:ext cx="7293984" cy="461665"/>
+          </a:xfrm>
+          <a:prstGeom prst="rect">
+            <a:avLst/>
+          </a:prstGeom>
+          <a:noFill/>
+        </p:spPr>
+        <p:txBody>
+          <a:bodyPr wrap="none" rtlCol="0">
+            <a:spAutoFit/>
+          </a:bodyPr>
+          <a:lstStyle/>
+          <a:p>
+            <a:r>
+              <a:rPr lang="ko-KR" altLang="en-US" sz="2400" dirty="0"/>
+              <a:t>▶ 쉬운 접근성과 가독성으로 </a:t>
+            </a:r>
+            <a:r>
+              <a:rPr lang="en-US" altLang="ko-KR" sz="2400" dirty="0"/>
+              <a:t>40-60</a:t>
+            </a:r>
+            <a:r>
+              <a:rPr lang="ko-KR" altLang="en-US" sz="2400" dirty="0"/>
+              <a:t>대를 타겟팅 함</a:t>
+            </a:r>
+            <a:r>
+              <a:rPr lang="en-US" altLang="ko-KR" sz="2400" dirty="0"/>
+              <a:t>.</a:t>
+            </a:r>
+            <a:r>
+              <a:rPr lang="ko-KR" altLang="en-US" sz="2400" dirty="0"/>
+              <a:t> </a:t>
+            </a:r>
+          </a:p>
+        </p:txBody>
+      </p:sp>
+      <p:sp>
+        <p:nvSpPr>
+          <p:cNvPr id="12" name="TextBox 11"/>
+          <p:cNvSpPr txBox="1"/>
+          <p:nvPr/>
+        </p:nvSpPr>
+        <p:spPr>
+          <a:xfrm>
+            <a:off x="466326" y="5236948"/>
+            <a:ext cx="10158550" cy="461665"/>
+          </a:xfrm>
+          <a:prstGeom prst="rect">
+            <a:avLst/>
+          </a:prstGeom>
+          <a:noFill/>
+        </p:spPr>
+        <p:txBody>
+          <a:bodyPr wrap="none" rtlCol="0">
+            <a:spAutoFit/>
+          </a:bodyPr>
+          <a:lstStyle/>
+          <a:p>
+            <a:r>
+              <a:rPr lang="ko-KR" altLang="en-US" sz="2400" dirty="0"/>
+              <a:t>▶ 향후 가격의 추이를 제공해서 소비자들의 합리적 선택의 근거를 제공</a:t>
+            </a:r>
+            <a:r>
+              <a:rPr lang="en-US" altLang="ko-KR" sz="2400" dirty="0"/>
+              <a:t>.</a:t>
+            </a:r>
+            <a:endParaRPr lang="ko-KR" altLang="en-US" sz="2400" dirty="0"/>
+          </a:p>
+        </p:txBody>
+      </p:sp>
+    </p:spTree>
+    <p:extLst>
+      <p:ext uri="{BB962C8B-B14F-4D97-AF65-F5344CB8AC3E}">
+        <p14:creationId xmlns:p14="http://schemas.microsoft.com/office/powerpoint/2010/main" val="2733162763"/>
+      </p:ext>
+    </p:extLst>
+  </p:cSld>
+  <p:clrMapOvr>
+    <a:masterClrMapping/>
+  </p:clrMapOvr>
+</p:sld>
+</file>
+
+<file path=ppt/slides/slide4.xml><?xml version="1.0" encoding="utf-8"?>
+<p:sld xmlns:a="http://schemas.openxmlformats.org/drawingml/2006/main" xmlns:r="http://schemas.openxmlformats.org/officeDocument/2006/relationships" xmlns:p="http://schemas.openxmlformats.org/presentationml/2006/main">
+  <p:cSld>
+    <p:spTree>
+      <p:nvGrpSpPr>
+        <p:cNvPr id="1" name=""/>
+        <p:cNvGrpSpPr/>
+        <p:nvPr/>
+      </p:nvGrpSpPr>
+      <p:grpSpPr>
+        <a:xfrm>
+          <a:off x="0" y="0"/>
+          <a:ext cx="0" cy="0"/>
+          <a:chOff x="0" y="0"/>
+          <a:chExt cx="0" cy="0"/>
+        </a:xfrm>
+      </p:grpSpPr>
+      <p:sp>
+        <p:nvSpPr>
+          <p:cNvPr id="4" name="직사각형 3"/>
+          <p:cNvSpPr/>
+          <p:nvPr/>
+        </p:nvSpPr>
+        <p:spPr>
+          <a:xfrm>
+            <a:off x="0" y="-1"/>
+            <a:ext cx="180000" cy="1440000"/>
+          </a:xfrm>
+          <a:prstGeom prst="rect">
+            <a:avLst/>
+          </a:prstGeom>
+          <a:solidFill>
+            <a:srgbClr val="49A6A6"/>
+          </a:solidFill>
+          <a:ln>
+            <a:noFill/>
+          </a:ln>
+        </p:spPr>
+        <p:style>
+          <a:lnRef idx="2">
+            <a:schemeClr val="accent1">
+              <a:shade val="50000"/>
+            </a:schemeClr>
+          </a:lnRef>
+          <a:fillRef idx="1">
+            <a:schemeClr val="accent1"/>
+          </a:fillRef>
+          <a:effectRef idx="0">
+            <a:schemeClr val="accent1"/>
+          </a:effectRef>
+          <a:fontRef idx="minor">
+            <a:schemeClr val="lt1"/>
+          </a:fontRef>
+        </p:style>
+        <p:txBody>
+          <a:bodyPr rtlCol="0" anchor="ctr"/>
+          <a:lstStyle/>
+          <a:p>
+            <a:pPr algn="ctr"/>
+            <a:endParaRPr lang="ko-KR" altLang="en-US" dirty="0"/>
+          </a:p>
+        </p:txBody>
+      </p:sp>
+      <p:sp>
+        <p:nvSpPr>
+          <p:cNvPr id="5" name="TextBox 4"/>
+          <p:cNvSpPr txBox="1"/>
+          <p:nvPr/>
+        </p:nvSpPr>
+        <p:spPr>
+          <a:xfrm>
+            <a:off x="466326" y="258334"/>
+            <a:ext cx="3890809" cy="923330"/>
+          </a:xfrm>
+          <a:prstGeom prst="rect">
+            <a:avLst/>
+          </a:prstGeom>
+          <a:noFill/>
+        </p:spPr>
+        <p:txBody>
+          <a:bodyPr wrap="none" rtlCol="0">
+            <a:spAutoFit/>
+          </a:bodyPr>
+          <a:lstStyle/>
+          <a:p>
+            <a:r>
+              <a:rPr lang="ko-KR" altLang="en-US" sz="5400" b="1" dirty="0"/>
+              <a:t>개발 필요성</a:t>
+            </a:r>
+          </a:p>
+        </p:txBody>
+      </p:sp>
+      <p:pic>
+        <p:nvPicPr>
+          <p:cNvPr id="3" name="그림 2"/>
+          <p:cNvPicPr>
+            <a:picLocks noChangeAspect="1"/>
+          </p:cNvPicPr>
+          <p:nvPr/>
+        </p:nvPicPr>
+        <p:blipFill>
+          <a:blip r:embed="rId2">
+            <a:extLst>
+              <a:ext uri="{28A0092B-C50C-407E-A947-70E740481C1C}">
+                <a14:useLocalDpi xmlns:a14="http://schemas.microsoft.com/office/drawing/2010/main" val="0"/>
+              </a:ext>
+            </a:extLst>
+          </a:blip>
+          <a:stretch>
+            <a:fillRect/>
+          </a:stretch>
+        </p:blipFill>
+        <p:spPr>
+          <a:xfrm>
+            <a:off x="1529407" y="1378768"/>
+            <a:ext cx="2827728" cy="2173442"/>
+          </a:xfrm>
+          <a:prstGeom prst="rect">
+            <a:avLst/>
+          </a:prstGeom>
+          <a:solidFill>
+            <a:srgbClr val="FFFFFF">
+              <a:shade val="85000"/>
+            </a:srgbClr>
+          </a:solidFill>
+          <a:ln w="88900" cap="sq">
+            <a:solidFill>
+              <a:srgbClr val="FFFFFF"/>
+            </a:solidFill>
+            <a:miter lim="800000"/>
+          </a:ln>
+          <a:effectLst>
+            <a:outerShdw blurRad="55000" dist="18000" dir="5400000" algn="tl" rotWithShape="0">
+              <a:srgbClr val="000000">
+                <a:alpha val="40000"/>
+              </a:srgbClr>
+            </a:outerShdw>
+          </a:effectLst>
+          <a:scene3d>
+            <a:camera prst="orthographicFront"/>
+            <a:lightRig rig="twoPt" dir="t">
+              <a:rot lat="0" lon="0" rev="7200000"/>
+            </a:lightRig>
+          </a:scene3d>
+          <a:sp3d>
+            <a:bevelT w="25400" h="19050"/>
+            <a:contourClr>
+              <a:srgbClr val="FFFFFF"/>
+            </a:contourClr>
+          </a:sp3d>
+        </p:spPr>
+      </p:pic>
+      <p:sp>
+        <p:nvSpPr>
+          <p:cNvPr id="14" name="TextBox 13"/>
+          <p:cNvSpPr txBox="1"/>
+          <p:nvPr/>
+        </p:nvSpPr>
+        <p:spPr>
+          <a:xfrm>
+            <a:off x="5753447" y="1585834"/>
+            <a:ext cx="5545108" cy="461665"/>
+          </a:xfrm>
+          <a:prstGeom prst="rect">
+            <a:avLst/>
+          </a:prstGeom>
+          <a:noFill/>
+        </p:spPr>
+        <p:txBody>
+          <a:bodyPr wrap="none" rtlCol="0">
+            <a:spAutoFit/>
+          </a:bodyPr>
+          <a:lstStyle/>
+          <a:p>
+            <a:r>
+              <a:rPr lang="ko-KR" altLang="en-US" sz="2400" dirty="0"/>
+              <a:t>◇ 하루하루를 바쁘게 살아가는 현대인</a:t>
+            </a:r>
+          </a:p>
+        </p:txBody>
+      </p:sp>
+      <p:sp>
+        <p:nvSpPr>
+          <p:cNvPr id="15" name="TextBox 14"/>
+          <p:cNvSpPr txBox="1"/>
+          <p:nvPr/>
+        </p:nvSpPr>
+        <p:spPr>
+          <a:xfrm>
+            <a:off x="5753447" y="2242351"/>
+            <a:ext cx="5719836" cy="446276"/>
+          </a:xfrm>
+          <a:prstGeom prst="rect">
+            <a:avLst/>
+          </a:prstGeom>
+          <a:noFill/>
+        </p:spPr>
+        <p:txBody>
+          <a:bodyPr wrap="none" rtlCol="0">
+            <a:spAutoFit/>
+          </a:bodyPr>
+          <a:lstStyle/>
+          <a:p>
+            <a:r>
+              <a:rPr lang="ko-KR" altLang="en-US" sz="2300" dirty="0"/>
+              <a:t>◇ 인플레이션에 따른 가파른 물가 상승폭</a:t>
+            </a:r>
+          </a:p>
+        </p:txBody>
+      </p:sp>
+      <p:sp>
+        <p:nvSpPr>
+          <p:cNvPr id="16" name="TextBox 15"/>
+          <p:cNvSpPr txBox="1"/>
+          <p:nvPr/>
+        </p:nvSpPr>
+        <p:spPr>
+          <a:xfrm>
+            <a:off x="5753447" y="4400315"/>
+            <a:ext cx="5759910" cy="430887"/>
+          </a:xfrm>
+          <a:prstGeom prst="rect">
+            <a:avLst/>
+          </a:prstGeom>
+          <a:noFill/>
+        </p:spPr>
+        <p:txBody>
+          <a:bodyPr wrap="none" rtlCol="0">
+            <a:spAutoFit/>
+          </a:bodyPr>
+          <a:lstStyle/>
+          <a:p>
+            <a:r>
+              <a:rPr lang="ko-KR" altLang="en-US" sz="2200" dirty="0"/>
+              <a:t>◆ 추상적으로 느끼는 물가의 변화를 시각화</a:t>
+            </a:r>
+          </a:p>
+        </p:txBody>
+      </p:sp>
+      <p:sp>
+        <p:nvSpPr>
+          <p:cNvPr id="18" name="TextBox 17"/>
+          <p:cNvSpPr txBox="1"/>
+          <p:nvPr/>
+        </p:nvSpPr>
+        <p:spPr>
+          <a:xfrm>
+            <a:off x="5753447" y="5026054"/>
+            <a:ext cx="5545108" cy="830997"/>
+          </a:xfrm>
+          <a:prstGeom prst="rect">
+            <a:avLst/>
+          </a:prstGeom>
+          <a:noFill/>
+        </p:spPr>
+        <p:txBody>
+          <a:bodyPr wrap="none" rtlCol="0">
+            <a:spAutoFit/>
+          </a:bodyPr>
+          <a:lstStyle/>
+          <a:p>
+            <a:r>
+              <a:rPr lang="ko-KR" altLang="en-US" sz="2400" dirty="0"/>
+              <a:t>◆ 합리적인 장보기를 도와주는 자료를</a:t>
+            </a:r>
+            <a:endParaRPr lang="en-US" altLang="ko-KR" sz="2400" dirty="0"/>
+          </a:p>
+          <a:p>
+            <a:r>
+              <a:rPr lang="en-US" altLang="ko-KR" sz="2400" dirty="0"/>
+              <a:t>    </a:t>
+            </a:r>
+            <a:r>
+              <a:rPr lang="ko-KR" altLang="en-US" sz="2400" dirty="0"/>
+              <a:t>빠르고 쉽게 확인</a:t>
+            </a:r>
+          </a:p>
+        </p:txBody>
+      </p:sp>
+      <p:sp>
+        <p:nvSpPr>
+          <p:cNvPr id="19" name="아래쪽 화살표 18"/>
+          <p:cNvSpPr/>
+          <p:nvPr/>
+        </p:nvSpPr>
+        <p:spPr>
+          <a:xfrm>
+            <a:off x="8164296" y="3222294"/>
+            <a:ext cx="723410" cy="858981"/>
+          </a:xfrm>
+          <a:prstGeom prst="downArrow">
+            <a:avLst/>
+          </a:prstGeom>
+          <a:solidFill>
+            <a:srgbClr val="5F5E58"/>
+          </a:solidFill>
+          <a:ln>
+            <a:noFill/>
+          </a:ln>
+        </p:spPr>
+        <p:style>
+          <a:lnRef idx="2">
+            <a:schemeClr val="accent1">
+              <a:shade val="50000"/>
+            </a:schemeClr>
+          </a:lnRef>
+          <a:fillRef idx="1">
+            <a:schemeClr val="accent1"/>
+          </a:fillRef>
+          <a:effectRef idx="0">
+            <a:schemeClr val="accent1"/>
+          </a:effectRef>
+          <a:fontRef idx="minor">
+            <a:schemeClr val="lt1"/>
+          </a:fontRef>
+        </p:style>
+        <p:txBody>
+          <a:bodyPr rtlCol="0" anchor="ctr"/>
+          <a:lstStyle/>
+          <a:p>
+            <a:pPr algn="ctr"/>
+            <a:endParaRPr lang="ko-KR" altLang="en-US"/>
+          </a:p>
+        </p:txBody>
+      </p:sp>
+      <p:pic>
+        <p:nvPicPr>
+          <p:cNvPr id="6" name="그림 5">
             <a:extLst>
               <a:ext uri="{FF2B5EF4-FFF2-40B4-BE49-F238E27FC236}">
-                <a16:creationId xmlns:a16="http://schemas.microsoft.com/office/drawing/2014/main" id="{FE789417-BB60-4D25-9D31-3EF413F5341B}"/>
+                <a16:creationId xmlns:a16="http://schemas.microsoft.com/office/drawing/2014/main" id="{69333BA8-A253-44F9-B903-9730B769293D}"/>
               </a:ext>
             </a:extLst>
           </p:cNvPr>
+          <p:cNvPicPr>
+            <a:picLocks noChangeAspect="1"/>
+          </p:cNvPicPr>
+          <p:nvPr/>
+        </p:nvPicPr>
+        <p:blipFill>
+          <a:blip r:embed="rId3">
+            <a:extLst>
+              <a:ext uri="{28A0092B-C50C-407E-A947-70E740481C1C}">
+                <a14:useLocalDpi xmlns:a14="http://schemas.microsoft.com/office/drawing/2010/main" val="0"/>
+              </a:ext>
+            </a:extLst>
+          </a:blip>
+          <a:stretch>
+            <a:fillRect/>
+          </a:stretch>
+        </p:blipFill>
+        <p:spPr>
+          <a:xfrm>
+            <a:off x="678643" y="3927192"/>
+            <a:ext cx="4823460" cy="2519172"/>
+          </a:xfrm>
+          <a:prstGeom prst="rect">
+            <a:avLst/>
+          </a:prstGeom>
+        </p:spPr>
+      </p:pic>
+    </p:spTree>
+    <p:extLst>
+      <p:ext uri="{BB962C8B-B14F-4D97-AF65-F5344CB8AC3E}">
+        <p14:creationId xmlns:p14="http://schemas.microsoft.com/office/powerpoint/2010/main" val="1502428214"/>
+      </p:ext>
+    </p:extLst>
+  </p:cSld>
+  <p:clrMapOvr>
+    <a:masterClrMapping/>
+  </p:clrMapOvr>
+</p:sld>
+</file>
+
+<file path=ppt/slides/slide5.xml><?xml version="1.0" encoding="utf-8"?>
+<p:sld xmlns:a="http://schemas.openxmlformats.org/drawingml/2006/main" xmlns:r="http://schemas.openxmlformats.org/officeDocument/2006/relationships" xmlns:p="http://schemas.openxmlformats.org/presentationml/2006/main">
+  <p:cSld>
+    <p:spTree>
+      <p:nvGrpSpPr>
+        <p:cNvPr id="1" name=""/>
+        <p:cNvGrpSpPr/>
+        <p:nvPr/>
+      </p:nvGrpSpPr>
+      <p:grpSpPr>
+        <a:xfrm>
+          <a:off x="0" y="0"/>
+          <a:ext cx="0" cy="0"/>
+          <a:chOff x="0" y="0"/>
+          <a:chExt cx="0" cy="0"/>
+        </a:xfrm>
+      </p:grpSpPr>
+      <p:sp>
+        <p:nvSpPr>
+          <p:cNvPr id="4" name="직사각형 3"/>
+          <p:cNvSpPr/>
+          <p:nvPr/>
+        </p:nvSpPr>
+        <p:spPr>
+          <a:xfrm>
+            <a:off x="0" y="-1"/>
+            <a:ext cx="180000" cy="1440000"/>
+          </a:xfrm>
+          <a:prstGeom prst="rect">
+            <a:avLst/>
+          </a:prstGeom>
+          <a:solidFill>
+            <a:srgbClr val="49A6A6"/>
+          </a:solidFill>
+          <a:ln>
+            <a:noFill/>
+          </a:ln>
+        </p:spPr>
+        <p:style>
+          <a:lnRef idx="2">
+            <a:schemeClr val="accent1">
+              <a:shade val="50000"/>
+            </a:schemeClr>
+          </a:lnRef>
+          <a:fillRef idx="1">
+            <a:schemeClr val="accent1"/>
+          </a:fillRef>
+          <a:effectRef idx="0">
+            <a:schemeClr val="accent1"/>
+          </a:effectRef>
+          <a:fontRef idx="minor">
+            <a:schemeClr val="lt1"/>
+          </a:fontRef>
+        </p:style>
+        <p:txBody>
+          <a:bodyPr rtlCol="0" anchor="ctr"/>
+          <a:lstStyle/>
+          <a:p>
+            <a:pPr algn="ctr"/>
+            <a:endParaRPr lang="ko-KR" altLang="en-US" dirty="0"/>
+          </a:p>
+        </p:txBody>
+      </p:sp>
+      <p:sp>
+        <p:nvSpPr>
+          <p:cNvPr id="5" name="TextBox 4"/>
           <p:cNvSpPr txBox="1"/>
           <p:nvPr/>
         </p:nvSpPr>
         <p:spPr>
           <a:xfrm>
-            <a:off x="2959637" y="3755254"/>
-            <a:ext cx="1397498" cy="369332"/>
+            <a:off x="466326" y="258334"/>
+            <a:ext cx="3890809" cy="923330"/>
           </a:xfrm>
           <a:prstGeom prst="rect">
             <a:avLst/>
@@ -5759,28 +8139,134 @@
           <a:lstStyle/>
           <a:p>
             <a:r>
-              <a:rPr lang="en-US" altLang="ko-KR" dirty="0"/>
-              <a:t>Web Server</a:t>
-            </a:r>
-          </a:p>
-        </p:txBody>
-      </p:sp>
-      <p:sp>
-        <p:nvSpPr>
-          <p:cNvPr id="37" name="TextBox 36">
+              <a:rPr lang="ko-KR" altLang="en-US" sz="5400" b="1" dirty="0"/>
+              <a:t>경쟁사 제품</a:t>
+            </a:r>
+          </a:p>
+        </p:txBody>
+      </p:sp>
+      <p:pic>
+        <p:nvPicPr>
+          <p:cNvPr id="7" name="그림 6">
             <a:extLst>
               <a:ext uri="{FF2B5EF4-FFF2-40B4-BE49-F238E27FC236}">
-                <a16:creationId xmlns:a16="http://schemas.microsoft.com/office/drawing/2014/main" id="{CA3B8A96-96B9-4865-9019-495FE3F5973B}"/>
+                <a16:creationId xmlns:a16="http://schemas.microsoft.com/office/drawing/2014/main" id="{2D113C2D-CFA6-456A-ADC0-3AF33CA4DC03}"/>
               </a:ext>
             </a:extLst>
           </p:cNvPr>
+          <p:cNvPicPr>
+            <a:picLocks noChangeAspect="1"/>
+          </p:cNvPicPr>
+          <p:nvPr/>
+        </p:nvPicPr>
+        <p:blipFill>
+          <a:blip r:embed="rId2">
+            <a:extLst>
+              <a:ext uri="{28A0092B-C50C-407E-A947-70E740481C1C}">
+                <a14:useLocalDpi xmlns:a14="http://schemas.microsoft.com/office/drawing/2010/main" val="0"/>
+              </a:ext>
+            </a:extLst>
+          </a:blip>
+          <a:stretch>
+            <a:fillRect/>
+          </a:stretch>
+        </p:blipFill>
+        <p:spPr>
+          <a:xfrm>
+            <a:off x="1456768" y="1181664"/>
+            <a:ext cx="9278464" cy="5219136"/>
+          </a:xfrm>
+          <a:prstGeom prst="rect">
+            <a:avLst/>
+          </a:prstGeom>
+        </p:spPr>
+      </p:pic>
+    </p:spTree>
+    <p:extLst>
+      <p:ext uri="{BB962C8B-B14F-4D97-AF65-F5344CB8AC3E}">
+        <p14:creationId xmlns:p14="http://schemas.microsoft.com/office/powerpoint/2010/main" val="2866322226"/>
+      </p:ext>
+    </p:extLst>
+  </p:cSld>
+  <p:clrMapOvr>
+    <a:masterClrMapping/>
+  </p:clrMapOvr>
+</p:sld>
+</file>
+
+<file path=ppt/slides/slide6.xml><?xml version="1.0" encoding="utf-8"?>
+<p:sld xmlns:a="http://schemas.openxmlformats.org/drawingml/2006/main" xmlns:r="http://schemas.openxmlformats.org/officeDocument/2006/relationships" xmlns:p="http://schemas.openxmlformats.org/presentationml/2006/main">
+  <p:cSld>
+    <p:spTree>
+      <p:nvGrpSpPr>
+        <p:cNvPr id="1" name=""/>
+        <p:cNvGrpSpPr/>
+        <p:nvPr/>
+      </p:nvGrpSpPr>
+      <p:grpSpPr>
+        <a:xfrm>
+          <a:off x="0" y="0"/>
+          <a:ext cx="0" cy="0"/>
+          <a:chOff x="0" y="0"/>
+          <a:chExt cx="0" cy="0"/>
+        </a:xfrm>
+      </p:grpSpPr>
+      <p:sp>
+        <p:nvSpPr>
+          <p:cNvPr id="4" name="직사각형 3"/>
+          <p:cNvSpPr/>
+          <p:nvPr/>
+        </p:nvSpPr>
+        <p:spPr>
+          <a:xfrm>
+            <a:off x="0" y="-1"/>
+            <a:ext cx="180000" cy="1440000"/>
+          </a:xfrm>
+          <a:prstGeom prst="rect">
+            <a:avLst/>
+          </a:prstGeom>
+          <a:solidFill>
+            <a:srgbClr val="49A6A6"/>
+          </a:solidFill>
+          <a:ln>
+            <a:noFill/>
+          </a:ln>
+        </p:spPr>
+        <p:style>
+          <a:lnRef idx="2">
+            <a:schemeClr val="accent1">
+              <a:shade val="50000"/>
+            </a:schemeClr>
+          </a:lnRef>
+          <a:fillRef idx="1">
+            <a:schemeClr val="accent1"/>
+          </a:fillRef>
+          <a:effectRef idx="0">
+            <a:schemeClr val="accent1"/>
+          </a:effectRef>
+          <a:fontRef idx="minor">
+            <a:schemeClr val="lt1"/>
+          </a:fontRef>
+        </p:style>
+        <p:txBody>
+          <a:bodyPr rtlCol="0" anchor="ctr"/>
+          <a:lstStyle/>
+          <a:p>
+            <a:pPr algn="ctr"/>
+            <a:endParaRPr lang="ko-KR" altLang="en-US" dirty="0"/>
+          </a:p>
+        </p:txBody>
+      </p:sp>
+      <p:sp>
+        <p:nvSpPr>
+          <p:cNvPr id="5" name="TextBox 4"/>
           <p:cNvSpPr txBox="1"/>
           <p:nvPr/>
         </p:nvSpPr>
         <p:spPr>
           <a:xfrm>
-            <a:off x="5386138" y="3825220"/>
-            <a:ext cx="1491627" cy="369332"/>
+            <a:off x="466326" y="258334"/>
+            <a:ext cx="3890809" cy="923330"/>
           </a:xfrm>
           <a:prstGeom prst="rect">
             <a:avLst/>
@@ -5794,90 +8280,52 @@
           <a:lstStyle/>
           <a:p>
             <a:r>
-              <a:rPr lang="en-US" altLang="ko-KR" dirty="0"/>
-              <a:t>WSGI Server</a:t>
-            </a:r>
-          </a:p>
-        </p:txBody>
-      </p:sp>
-      <p:sp>
-        <p:nvSpPr>
-          <p:cNvPr id="38" name="TextBox 37">
+              <a:rPr lang="ko-KR" altLang="en-US" sz="5400" b="1" dirty="0"/>
+              <a:t>경쟁사 제품</a:t>
+            </a:r>
+          </a:p>
+        </p:txBody>
+      </p:sp>
+      <p:pic>
+        <p:nvPicPr>
+          <p:cNvPr id="3" name="그림 2">
             <a:extLst>
               <a:ext uri="{FF2B5EF4-FFF2-40B4-BE49-F238E27FC236}">
-                <a16:creationId xmlns:a16="http://schemas.microsoft.com/office/drawing/2014/main" id="{8F1E2B6B-82DB-47FD-A8D0-6AEE2EE974C1}"/>
+                <a16:creationId xmlns:a16="http://schemas.microsoft.com/office/drawing/2014/main" id="{B7C1880C-892D-4ED7-87AB-7FEA020BA0B7}"/>
               </a:ext>
             </a:extLst>
           </p:cNvPr>
-          <p:cNvSpPr txBox="1"/>
-          <p:nvPr/>
-        </p:nvSpPr>
-        <p:spPr>
-          <a:xfrm>
-            <a:off x="7657376" y="3816418"/>
-            <a:ext cx="1917961" cy="369332"/>
-          </a:xfrm>
-          <a:prstGeom prst="rect">
-            <a:avLst/>
-          </a:prstGeom>
-          <a:noFill/>
-        </p:spPr>
-        <p:txBody>
-          <a:bodyPr wrap="none" rtlCol="0">
-            <a:spAutoFit/>
-          </a:bodyPr>
-          <a:lstStyle/>
-          <a:p>
-            <a:r>
-              <a:rPr lang="en-US" altLang="ko-KR" dirty="0"/>
-              <a:t>Web Application</a:t>
-            </a:r>
-          </a:p>
-        </p:txBody>
-      </p:sp>
-      <p:sp>
-        <p:nvSpPr>
-          <p:cNvPr id="39" name="TextBox 38">
+          <p:cNvPicPr>
+            <a:picLocks noChangeAspect="1"/>
+          </p:cNvPicPr>
+          <p:nvPr/>
+        </p:nvPicPr>
+        <p:blipFill>
+          <a:blip r:embed="rId2">
             <a:extLst>
-              <a:ext uri="{FF2B5EF4-FFF2-40B4-BE49-F238E27FC236}">
-                <a16:creationId xmlns:a16="http://schemas.microsoft.com/office/drawing/2014/main" id="{16303B3A-2B4F-4CF8-9951-8D065D532336}"/>
+              <a:ext uri="{28A0092B-C50C-407E-A947-70E740481C1C}">
+                <a14:useLocalDpi xmlns:a14="http://schemas.microsoft.com/office/drawing/2010/main" val="0"/>
               </a:ext>
             </a:extLst>
-          </p:cNvPr>
-          <p:cNvSpPr txBox="1"/>
-          <p:nvPr/>
-        </p:nvSpPr>
-        <p:spPr>
-          <a:xfrm>
-            <a:off x="9795583" y="3825220"/>
-            <a:ext cx="1885966" cy="369332"/>
+          </a:blip>
+          <a:stretch>
+            <a:fillRect/>
+          </a:stretch>
+        </p:blipFill>
+        <p:spPr>
+          <a:xfrm>
+            <a:off x="1495819" y="1300176"/>
+            <a:ext cx="9200361" cy="5175203"/>
           </a:xfrm>
           <a:prstGeom prst="rect">
             <a:avLst/>
           </a:prstGeom>
-          <a:noFill/>
-        </p:spPr>
-        <p:txBody>
-          <a:bodyPr wrap="none" rtlCol="0">
-            <a:spAutoFit/>
-          </a:bodyPr>
-          <a:lstStyle/>
-          <a:p>
-            <a:r>
-              <a:rPr lang="en-US" altLang="ko-KR" dirty="0" err="1"/>
-              <a:t>DataBase</a:t>
-            </a:r>
-            <a:r>
-              <a:rPr lang="en-US" altLang="ko-KR" dirty="0"/>
-              <a:t> Server</a:t>
-            </a:r>
-          </a:p>
-        </p:txBody>
-      </p:sp>
+        </p:spPr>
+      </p:pic>
     </p:spTree>
     <p:extLst>
       <p:ext uri="{BB962C8B-B14F-4D97-AF65-F5344CB8AC3E}">
-        <p14:creationId xmlns:p14="http://schemas.microsoft.com/office/powerpoint/2010/main" val="367732920"/>
+        <p14:creationId xmlns:p14="http://schemas.microsoft.com/office/powerpoint/2010/main" val="2809785324"/>
       </p:ext>
     </p:extLst>
   </p:cSld>
@@ -5959,7 +8407,7 @@
         <p:spPr>
           <a:xfrm>
             <a:off x="466326" y="258334"/>
-            <a:ext cx="3198311" cy="923330"/>
+            <a:ext cx="3890809" cy="923330"/>
           </a:xfrm>
           <a:prstGeom prst="rect">
             <a:avLst/>
@@ -5974,277 +8422,45 @@
           <a:p>
             <a:r>
               <a:rPr lang="ko-KR" altLang="en-US" sz="5400" b="1" dirty="0"/>
-              <a:t>개발 환경</a:t>
-            </a:r>
-          </a:p>
-        </p:txBody>
-      </p:sp>
-      <p:sp>
-        <p:nvSpPr>
-          <p:cNvPr id="11" name="타원 10"/>
-          <p:cNvSpPr/>
-          <p:nvPr/>
-        </p:nvSpPr>
-        <p:spPr>
-          <a:xfrm>
-            <a:off x="2585496" y="1578312"/>
-            <a:ext cx="2609382" cy="2494692"/>
-          </a:xfrm>
-          <a:prstGeom prst="ellipse">
-            <a:avLst/>
-          </a:prstGeom>
-          <a:solidFill>
-            <a:schemeClr val="bg2">
-              <a:lumMod val="90000"/>
-            </a:schemeClr>
-          </a:solidFill>
-          <a:ln>
-            <a:noFill/>
-          </a:ln>
-          <a:effectLst>
-            <a:outerShdw blurRad="44450" dist="27940" dir="5400000" algn="ctr">
-              <a:srgbClr val="000000">
-                <a:alpha val="32000"/>
-              </a:srgbClr>
-            </a:outerShdw>
-          </a:effectLst>
-        </p:spPr>
-        <p:style>
-          <a:lnRef idx="2">
-            <a:schemeClr val="accent1">
-              <a:shade val="50000"/>
-            </a:schemeClr>
-          </a:lnRef>
-          <a:fillRef idx="1">
-            <a:schemeClr val="accent1"/>
-          </a:fillRef>
-          <a:effectRef idx="0">
-            <a:schemeClr val="accent1"/>
-          </a:effectRef>
-          <a:fontRef idx="minor">
-            <a:schemeClr val="lt1"/>
-          </a:fontRef>
-        </p:style>
-        <p:txBody>
-          <a:bodyPr rtlCol="0" anchor="ctr"/>
-          <a:lstStyle/>
-          <a:p>
-            <a:pPr algn="ctr"/>
-            <a:endParaRPr lang="ko-KR" altLang="en-US"/>
+              <a:t>경쟁사 제품</a:t>
+            </a:r>
           </a:p>
         </p:txBody>
       </p:sp>
       <p:pic>
         <p:nvPicPr>
-          <p:cNvPr id="13" name="그림 12"/>
+          <p:cNvPr id="6" name="그림 5">
+            <a:extLst>
+              <a:ext uri="{FF2B5EF4-FFF2-40B4-BE49-F238E27FC236}">
+                <a16:creationId xmlns:a16="http://schemas.microsoft.com/office/drawing/2014/main" id="{49920EFA-213D-4DA7-93F9-3DA8C729BC28}"/>
+              </a:ext>
+            </a:extLst>
+          </p:cNvPr>
           <p:cNvPicPr>
             <a:picLocks noChangeAspect="1"/>
           </p:cNvPicPr>
           <p:nvPr/>
         </p:nvPicPr>
         <p:blipFill>
-          <a:blip r:embed="rId2" cstate="print">
-            <a:extLst>
-              <a:ext uri="{28A0092B-C50C-407E-A947-70E740481C1C}">
-                <a14:useLocalDpi xmlns:a14="http://schemas.microsoft.com/office/drawing/2010/main" val="0"/>
-              </a:ext>
-            </a:extLst>
-          </a:blip>
+          <a:blip r:embed="rId2"/>
           <a:stretch>
             <a:fillRect/>
           </a:stretch>
         </p:blipFill>
         <p:spPr>
           <a:xfrm>
-            <a:off x="2762085" y="2316980"/>
-            <a:ext cx="2254727" cy="1016908"/>
+            <a:off x="1157325" y="1043657"/>
+            <a:ext cx="9877350" cy="5556010"/>
           </a:xfrm>
           <a:prstGeom prst="rect">
             <a:avLst/>
           </a:prstGeom>
-          <a:ln>
-            <a:noFill/>
-          </a:ln>
-        </p:spPr>
-      </p:pic>
-      <p:sp>
-        <p:nvSpPr>
-          <p:cNvPr id="8" name="TextBox 7"/>
-          <p:cNvSpPr txBox="1"/>
-          <p:nvPr/>
-        </p:nvSpPr>
-        <p:spPr>
-          <a:xfrm>
-            <a:off x="3127060" y="4469652"/>
-            <a:ext cx="1524776" cy="1200329"/>
-          </a:xfrm>
-          <a:prstGeom prst="rect">
-            <a:avLst/>
-          </a:prstGeom>
-          <a:noFill/>
-        </p:spPr>
-        <p:txBody>
-          <a:bodyPr wrap="none" rtlCol="0">
-            <a:spAutoFit/>
-          </a:bodyPr>
-          <a:lstStyle/>
-          <a:p>
-            <a:pPr algn="ctr"/>
-            <a:r>
-              <a:rPr lang="ko-KR" altLang="en-US" sz="2400" b="1" dirty="0"/>
-              <a:t>개발 도구</a:t>
-            </a:r>
-            <a:endParaRPr lang="en-US" altLang="ko-KR" sz="2400" b="1" dirty="0"/>
-          </a:p>
-          <a:p>
-            <a:pPr algn="ctr"/>
-            <a:endParaRPr lang="en-US" altLang="ko-KR" sz="2400" b="1" dirty="0"/>
-          </a:p>
-          <a:p>
-            <a:pPr algn="ctr"/>
-            <a:r>
-              <a:rPr lang="en-US" altLang="ko-KR" sz="2400" b="1" dirty="0"/>
-              <a:t>VS Code</a:t>
-            </a:r>
-            <a:endParaRPr lang="ko-KR" altLang="en-US" sz="2400" b="1" dirty="0"/>
-          </a:p>
-        </p:txBody>
-      </p:sp>
-      <p:sp>
-        <p:nvSpPr>
-          <p:cNvPr id="17" name="TextBox 16"/>
-          <p:cNvSpPr txBox="1"/>
-          <p:nvPr/>
-        </p:nvSpPr>
-        <p:spPr>
-          <a:xfrm>
-            <a:off x="7222820" y="4469652"/>
-            <a:ext cx="2549159" cy="1200329"/>
-          </a:xfrm>
-          <a:prstGeom prst="rect">
-            <a:avLst/>
-          </a:prstGeom>
-          <a:noFill/>
-        </p:spPr>
-        <p:txBody>
-          <a:bodyPr wrap="none" rtlCol="0">
-            <a:spAutoFit/>
-          </a:bodyPr>
-          <a:lstStyle/>
-          <a:p>
-            <a:pPr algn="ctr"/>
-            <a:r>
-              <a:rPr lang="ko-KR" altLang="en-US" sz="2400" b="1" dirty="0"/>
-              <a:t>협업 도구</a:t>
-            </a:r>
-            <a:endParaRPr lang="en-US" altLang="ko-KR" sz="2400" b="1" dirty="0"/>
-          </a:p>
-          <a:p>
-            <a:pPr algn="ctr"/>
-            <a:endParaRPr lang="en-US" altLang="ko-KR" sz="2400" b="1" dirty="0"/>
-          </a:p>
-          <a:p>
-            <a:pPr algn="ctr"/>
-            <a:r>
-              <a:rPr lang="en-US" altLang="ko-KR" sz="2400" b="1" dirty="0"/>
-              <a:t>GitHub Desktop</a:t>
-            </a:r>
-            <a:endParaRPr lang="ko-KR" altLang="en-US" sz="2400" b="1" dirty="0"/>
-          </a:p>
-        </p:txBody>
-      </p:sp>
-      <p:sp>
-        <p:nvSpPr>
-          <p:cNvPr id="18" name="타원 17"/>
-          <p:cNvSpPr/>
-          <p:nvPr/>
-        </p:nvSpPr>
-        <p:spPr>
-          <a:xfrm>
-            <a:off x="7192709" y="1578536"/>
-            <a:ext cx="2609382" cy="2494692"/>
-          </a:xfrm>
-          <a:prstGeom prst="ellipse">
-            <a:avLst/>
-          </a:prstGeom>
-          <a:solidFill>
-            <a:schemeClr val="bg2">
-              <a:lumMod val="90000"/>
-            </a:schemeClr>
-          </a:solidFill>
-          <a:ln>
-            <a:noFill/>
-          </a:ln>
-          <a:effectLst>
-            <a:outerShdw blurRad="44450" dist="27940" dir="5400000" algn="ctr">
-              <a:srgbClr val="000000">
-                <a:alpha val="32000"/>
-              </a:srgbClr>
-            </a:outerShdw>
-          </a:effectLst>
-        </p:spPr>
-        <p:style>
-          <a:lnRef idx="2">
-            <a:schemeClr val="accent1">
-              <a:shade val="50000"/>
-            </a:schemeClr>
-          </a:lnRef>
-          <a:fillRef idx="1">
-            <a:schemeClr val="accent1"/>
-          </a:fillRef>
-          <a:effectRef idx="0">
-            <a:schemeClr val="accent1"/>
-          </a:effectRef>
-          <a:fontRef idx="minor">
-            <a:schemeClr val="lt1"/>
-          </a:fontRef>
-        </p:style>
-        <p:txBody>
-          <a:bodyPr rtlCol="0" anchor="ctr"/>
-          <a:lstStyle/>
-          <a:p>
-            <a:pPr algn="ctr"/>
-            <a:endParaRPr lang="ko-KR" altLang="en-US"/>
-          </a:p>
-        </p:txBody>
-      </p:sp>
-      <p:pic>
-        <p:nvPicPr>
-          <p:cNvPr id="15" name="그림 14"/>
-          <p:cNvPicPr>
-            <a:picLocks noChangeAspect="1"/>
-          </p:cNvPicPr>
-          <p:nvPr/>
-        </p:nvPicPr>
-        <p:blipFill>
-          <a:blip r:embed="rId3" cstate="print">
-            <a:extLst>
-              <a:ext uri="{28A0092B-C50C-407E-A947-70E740481C1C}">
-                <a14:useLocalDpi xmlns:a14="http://schemas.microsoft.com/office/drawing/2010/main" val="0"/>
-              </a:ext>
-            </a:extLst>
-          </a:blip>
-          <a:stretch>
-            <a:fillRect/>
-          </a:stretch>
-        </p:blipFill>
-        <p:spPr>
-          <a:xfrm>
-            <a:off x="7528084" y="1914401"/>
-            <a:ext cx="1938632" cy="1822962"/>
-          </a:xfrm>
-          <a:prstGeom prst="rect">
-            <a:avLst/>
-          </a:prstGeom>
-          <a:ln>
-            <a:noFill/>
-          </a:ln>
         </p:spPr>
       </p:pic>
     </p:spTree>
     <p:extLst>
       <p:ext uri="{BB962C8B-B14F-4D97-AF65-F5344CB8AC3E}">
-        <p14:creationId xmlns:p14="http://schemas.microsoft.com/office/powerpoint/2010/main" val="3614603374"/>
+        <p14:creationId xmlns:p14="http://schemas.microsoft.com/office/powerpoint/2010/main" val="3854444482"/>
       </p:ext>
     </p:extLst>
   </p:cSld>
@@ -6273,24 +8489,33 @@
       </p:grpSpPr>
       <p:sp>
         <p:nvSpPr>
-          <p:cNvPr id="4" name="직사각형 3"/>
+          <p:cNvPr id="6" name="오각형 5"/>
           <p:cNvSpPr/>
           <p:nvPr/>
         </p:nvSpPr>
         <p:spPr>
           <a:xfrm>
-            <a:off x="0" y="-1"/>
-            <a:ext cx="180000" cy="1440000"/>
-          </a:xfrm>
-          <a:prstGeom prst="rect">
+            <a:off x="0" y="0"/>
+            <a:ext cx="12192000" cy="6858000"/>
+          </a:xfrm>
+          <a:prstGeom prst="homePlate">
             <a:avLst/>
           </a:prstGeom>
           <a:solidFill>
-            <a:srgbClr val="49A6A6"/>
+            <a:srgbClr val="49A6A6">
+              <a:alpha val="85000"/>
+            </a:srgbClr>
           </a:solidFill>
           <a:ln>
             <a:noFill/>
           </a:ln>
+          <a:effectLst>
+            <a:outerShdw blurRad="50800" dist="38100" dir="2700000" algn="tl" rotWithShape="0">
+              <a:prstClr val="black">
+                <a:alpha val="40000"/>
+              </a:prstClr>
+            </a:outerShdw>
+          </a:effectLst>
         </p:spPr>
         <p:style>
           <a:lnRef idx="2">
@@ -6313,20 +8538,20 @@
           <a:lstStyle/>
           <a:p>
             <a:pPr algn="ctr"/>
-            <a:endParaRPr lang="ko-KR" altLang="en-US" dirty="0"/>
-          </a:p>
-        </p:txBody>
-      </p:sp>
-      <p:sp>
-        <p:nvSpPr>
-          <p:cNvPr id="5" name="TextBox 4"/>
+            <a:endParaRPr lang="ko-KR" altLang="en-US"/>
+          </a:p>
+        </p:txBody>
+      </p:sp>
+      <p:sp>
+        <p:nvSpPr>
+          <p:cNvPr id="2" name="TextBox 1"/>
           <p:cNvSpPr txBox="1"/>
           <p:nvPr/>
         </p:nvSpPr>
         <p:spPr>
           <a:xfrm>
-            <a:off x="466326" y="258334"/>
-            <a:ext cx="4826962" cy="923330"/>
+            <a:off x="1835859" y="2767280"/>
+            <a:ext cx="6468437" cy="1323439"/>
           </a:xfrm>
           <a:prstGeom prst="rect">
             <a:avLst/>
@@ -6340,222 +8565,20 @@
           <a:lstStyle/>
           <a:p>
             <a:r>
-              <a:rPr lang="ko-KR" altLang="en-US" sz="5400" b="1" dirty="0"/>
-              <a:t>도구 선정 이유</a:t>
-            </a:r>
-          </a:p>
-        </p:txBody>
-      </p:sp>
-      <p:pic>
-        <p:nvPicPr>
-          <p:cNvPr id="30" name="그림 29"/>
-          <p:cNvPicPr>
-            <a:picLocks noChangeAspect="1"/>
-          </p:cNvPicPr>
-          <p:nvPr/>
-        </p:nvPicPr>
-        <p:blipFill>
-          <a:blip r:embed="rId2" cstate="print">
-            <a:extLst>
-              <a:ext uri="{28A0092B-C50C-407E-A947-70E740481C1C}">
-                <a14:useLocalDpi xmlns:a14="http://schemas.microsoft.com/office/drawing/2010/main" val="0"/>
-              </a:ext>
-            </a:extLst>
-          </a:blip>
-          <a:stretch>
-            <a:fillRect/>
-          </a:stretch>
-        </p:blipFill>
-        <p:spPr>
-          <a:xfrm>
-            <a:off x="1855583" y="2346792"/>
-            <a:ext cx="2254727" cy="1016908"/>
-          </a:xfrm>
-          <a:prstGeom prst="rect">
-            <a:avLst/>
-          </a:prstGeom>
-          <a:ln>
-            <a:noFill/>
-          </a:ln>
-        </p:spPr>
-      </p:pic>
-      <p:pic>
-        <p:nvPicPr>
-          <p:cNvPr id="33" name="그림 32"/>
-          <p:cNvPicPr>
-            <a:picLocks noChangeAspect="1"/>
-          </p:cNvPicPr>
-          <p:nvPr/>
-        </p:nvPicPr>
-        <p:blipFill>
-          <a:blip r:embed="rId3" cstate="print">
-            <a:extLst>
-              <a:ext uri="{28A0092B-C50C-407E-A947-70E740481C1C}">
-                <a14:useLocalDpi xmlns:a14="http://schemas.microsoft.com/office/drawing/2010/main" val="0"/>
-              </a:ext>
-            </a:extLst>
-          </a:blip>
-          <a:stretch>
-            <a:fillRect/>
-          </a:stretch>
-        </p:blipFill>
-        <p:spPr>
-          <a:xfrm>
-            <a:off x="8214677" y="2255772"/>
-            <a:ext cx="1383034" cy="1300514"/>
-          </a:xfrm>
-          <a:prstGeom prst="rect">
-            <a:avLst/>
-          </a:prstGeom>
-          <a:ln>
-            <a:noFill/>
-          </a:ln>
-        </p:spPr>
-      </p:pic>
-      <p:sp>
-        <p:nvSpPr>
-          <p:cNvPr id="3" name="TextBox 2"/>
-          <p:cNvSpPr txBox="1"/>
-          <p:nvPr/>
-        </p:nvSpPr>
-        <p:spPr>
-          <a:xfrm>
-            <a:off x="645595" y="3622968"/>
-            <a:ext cx="4286751" cy="369332"/>
-          </a:xfrm>
-          <a:prstGeom prst="rect">
-            <a:avLst/>
-          </a:prstGeom>
-          <a:noFill/>
-        </p:spPr>
-        <p:txBody>
-          <a:bodyPr wrap="none" rtlCol="0">
-            <a:spAutoFit/>
-          </a:bodyPr>
-          <a:lstStyle/>
-          <a:p>
-            <a:r>
-              <a:rPr lang="ko-KR" altLang="en-US" dirty="0"/>
-              <a:t>▶ 대부분의 주요 프로그래밍 언어 지원</a:t>
-            </a:r>
-          </a:p>
-        </p:txBody>
-      </p:sp>
-      <p:sp>
-        <p:nvSpPr>
-          <p:cNvPr id="34" name="TextBox 33"/>
-          <p:cNvSpPr txBox="1"/>
-          <p:nvPr/>
-        </p:nvSpPr>
-        <p:spPr>
-          <a:xfrm>
-            <a:off x="645595" y="3996013"/>
-            <a:ext cx="4882234" cy="369332"/>
-          </a:xfrm>
-          <a:prstGeom prst="rect">
-            <a:avLst/>
-          </a:prstGeom>
-          <a:noFill/>
-        </p:spPr>
-        <p:txBody>
-          <a:bodyPr wrap="none" rtlCol="0">
-            <a:spAutoFit/>
-          </a:bodyPr>
-          <a:lstStyle/>
-          <a:p>
-            <a:r>
-              <a:rPr lang="ko-KR" altLang="en-US" dirty="0"/>
-              <a:t>▶ 터미널을 통한 </a:t>
-            </a:r>
-            <a:r>
-              <a:rPr lang="en-US" altLang="ko-KR" dirty="0" err="1"/>
-              <a:t>Cmd</a:t>
-            </a:r>
-            <a:r>
-              <a:rPr lang="en-US" altLang="ko-KR" dirty="0"/>
-              <a:t>, PowerShell </a:t>
-            </a:r>
-            <a:r>
-              <a:rPr lang="ko-KR" altLang="en-US" dirty="0"/>
-              <a:t>사용 용이</a:t>
-            </a:r>
-          </a:p>
-        </p:txBody>
-      </p:sp>
-      <p:sp>
-        <p:nvSpPr>
-          <p:cNvPr id="39" name="TextBox 38"/>
-          <p:cNvSpPr txBox="1"/>
-          <p:nvPr/>
-        </p:nvSpPr>
-        <p:spPr>
-          <a:xfrm>
-            <a:off x="6691485" y="3654024"/>
-            <a:ext cx="4429418" cy="369332"/>
-          </a:xfrm>
-          <a:prstGeom prst="rect">
-            <a:avLst/>
-          </a:prstGeom>
-          <a:noFill/>
-        </p:spPr>
-        <p:txBody>
-          <a:bodyPr wrap="none" rtlCol="0">
-            <a:spAutoFit/>
-          </a:bodyPr>
-          <a:lstStyle/>
-          <a:p>
-            <a:r>
-              <a:rPr lang="ko-KR" altLang="en-US" dirty="0"/>
-              <a:t>▶ 대부분의 </a:t>
-            </a:r>
-            <a:r>
-              <a:rPr lang="en-US" altLang="ko-KR" dirty="0" err="1"/>
-              <a:t>Git</a:t>
-            </a:r>
-            <a:r>
-              <a:rPr lang="en-US" altLang="ko-KR" dirty="0"/>
-              <a:t> </a:t>
-            </a:r>
-            <a:r>
-              <a:rPr lang="ko-KR" altLang="en-US" dirty="0"/>
-              <a:t>작업을 </a:t>
-            </a:r>
-            <a:r>
-              <a:rPr lang="en-US" altLang="ko-KR" dirty="0"/>
-              <a:t>UI</a:t>
-            </a:r>
-            <a:r>
-              <a:rPr lang="ko-KR" altLang="en-US" dirty="0"/>
-              <a:t>에서 수행 가능</a:t>
-            </a:r>
-          </a:p>
-        </p:txBody>
-      </p:sp>
-      <p:sp>
-        <p:nvSpPr>
-          <p:cNvPr id="40" name="TextBox 39"/>
-          <p:cNvSpPr txBox="1"/>
-          <p:nvPr/>
-        </p:nvSpPr>
-        <p:spPr>
-          <a:xfrm>
-            <a:off x="6691485" y="4020177"/>
-            <a:ext cx="3050835" cy="369332"/>
-          </a:xfrm>
-          <a:prstGeom prst="rect">
-            <a:avLst/>
-          </a:prstGeom>
-          <a:noFill/>
-        </p:spPr>
-        <p:txBody>
-          <a:bodyPr wrap="none" rtlCol="0">
-            <a:spAutoFit/>
-          </a:bodyPr>
-          <a:lstStyle/>
-          <a:p>
-            <a:r>
-              <a:rPr lang="ko-KR" altLang="en-US" dirty="0"/>
-              <a:t>▶ 개발 워크 플로우 단순화</a:t>
+              <a:rPr lang="en-US" altLang="ko-KR" sz="8000" b="1" dirty="0">
+                <a:solidFill>
+                  <a:schemeClr val="bg1"/>
+                </a:solidFill>
+              </a:rPr>
+              <a:t>02. </a:t>
+            </a:r>
+            <a:r>
+              <a:rPr lang="ko-KR" altLang="en-US" sz="8000" b="1" dirty="0">
+                <a:solidFill>
+                  <a:schemeClr val="bg1"/>
+                </a:solidFill>
+              </a:rPr>
+              <a:t>개발 내용</a:t>
             </a:r>
           </a:p>
         </p:txBody>
@@ -6563,7 +8586,7 @@
     </p:spTree>
     <p:extLst>
       <p:ext uri="{BB962C8B-B14F-4D97-AF65-F5344CB8AC3E}">
-        <p14:creationId xmlns:p14="http://schemas.microsoft.com/office/powerpoint/2010/main" val="36158573"/>
+        <p14:creationId xmlns:p14="http://schemas.microsoft.com/office/powerpoint/2010/main" val="1968968662"/>
       </p:ext>
     </p:extLst>
   </p:cSld>
@@ -6592,14 +8615,14 @@
       </p:grpSpPr>
       <p:sp>
         <p:nvSpPr>
-          <p:cNvPr id="4" name="Google Shape;86;p13"/>
+          <p:cNvPr id="4" name="직사각형 3"/>
           <p:cNvSpPr/>
           <p:nvPr/>
         </p:nvSpPr>
         <p:spPr>
           <a:xfrm>
-            <a:off x="-24803" y="0"/>
-            <a:ext cx="12216800" cy="6858000"/>
+            <a:off x="0" y="-1"/>
+            <a:ext cx="180000" cy="1440000"/>
           </a:xfrm>
           <a:prstGeom prst="rect">
             <a:avLst/>
@@ -6608,54 +8631,1201 @@
             <a:srgbClr val="49A6A6"/>
           </a:solidFill>
           <a:ln>
-            <a:solidFill>
-              <a:srgbClr val="49A6A6"/>
-            </a:solidFill>
+            <a:noFill/>
           </a:ln>
         </p:spPr>
-        <p:txBody>
-          <a:bodyPr spcFirstLastPara="1" wrap="square" lIns="91425" tIns="45700" rIns="91425" bIns="45700" anchor="ctr" anchorCtr="0">
-            <a:noAutofit/>
+        <p:style>
+          <a:lnRef idx="2">
+            <a:schemeClr val="accent1">
+              <a:shade val="50000"/>
+            </a:schemeClr>
+          </a:lnRef>
+          <a:fillRef idx="1">
+            <a:schemeClr val="accent1"/>
+          </a:fillRef>
+          <a:effectRef idx="0">
+            <a:schemeClr val="accent1"/>
+          </a:effectRef>
+          <a:fontRef idx="minor">
+            <a:schemeClr val="lt1"/>
+          </a:fontRef>
+        </p:style>
+        <p:txBody>
+          <a:bodyPr rtlCol="0" anchor="ctr"/>
+          <a:lstStyle/>
+          <a:p>
+            <a:pPr algn="ctr"/>
+            <a:endParaRPr lang="ko-KR" altLang="en-US" dirty="0"/>
+          </a:p>
+        </p:txBody>
+      </p:sp>
+      <p:sp>
+        <p:nvSpPr>
+          <p:cNvPr id="5" name="TextBox 4"/>
+          <p:cNvSpPr txBox="1"/>
+          <p:nvPr/>
+        </p:nvSpPr>
+        <p:spPr>
+          <a:xfrm>
+            <a:off x="466326" y="258334"/>
+            <a:ext cx="3890809" cy="923330"/>
+          </a:xfrm>
+          <a:prstGeom prst="rect">
+            <a:avLst/>
+          </a:prstGeom>
+          <a:noFill/>
+        </p:spPr>
+        <p:txBody>
+          <a:bodyPr wrap="none" rtlCol="0">
+            <a:spAutoFit/>
           </a:bodyPr>
           <a:lstStyle/>
           <a:p>
-            <a:pPr marL="0" marR="0" lvl="0" indent="0" algn="ctr" rtl="0">
-              <a:spcBef>
-                <a:spcPts val="0"/>
-              </a:spcBef>
-              <a:spcAft>
-                <a:spcPts val="0"/>
-              </a:spcAft>
-              <a:buNone/>
-            </a:pPr>
-            <a:r>
-              <a:rPr lang="en-US" altLang="ko-KR" sz="6000" b="1" dirty="0">
+            <a:r>
+              <a:rPr lang="ko-KR" altLang="en-US" sz="5400" b="1" dirty="0"/>
+              <a:t>시스템 구성</a:t>
+            </a:r>
+          </a:p>
+        </p:txBody>
+      </p:sp>
+      <p:sp>
+        <p:nvSpPr>
+          <p:cNvPr id="2" name="Rectangle 2"/>
+          <p:cNvSpPr>
+            <a:spLocks noChangeArrowheads="1"/>
+          </p:cNvSpPr>
+          <p:nvPr/>
+        </p:nvSpPr>
+        <p:spPr bwMode="auto">
+          <a:xfrm>
+            <a:off x="0" y="1439999"/>
+            <a:ext cx="11245273" cy="457200"/>
+          </a:xfrm>
+          <a:prstGeom prst="rect">
+            <a:avLst/>
+          </a:prstGeom>
+          <a:noFill/>
+          <a:ln>
+            <a:noFill/>
+          </a:ln>
+          <a:effectLst/>
+          <a:extLst>
+            <a:ext uri="{909E8E84-426E-40DD-AFC4-6F175D3DCCD1}">
+              <a14:hiddenFill xmlns:a14="http://schemas.microsoft.com/office/drawing/2010/main">
                 <a:solidFill>
-                  <a:schemeClr val="bg1"/>
+                  <a:schemeClr val="accent1"/>
                 </a:solidFill>
-                <a:latin typeface="Arial"/>
-                <a:ea typeface="Arial"/>
-                <a:cs typeface="Arial"/>
-                <a:sym typeface="Arial"/>
-              </a:rPr>
-              <a:t>Thank You!</a:t>
-            </a:r>
-            <a:endParaRPr sz="6000" b="1" i="0" u="none" strike="noStrike" cap="none" dirty="0">
-              <a:solidFill>
-                <a:schemeClr val="bg1"/>
-              </a:solidFill>
-              <a:latin typeface="Arial"/>
-              <a:ea typeface="Arial"/>
-              <a:cs typeface="Arial"/>
-              <a:sym typeface="Arial"/>
-            </a:endParaRPr>
+              </a14:hiddenFill>
+            </a:ext>
+            <a:ext uri="{91240B29-F687-4F45-9708-019B960494DF}">
+              <a14:hiddenLine xmlns:a14="http://schemas.microsoft.com/office/drawing/2010/main" w="9525">
+                <a:solidFill>
+                  <a:schemeClr val="tx1"/>
+                </a:solidFill>
+                <a:miter lim="800000"/>
+                <a:headEnd/>
+                <a:tailEnd/>
+              </a14:hiddenLine>
+            </a:ext>
+            <a:ext uri="{AF507438-7753-43E0-B8FC-AC1667EBCBE1}">
+              <a14:hiddenEffects xmlns:a14="http://schemas.microsoft.com/office/drawing/2010/main">
+                <a:effectLst>
+                  <a:outerShdw dist="35921" dir="2700000" algn="ctr" rotWithShape="0">
+                    <a:schemeClr val="bg2"/>
+                  </a:outerShdw>
+                </a:effectLst>
+              </a14:hiddenEffects>
+            </a:ext>
+          </a:extLst>
+        </p:spPr>
+        <p:txBody>
+          <a:bodyPr vert="horz" wrap="square" lIns="91440" tIns="45720" rIns="91440" bIns="45720" numCol="1" anchor="ctr" anchorCtr="0" compatLnSpc="1">
+            <a:prstTxWarp prst="textNoShape">
+              <a:avLst/>
+            </a:prstTxWarp>
+            <a:spAutoFit/>
+          </a:bodyPr>
+          <a:lstStyle/>
+          <a:p>
+            <a:endParaRPr lang="ko-KR" altLang="en-US" dirty="0"/>
+          </a:p>
+        </p:txBody>
+      </p:sp>
+      <p:pic>
+        <p:nvPicPr>
+          <p:cNvPr id="10" name="그림 9">
+            <a:extLst>
+              <a:ext uri="{FF2B5EF4-FFF2-40B4-BE49-F238E27FC236}">
+                <a16:creationId xmlns:a16="http://schemas.microsoft.com/office/drawing/2014/main" id="{375DFA17-BFB5-4E1F-BFA8-4890ECE8505C}"/>
+              </a:ext>
+            </a:extLst>
+          </p:cNvPr>
+          <p:cNvPicPr>
+            <a:picLocks noChangeAspect="1"/>
+          </p:cNvPicPr>
+          <p:nvPr/>
+        </p:nvPicPr>
+        <p:blipFill>
+          <a:blip r:embed="rId3">
+            <a:extLst>
+              <a:ext uri="{28A0092B-C50C-407E-A947-70E740481C1C}">
+                <a14:useLocalDpi xmlns:a14="http://schemas.microsoft.com/office/drawing/2010/main" val="0"/>
+              </a:ext>
+            </a:extLst>
+          </a:blip>
+          <a:stretch>
+            <a:fillRect/>
+          </a:stretch>
+        </p:blipFill>
+        <p:spPr>
+          <a:xfrm>
+            <a:off x="399877" y="2723736"/>
+            <a:ext cx="1211472" cy="1138050"/>
+          </a:xfrm>
+          <a:prstGeom prst="rect">
+            <a:avLst/>
+          </a:prstGeom>
+        </p:spPr>
+      </p:pic>
+      <p:pic>
+        <p:nvPicPr>
+          <p:cNvPr id="12" name="그림 11">
+            <a:extLst>
+              <a:ext uri="{FF2B5EF4-FFF2-40B4-BE49-F238E27FC236}">
+                <a16:creationId xmlns:a16="http://schemas.microsoft.com/office/drawing/2014/main" id="{5E958969-92DF-4DC3-9C7F-BA847AE92FF7}"/>
+              </a:ext>
+            </a:extLst>
+          </p:cNvPr>
+          <p:cNvPicPr>
+            <a:picLocks noChangeAspect="1"/>
+          </p:cNvPicPr>
+          <p:nvPr/>
+        </p:nvPicPr>
+        <p:blipFill>
+          <a:blip r:embed="rId4">
+            <a:extLst>
+              <a:ext uri="{28A0092B-C50C-407E-A947-70E740481C1C}">
+                <a14:useLocalDpi xmlns:a14="http://schemas.microsoft.com/office/drawing/2010/main" val="0"/>
+              </a:ext>
+            </a:extLst>
+          </a:blip>
+          <a:stretch>
+            <a:fillRect/>
+          </a:stretch>
+        </p:blipFill>
+        <p:spPr>
+          <a:xfrm>
+            <a:off x="6504610" y="673333"/>
+            <a:ext cx="1539373" cy="899238"/>
+          </a:xfrm>
+          <a:prstGeom prst="rect">
+            <a:avLst/>
+          </a:prstGeom>
+        </p:spPr>
+      </p:pic>
+      <p:pic>
+        <p:nvPicPr>
+          <p:cNvPr id="14" name="그림 13">
+            <a:extLst>
+              <a:ext uri="{FF2B5EF4-FFF2-40B4-BE49-F238E27FC236}">
+                <a16:creationId xmlns:a16="http://schemas.microsoft.com/office/drawing/2014/main" id="{34AD7AD8-643E-4C8C-A8F7-367E4DF90A4C}"/>
+              </a:ext>
+            </a:extLst>
+          </p:cNvPr>
+          <p:cNvPicPr>
+            <a:picLocks noChangeAspect="1"/>
+          </p:cNvPicPr>
+          <p:nvPr/>
+        </p:nvPicPr>
+        <p:blipFill>
+          <a:blip r:embed="rId5">
+            <a:extLst>
+              <a:ext uri="{28A0092B-C50C-407E-A947-70E740481C1C}">
+                <a14:useLocalDpi xmlns:a14="http://schemas.microsoft.com/office/drawing/2010/main" val="0"/>
+              </a:ext>
+            </a:extLst>
+          </a:blip>
+          <a:stretch>
+            <a:fillRect/>
+          </a:stretch>
+        </p:blipFill>
+        <p:spPr>
+          <a:xfrm>
+            <a:off x="2411730" y="2480294"/>
+            <a:ext cx="2142114" cy="1505780"/>
+          </a:xfrm>
+          <a:prstGeom prst="rect">
+            <a:avLst/>
+          </a:prstGeom>
+        </p:spPr>
+      </p:pic>
+      <p:pic>
+        <p:nvPicPr>
+          <p:cNvPr id="16" name="그림 15" descr="텍스트이(가) 표시된 사진&#10;&#10;자동 생성된 설명">
+            <a:extLst>
+              <a:ext uri="{FF2B5EF4-FFF2-40B4-BE49-F238E27FC236}">
+                <a16:creationId xmlns:a16="http://schemas.microsoft.com/office/drawing/2014/main" id="{7C5D976D-5BD7-467F-918D-0409C66BC6D0}"/>
+              </a:ext>
+            </a:extLst>
+          </p:cNvPr>
+          <p:cNvPicPr>
+            <a:picLocks noChangeAspect="1"/>
+          </p:cNvPicPr>
+          <p:nvPr/>
+        </p:nvPicPr>
+        <p:blipFill>
+          <a:blip r:embed="rId6">
+            <a:extLst>
+              <a:ext uri="{28A0092B-C50C-407E-A947-70E740481C1C}">
+                <a14:useLocalDpi xmlns:a14="http://schemas.microsoft.com/office/drawing/2010/main" val="0"/>
+              </a:ext>
+            </a:extLst>
+          </a:blip>
+          <a:stretch>
+            <a:fillRect/>
+          </a:stretch>
+        </p:blipFill>
+        <p:spPr>
+          <a:xfrm>
+            <a:off x="5687390" y="2830268"/>
+            <a:ext cx="817220" cy="924986"/>
+          </a:xfrm>
+          <a:prstGeom prst="rect">
+            <a:avLst/>
+          </a:prstGeom>
+        </p:spPr>
+      </p:pic>
+      <p:pic>
+        <p:nvPicPr>
+          <p:cNvPr id="18" name="그림 17">
+            <a:extLst>
+              <a:ext uri="{FF2B5EF4-FFF2-40B4-BE49-F238E27FC236}">
+                <a16:creationId xmlns:a16="http://schemas.microsoft.com/office/drawing/2014/main" id="{E09FACED-F67B-4ED2-B078-93ACBDD84CAD}"/>
+              </a:ext>
+            </a:extLst>
+          </p:cNvPr>
+          <p:cNvPicPr>
+            <a:picLocks noChangeAspect="1"/>
+          </p:cNvPicPr>
+          <p:nvPr/>
+        </p:nvPicPr>
+        <p:blipFill>
+          <a:blip r:embed="rId7" cstate="print">
+            <a:extLst>
+              <a:ext uri="{28A0092B-C50C-407E-A947-70E740481C1C}">
+                <a14:useLocalDpi xmlns:a14="http://schemas.microsoft.com/office/drawing/2010/main" val="0"/>
+              </a:ext>
+            </a:extLst>
+          </a:blip>
+          <a:stretch>
+            <a:fillRect/>
+          </a:stretch>
+        </p:blipFill>
+        <p:spPr>
+          <a:xfrm>
+            <a:off x="10115930" y="2575636"/>
+            <a:ext cx="1223854" cy="1434250"/>
+          </a:xfrm>
+          <a:prstGeom prst="rect">
+            <a:avLst/>
+          </a:prstGeom>
+        </p:spPr>
+      </p:pic>
+      <p:pic>
+        <p:nvPicPr>
+          <p:cNvPr id="19" name="그림 18">
+            <a:extLst>
+              <a:ext uri="{FF2B5EF4-FFF2-40B4-BE49-F238E27FC236}">
+                <a16:creationId xmlns:a16="http://schemas.microsoft.com/office/drawing/2014/main" id="{5F7BEE9E-A548-4867-9D4D-E99C2D26D4C5}"/>
+              </a:ext>
+            </a:extLst>
+          </p:cNvPr>
+          <p:cNvPicPr>
+            <a:picLocks noChangeAspect="1"/>
+          </p:cNvPicPr>
+          <p:nvPr/>
+        </p:nvPicPr>
+        <p:blipFill>
+          <a:blip r:embed="rId8" cstate="print">
+            <a:extLst>
+              <a:ext uri="{28A0092B-C50C-407E-A947-70E740481C1C}">
+                <a14:useLocalDpi xmlns:a14="http://schemas.microsoft.com/office/drawing/2010/main" val="0"/>
+              </a:ext>
+            </a:extLst>
+          </a:blip>
+          <a:stretch>
+            <a:fillRect/>
+          </a:stretch>
+        </p:blipFill>
+        <p:spPr>
+          <a:xfrm>
+            <a:off x="8084886" y="2783565"/>
+            <a:ext cx="1039334" cy="899238"/>
+          </a:xfrm>
+          <a:prstGeom prst="rect">
+            <a:avLst/>
+          </a:prstGeom>
+          <a:ln>
+            <a:noFill/>
+          </a:ln>
+        </p:spPr>
+      </p:pic>
+      <p:pic>
+        <p:nvPicPr>
+          <p:cNvPr id="20" name="그림 19">
+            <a:extLst>
+              <a:ext uri="{FF2B5EF4-FFF2-40B4-BE49-F238E27FC236}">
+                <a16:creationId xmlns:a16="http://schemas.microsoft.com/office/drawing/2014/main" id="{E9C773B1-6187-4640-923A-E06905973795}"/>
+              </a:ext>
+            </a:extLst>
+          </p:cNvPr>
+          <p:cNvPicPr>
+            <a:picLocks noChangeAspect="1"/>
+          </p:cNvPicPr>
+          <p:nvPr/>
+        </p:nvPicPr>
+        <p:blipFill>
+          <a:blip r:embed="rId4">
+            <a:extLst>
+              <a:ext uri="{28A0092B-C50C-407E-A947-70E740481C1C}">
+                <a14:useLocalDpi xmlns:a14="http://schemas.microsoft.com/office/drawing/2010/main" val="0"/>
+              </a:ext>
+            </a:extLst>
+          </a:blip>
+          <a:stretch>
+            <a:fillRect/>
+          </a:stretch>
+        </p:blipFill>
+        <p:spPr>
+          <a:xfrm>
+            <a:off x="6504609" y="4909476"/>
+            <a:ext cx="1539373" cy="899238"/>
+          </a:xfrm>
+          <a:prstGeom prst="rect">
+            <a:avLst/>
+          </a:prstGeom>
+        </p:spPr>
+      </p:pic>
+      <p:pic>
+        <p:nvPicPr>
+          <p:cNvPr id="21" name="그림 20">
+            <a:extLst>
+              <a:ext uri="{FF2B5EF4-FFF2-40B4-BE49-F238E27FC236}">
+                <a16:creationId xmlns:a16="http://schemas.microsoft.com/office/drawing/2014/main" id="{DAF091B2-3004-4CA9-AF84-C3AF0DB3019B}"/>
+              </a:ext>
+            </a:extLst>
+          </p:cNvPr>
+          <p:cNvPicPr>
+            <a:picLocks noChangeAspect="1"/>
+          </p:cNvPicPr>
+          <p:nvPr/>
+        </p:nvPicPr>
+        <p:blipFill>
+          <a:blip r:embed="rId4">
+            <a:extLst>
+              <a:ext uri="{28A0092B-C50C-407E-A947-70E740481C1C}">
+                <a14:useLocalDpi xmlns:a14="http://schemas.microsoft.com/office/drawing/2010/main" val="0"/>
+              </a:ext>
+            </a:extLst>
+          </a:blip>
+          <a:stretch>
+            <a:fillRect/>
+          </a:stretch>
+        </p:blipFill>
+        <p:spPr>
+          <a:xfrm>
+            <a:off x="8874941" y="673333"/>
+            <a:ext cx="1539373" cy="899238"/>
+          </a:xfrm>
+          <a:prstGeom prst="rect">
+            <a:avLst/>
+          </a:prstGeom>
+        </p:spPr>
+      </p:pic>
+      <p:pic>
+        <p:nvPicPr>
+          <p:cNvPr id="22" name="그림 21">
+            <a:extLst>
+              <a:ext uri="{FF2B5EF4-FFF2-40B4-BE49-F238E27FC236}">
+                <a16:creationId xmlns:a16="http://schemas.microsoft.com/office/drawing/2014/main" id="{E709C5F5-B09E-45B3-BE10-B54002F5B34E}"/>
+              </a:ext>
+            </a:extLst>
+          </p:cNvPr>
+          <p:cNvPicPr>
+            <a:picLocks noChangeAspect="1"/>
+          </p:cNvPicPr>
+          <p:nvPr/>
+        </p:nvPicPr>
+        <p:blipFill>
+          <a:blip r:embed="rId4">
+            <a:extLst>
+              <a:ext uri="{28A0092B-C50C-407E-A947-70E740481C1C}">
+                <a14:useLocalDpi xmlns:a14="http://schemas.microsoft.com/office/drawing/2010/main" val="0"/>
+              </a:ext>
+            </a:extLst>
+          </a:blip>
+          <a:stretch>
+            <a:fillRect/>
+          </a:stretch>
+        </p:blipFill>
+        <p:spPr>
+          <a:xfrm>
+            <a:off x="8874941" y="4909476"/>
+            <a:ext cx="1539373" cy="899238"/>
+          </a:xfrm>
+          <a:prstGeom prst="rect">
+            <a:avLst/>
+          </a:prstGeom>
+        </p:spPr>
+      </p:pic>
+      <p:sp>
+        <p:nvSpPr>
+          <p:cNvPr id="17" name="화살표: 오른쪽 16">
+            <a:extLst>
+              <a:ext uri="{FF2B5EF4-FFF2-40B4-BE49-F238E27FC236}">
+                <a16:creationId xmlns:a16="http://schemas.microsoft.com/office/drawing/2014/main" id="{514D5759-E473-40C5-AC47-2AAD3257D39B}"/>
+              </a:ext>
+            </a:extLst>
+          </p:cNvPr>
+          <p:cNvSpPr/>
+          <p:nvPr/>
+        </p:nvSpPr>
+        <p:spPr>
+          <a:xfrm>
+            <a:off x="1701875" y="3051813"/>
+            <a:ext cx="709466" cy="204236"/>
+          </a:xfrm>
+          <a:prstGeom prst="rightArrow">
+            <a:avLst/>
+          </a:prstGeom>
+        </p:spPr>
+        <p:style>
+          <a:lnRef idx="2">
+            <a:schemeClr val="accent1">
+              <a:shade val="50000"/>
+            </a:schemeClr>
+          </a:lnRef>
+          <a:fillRef idx="1">
+            <a:schemeClr val="accent1"/>
+          </a:fillRef>
+          <a:effectRef idx="0">
+            <a:schemeClr val="accent1"/>
+          </a:effectRef>
+          <a:fontRef idx="minor">
+            <a:schemeClr val="lt1"/>
+          </a:fontRef>
+        </p:style>
+        <p:txBody>
+          <a:bodyPr rtlCol="0" anchor="ctr"/>
+          <a:lstStyle/>
+          <a:p>
+            <a:pPr algn="ctr"/>
+            <a:endParaRPr lang="ko-KR" altLang="en-US"/>
+          </a:p>
+        </p:txBody>
+      </p:sp>
+      <p:sp>
+        <p:nvSpPr>
+          <p:cNvPr id="24" name="화살표: 오른쪽 23">
+            <a:extLst>
+              <a:ext uri="{FF2B5EF4-FFF2-40B4-BE49-F238E27FC236}">
+                <a16:creationId xmlns:a16="http://schemas.microsoft.com/office/drawing/2014/main" id="{47E4E44E-67FC-46D4-A565-ADC56CA64B1B}"/>
+              </a:ext>
+            </a:extLst>
+          </p:cNvPr>
+          <p:cNvSpPr/>
+          <p:nvPr/>
+        </p:nvSpPr>
+        <p:spPr>
+          <a:xfrm>
+            <a:off x="4768433" y="3043740"/>
+            <a:ext cx="709466" cy="204236"/>
+          </a:xfrm>
+          <a:prstGeom prst="rightArrow">
+            <a:avLst/>
+          </a:prstGeom>
+        </p:spPr>
+        <p:style>
+          <a:lnRef idx="2">
+            <a:schemeClr val="accent1">
+              <a:shade val="50000"/>
+            </a:schemeClr>
+          </a:lnRef>
+          <a:fillRef idx="1">
+            <a:schemeClr val="accent1"/>
+          </a:fillRef>
+          <a:effectRef idx="0">
+            <a:schemeClr val="accent1"/>
+          </a:effectRef>
+          <a:fontRef idx="minor">
+            <a:schemeClr val="lt1"/>
+          </a:fontRef>
+        </p:style>
+        <p:txBody>
+          <a:bodyPr rtlCol="0" anchor="ctr"/>
+          <a:lstStyle/>
+          <a:p>
+            <a:pPr algn="ctr"/>
+            <a:endParaRPr lang="ko-KR" altLang="en-US"/>
+          </a:p>
+        </p:txBody>
+      </p:sp>
+      <p:sp>
+        <p:nvSpPr>
+          <p:cNvPr id="25" name="화살표: 오른쪽 24">
+            <a:extLst>
+              <a:ext uri="{FF2B5EF4-FFF2-40B4-BE49-F238E27FC236}">
+                <a16:creationId xmlns:a16="http://schemas.microsoft.com/office/drawing/2014/main" id="{8319987D-D268-4943-82E2-A31132305DD6}"/>
+              </a:ext>
+            </a:extLst>
+          </p:cNvPr>
+          <p:cNvSpPr/>
+          <p:nvPr/>
+        </p:nvSpPr>
+        <p:spPr>
+          <a:xfrm rot="3291755">
+            <a:off x="7283423" y="1928795"/>
+            <a:ext cx="709466" cy="204236"/>
+          </a:xfrm>
+          <a:prstGeom prst="rightArrow">
+            <a:avLst/>
+          </a:prstGeom>
+        </p:spPr>
+        <p:style>
+          <a:lnRef idx="2">
+            <a:schemeClr val="accent1">
+              <a:shade val="50000"/>
+            </a:schemeClr>
+          </a:lnRef>
+          <a:fillRef idx="1">
+            <a:schemeClr val="accent1"/>
+          </a:fillRef>
+          <a:effectRef idx="0">
+            <a:schemeClr val="accent1"/>
+          </a:effectRef>
+          <a:fontRef idx="minor">
+            <a:schemeClr val="lt1"/>
+          </a:fontRef>
+        </p:style>
+        <p:txBody>
+          <a:bodyPr rtlCol="0" anchor="ctr"/>
+          <a:lstStyle/>
+          <a:p>
+            <a:pPr algn="ctr"/>
+            <a:endParaRPr lang="ko-KR" altLang="en-US"/>
+          </a:p>
+        </p:txBody>
+      </p:sp>
+      <p:sp>
+        <p:nvSpPr>
+          <p:cNvPr id="26" name="화살표: 오른쪽 25">
+            <a:extLst>
+              <a:ext uri="{FF2B5EF4-FFF2-40B4-BE49-F238E27FC236}">
+                <a16:creationId xmlns:a16="http://schemas.microsoft.com/office/drawing/2014/main" id="{7A56B0E1-18E2-4FB7-9195-140BE2BE05F7}"/>
+              </a:ext>
+            </a:extLst>
+          </p:cNvPr>
+          <p:cNvSpPr/>
+          <p:nvPr/>
+        </p:nvSpPr>
+        <p:spPr>
+          <a:xfrm rot="7261906">
+            <a:off x="9019521" y="1928795"/>
+            <a:ext cx="709466" cy="204236"/>
+          </a:xfrm>
+          <a:prstGeom prst="rightArrow">
+            <a:avLst/>
+          </a:prstGeom>
+        </p:spPr>
+        <p:style>
+          <a:lnRef idx="2">
+            <a:schemeClr val="accent1">
+              <a:shade val="50000"/>
+            </a:schemeClr>
+          </a:lnRef>
+          <a:fillRef idx="1">
+            <a:schemeClr val="accent1"/>
+          </a:fillRef>
+          <a:effectRef idx="0">
+            <a:schemeClr val="accent1"/>
+          </a:effectRef>
+          <a:fontRef idx="minor">
+            <a:schemeClr val="lt1"/>
+          </a:fontRef>
+        </p:style>
+        <p:txBody>
+          <a:bodyPr rtlCol="0" anchor="ctr"/>
+          <a:lstStyle/>
+          <a:p>
+            <a:pPr algn="ctr"/>
+            <a:endParaRPr lang="ko-KR" altLang="en-US"/>
+          </a:p>
+        </p:txBody>
+      </p:sp>
+      <p:sp>
+        <p:nvSpPr>
+          <p:cNvPr id="27" name="화살표: 오른쪽 26">
+            <a:extLst>
+              <a:ext uri="{FF2B5EF4-FFF2-40B4-BE49-F238E27FC236}">
+                <a16:creationId xmlns:a16="http://schemas.microsoft.com/office/drawing/2014/main" id="{522A7356-22B6-40C3-9386-AB65095A7122}"/>
+              </a:ext>
+            </a:extLst>
+          </p:cNvPr>
+          <p:cNvSpPr/>
+          <p:nvPr/>
+        </p:nvSpPr>
+        <p:spPr>
+          <a:xfrm rot="18566995">
+            <a:off x="7347033" y="4468554"/>
+            <a:ext cx="709466" cy="204236"/>
+          </a:xfrm>
+          <a:prstGeom prst="rightArrow">
+            <a:avLst/>
+          </a:prstGeom>
+        </p:spPr>
+        <p:style>
+          <a:lnRef idx="2">
+            <a:schemeClr val="accent1">
+              <a:shade val="50000"/>
+            </a:schemeClr>
+          </a:lnRef>
+          <a:fillRef idx="1">
+            <a:schemeClr val="accent1"/>
+          </a:fillRef>
+          <a:effectRef idx="0">
+            <a:schemeClr val="accent1"/>
+          </a:effectRef>
+          <a:fontRef idx="minor">
+            <a:schemeClr val="lt1"/>
+          </a:fontRef>
+        </p:style>
+        <p:txBody>
+          <a:bodyPr rtlCol="0" anchor="ctr"/>
+          <a:lstStyle/>
+          <a:p>
+            <a:pPr algn="ctr"/>
+            <a:endParaRPr lang="ko-KR" altLang="en-US"/>
+          </a:p>
+        </p:txBody>
+      </p:sp>
+      <p:sp>
+        <p:nvSpPr>
+          <p:cNvPr id="28" name="화살표: 오른쪽 27">
+            <a:extLst>
+              <a:ext uri="{FF2B5EF4-FFF2-40B4-BE49-F238E27FC236}">
+                <a16:creationId xmlns:a16="http://schemas.microsoft.com/office/drawing/2014/main" id="{4EC24EF9-98D4-464A-B24A-38E0E32323D2}"/>
+              </a:ext>
+            </a:extLst>
+          </p:cNvPr>
+          <p:cNvSpPr/>
+          <p:nvPr/>
+        </p:nvSpPr>
+        <p:spPr>
+          <a:xfrm rot="13823943">
+            <a:off x="8985092" y="4462124"/>
+            <a:ext cx="709466" cy="204236"/>
+          </a:xfrm>
+          <a:prstGeom prst="rightArrow">
+            <a:avLst/>
+          </a:prstGeom>
+        </p:spPr>
+        <p:style>
+          <a:lnRef idx="2">
+            <a:schemeClr val="accent1">
+              <a:shade val="50000"/>
+            </a:schemeClr>
+          </a:lnRef>
+          <a:fillRef idx="1">
+            <a:schemeClr val="accent1"/>
+          </a:fillRef>
+          <a:effectRef idx="0">
+            <a:schemeClr val="accent1"/>
+          </a:effectRef>
+          <a:fontRef idx="minor">
+            <a:schemeClr val="lt1"/>
+          </a:fontRef>
+        </p:style>
+        <p:txBody>
+          <a:bodyPr rtlCol="0" anchor="ctr"/>
+          <a:lstStyle/>
+          <a:p>
+            <a:pPr algn="ctr"/>
+            <a:endParaRPr lang="ko-KR" altLang="en-US"/>
+          </a:p>
+        </p:txBody>
+      </p:sp>
+      <p:sp>
+        <p:nvSpPr>
+          <p:cNvPr id="29" name="화살표: 오른쪽 28">
+            <a:extLst>
+              <a:ext uri="{FF2B5EF4-FFF2-40B4-BE49-F238E27FC236}">
+                <a16:creationId xmlns:a16="http://schemas.microsoft.com/office/drawing/2014/main" id="{F4D5076D-58AD-4E78-BC89-6D73F14415A9}"/>
+              </a:ext>
+            </a:extLst>
+          </p:cNvPr>
+          <p:cNvSpPr/>
+          <p:nvPr/>
+        </p:nvSpPr>
+        <p:spPr>
+          <a:xfrm>
+            <a:off x="6887587" y="2919790"/>
+            <a:ext cx="709466" cy="204236"/>
+          </a:xfrm>
+          <a:prstGeom prst="rightArrow">
+            <a:avLst/>
+          </a:prstGeom>
+        </p:spPr>
+        <p:style>
+          <a:lnRef idx="2">
+            <a:schemeClr val="accent1">
+              <a:shade val="50000"/>
+            </a:schemeClr>
+          </a:lnRef>
+          <a:fillRef idx="1">
+            <a:schemeClr val="accent1"/>
+          </a:fillRef>
+          <a:effectRef idx="0">
+            <a:schemeClr val="accent1"/>
+          </a:effectRef>
+          <a:fontRef idx="minor">
+            <a:schemeClr val="lt1"/>
+          </a:fontRef>
+        </p:style>
+        <p:txBody>
+          <a:bodyPr rtlCol="0" anchor="ctr"/>
+          <a:lstStyle/>
+          <a:p>
+            <a:pPr algn="ctr"/>
+            <a:endParaRPr lang="ko-KR" altLang="en-US"/>
+          </a:p>
+        </p:txBody>
+      </p:sp>
+      <p:sp>
+        <p:nvSpPr>
+          <p:cNvPr id="30" name="화살표: 오른쪽 29">
+            <a:extLst>
+              <a:ext uri="{FF2B5EF4-FFF2-40B4-BE49-F238E27FC236}">
+                <a16:creationId xmlns:a16="http://schemas.microsoft.com/office/drawing/2014/main" id="{3A72714E-6661-4FB3-BDAC-1FD8DCFC0A0C}"/>
+              </a:ext>
+            </a:extLst>
+          </p:cNvPr>
+          <p:cNvSpPr/>
+          <p:nvPr/>
+        </p:nvSpPr>
+        <p:spPr>
+          <a:xfrm>
+            <a:off x="9406464" y="2880381"/>
+            <a:ext cx="709466" cy="204236"/>
+          </a:xfrm>
+          <a:prstGeom prst="rightArrow">
+            <a:avLst/>
+          </a:prstGeom>
+        </p:spPr>
+        <p:style>
+          <a:lnRef idx="2">
+            <a:schemeClr val="accent1">
+              <a:shade val="50000"/>
+            </a:schemeClr>
+          </a:lnRef>
+          <a:fillRef idx="1">
+            <a:schemeClr val="accent1"/>
+          </a:fillRef>
+          <a:effectRef idx="0">
+            <a:schemeClr val="accent1"/>
+          </a:effectRef>
+          <a:fontRef idx="minor">
+            <a:schemeClr val="lt1"/>
+          </a:fontRef>
+        </p:style>
+        <p:txBody>
+          <a:bodyPr rtlCol="0" anchor="ctr"/>
+          <a:lstStyle/>
+          <a:p>
+            <a:pPr algn="ctr"/>
+            <a:endParaRPr lang="ko-KR" altLang="en-US"/>
+          </a:p>
+        </p:txBody>
+      </p:sp>
+      <p:sp>
+        <p:nvSpPr>
+          <p:cNvPr id="31" name="화살표: 오른쪽 30">
+            <a:extLst>
+              <a:ext uri="{FF2B5EF4-FFF2-40B4-BE49-F238E27FC236}">
+                <a16:creationId xmlns:a16="http://schemas.microsoft.com/office/drawing/2014/main" id="{9A0AA95C-3578-4DB8-AAFF-ACD3A5E1FBC1}"/>
+              </a:ext>
+            </a:extLst>
+          </p:cNvPr>
+          <p:cNvSpPr/>
+          <p:nvPr/>
+        </p:nvSpPr>
+        <p:spPr>
+          <a:xfrm rot="10800000">
+            <a:off x="9396821" y="3365322"/>
+            <a:ext cx="709466" cy="204236"/>
+          </a:xfrm>
+          <a:prstGeom prst="rightArrow">
+            <a:avLst/>
+          </a:prstGeom>
+          <a:solidFill>
+            <a:srgbClr val="FF0000"/>
+          </a:solidFill>
+        </p:spPr>
+        <p:style>
+          <a:lnRef idx="2">
+            <a:schemeClr val="accent1">
+              <a:shade val="50000"/>
+            </a:schemeClr>
+          </a:lnRef>
+          <a:fillRef idx="1">
+            <a:schemeClr val="accent1"/>
+          </a:fillRef>
+          <a:effectRef idx="0">
+            <a:schemeClr val="accent1"/>
+          </a:effectRef>
+          <a:fontRef idx="minor">
+            <a:schemeClr val="lt1"/>
+          </a:fontRef>
+        </p:style>
+        <p:txBody>
+          <a:bodyPr rtlCol="0" anchor="ctr"/>
+          <a:lstStyle/>
+          <a:p>
+            <a:pPr algn="ctr"/>
+            <a:endParaRPr lang="ko-KR" altLang="en-US"/>
+          </a:p>
+        </p:txBody>
+      </p:sp>
+      <p:sp>
+        <p:nvSpPr>
+          <p:cNvPr id="32" name="화살표: 오른쪽 31">
+            <a:extLst>
+              <a:ext uri="{FF2B5EF4-FFF2-40B4-BE49-F238E27FC236}">
+                <a16:creationId xmlns:a16="http://schemas.microsoft.com/office/drawing/2014/main" id="{BDA1CCC8-9560-48EE-BA7C-CF99ED798ED9}"/>
+              </a:ext>
+            </a:extLst>
+          </p:cNvPr>
+          <p:cNvSpPr/>
+          <p:nvPr/>
+        </p:nvSpPr>
+        <p:spPr>
+          <a:xfrm rot="10800000">
+            <a:off x="6879045" y="3395614"/>
+            <a:ext cx="709466" cy="204236"/>
+          </a:xfrm>
+          <a:prstGeom prst="rightArrow">
+            <a:avLst/>
+          </a:prstGeom>
+          <a:solidFill>
+            <a:srgbClr val="FF0000"/>
+          </a:solidFill>
+        </p:spPr>
+        <p:style>
+          <a:lnRef idx="2">
+            <a:schemeClr val="accent1">
+              <a:shade val="50000"/>
+            </a:schemeClr>
+          </a:lnRef>
+          <a:fillRef idx="1">
+            <a:schemeClr val="accent1"/>
+          </a:fillRef>
+          <a:effectRef idx="0">
+            <a:schemeClr val="accent1"/>
+          </a:effectRef>
+          <a:fontRef idx="minor">
+            <a:schemeClr val="lt1"/>
+          </a:fontRef>
+        </p:style>
+        <p:txBody>
+          <a:bodyPr rtlCol="0" anchor="ctr"/>
+          <a:lstStyle/>
+          <a:p>
+            <a:pPr algn="ctr"/>
+            <a:endParaRPr lang="ko-KR" altLang="en-US"/>
+          </a:p>
+        </p:txBody>
+      </p:sp>
+      <p:sp>
+        <p:nvSpPr>
+          <p:cNvPr id="33" name="화살표: 오른쪽 32">
+            <a:extLst>
+              <a:ext uri="{FF2B5EF4-FFF2-40B4-BE49-F238E27FC236}">
+                <a16:creationId xmlns:a16="http://schemas.microsoft.com/office/drawing/2014/main" id="{66915F78-B21E-465D-BC0D-D0A626E10935}"/>
+              </a:ext>
+            </a:extLst>
+          </p:cNvPr>
+          <p:cNvSpPr/>
+          <p:nvPr/>
+        </p:nvSpPr>
+        <p:spPr>
+          <a:xfrm rot="10800000">
+            <a:off x="4729737" y="3391130"/>
+            <a:ext cx="709466" cy="204236"/>
+          </a:xfrm>
+          <a:prstGeom prst="rightArrow">
+            <a:avLst/>
+          </a:prstGeom>
+          <a:solidFill>
+            <a:srgbClr val="FF0000"/>
+          </a:solidFill>
+        </p:spPr>
+        <p:style>
+          <a:lnRef idx="2">
+            <a:schemeClr val="accent1">
+              <a:shade val="50000"/>
+            </a:schemeClr>
+          </a:lnRef>
+          <a:fillRef idx="1">
+            <a:schemeClr val="accent1"/>
+          </a:fillRef>
+          <a:effectRef idx="0">
+            <a:schemeClr val="accent1"/>
+          </a:effectRef>
+          <a:fontRef idx="minor">
+            <a:schemeClr val="lt1"/>
+          </a:fontRef>
+        </p:style>
+        <p:txBody>
+          <a:bodyPr rtlCol="0" anchor="ctr"/>
+          <a:lstStyle/>
+          <a:p>
+            <a:pPr algn="ctr"/>
+            <a:endParaRPr lang="ko-KR" altLang="en-US"/>
+          </a:p>
+        </p:txBody>
+      </p:sp>
+      <p:sp>
+        <p:nvSpPr>
+          <p:cNvPr id="34" name="화살표: 오른쪽 33">
+            <a:extLst>
+              <a:ext uri="{FF2B5EF4-FFF2-40B4-BE49-F238E27FC236}">
+                <a16:creationId xmlns:a16="http://schemas.microsoft.com/office/drawing/2014/main" id="{63422CE3-EFAA-431F-A53C-271D6D510F35}"/>
+              </a:ext>
+            </a:extLst>
+          </p:cNvPr>
+          <p:cNvSpPr/>
+          <p:nvPr/>
+        </p:nvSpPr>
+        <p:spPr>
+          <a:xfrm rot="10800000">
+            <a:off x="1656806" y="3416825"/>
+            <a:ext cx="709466" cy="204236"/>
+          </a:xfrm>
+          <a:prstGeom prst="rightArrow">
+            <a:avLst/>
+          </a:prstGeom>
+          <a:solidFill>
+            <a:srgbClr val="FF0000"/>
+          </a:solidFill>
+        </p:spPr>
+        <p:style>
+          <a:lnRef idx="2">
+            <a:schemeClr val="accent1">
+              <a:shade val="50000"/>
+            </a:schemeClr>
+          </a:lnRef>
+          <a:fillRef idx="1">
+            <a:schemeClr val="accent1"/>
+          </a:fillRef>
+          <a:effectRef idx="0">
+            <a:schemeClr val="accent1"/>
+          </a:effectRef>
+          <a:fontRef idx="minor">
+            <a:schemeClr val="lt1"/>
+          </a:fontRef>
+        </p:style>
+        <p:txBody>
+          <a:bodyPr rtlCol="0" anchor="ctr"/>
+          <a:lstStyle/>
+          <a:p>
+            <a:pPr algn="ctr"/>
+            <a:endParaRPr lang="ko-KR" altLang="en-US"/>
+          </a:p>
+        </p:txBody>
+      </p:sp>
+      <p:sp>
+        <p:nvSpPr>
+          <p:cNvPr id="23" name="TextBox 22">
+            <a:extLst>
+              <a:ext uri="{FF2B5EF4-FFF2-40B4-BE49-F238E27FC236}">
+                <a16:creationId xmlns:a16="http://schemas.microsoft.com/office/drawing/2014/main" id="{0D31F097-22DE-4DBF-8D4E-2EE41FD38DB0}"/>
+              </a:ext>
+            </a:extLst>
+          </p:cNvPr>
+          <p:cNvSpPr txBox="1"/>
+          <p:nvPr/>
+        </p:nvSpPr>
+        <p:spPr>
+          <a:xfrm>
+            <a:off x="600205" y="3825764"/>
+            <a:ext cx="779381" cy="369332"/>
+          </a:xfrm>
+          <a:prstGeom prst="rect">
+            <a:avLst/>
+          </a:prstGeom>
+          <a:noFill/>
+        </p:spPr>
+        <p:txBody>
+          <a:bodyPr wrap="none" rtlCol="0">
+            <a:spAutoFit/>
+          </a:bodyPr>
+          <a:lstStyle/>
+          <a:p>
+            <a:r>
+              <a:rPr lang="en-US" altLang="ko-KR" dirty="0"/>
+              <a:t>Client</a:t>
+            </a:r>
+            <a:endParaRPr lang="ko-KR" altLang="en-US" dirty="0"/>
+          </a:p>
+        </p:txBody>
+      </p:sp>
+      <p:sp>
+        <p:nvSpPr>
+          <p:cNvPr id="36" name="TextBox 35">
+            <a:extLst>
+              <a:ext uri="{FF2B5EF4-FFF2-40B4-BE49-F238E27FC236}">
+                <a16:creationId xmlns:a16="http://schemas.microsoft.com/office/drawing/2014/main" id="{FE789417-BB60-4D25-9D31-3EF413F5341B}"/>
+              </a:ext>
+            </a:extLst>
+          </p:cNvPr>
+          <p:cNvSpPr txBox="1"/>
+          <p:nvPr/>
+        </p:nvSpPr>
+        <p:spPr>
+          <a:xfrm>
+            <a:off x="2959637" y="3755254"/>
+            <a:ext cx="1397498" cy="369332"/>
+          </a:xfrm>
+          <a:prstGeom prst="rect">
+            <a:avLst/>
+          </a:prstGeom>
+          <a:noFill/>
+        </p:spPr>
+        <p:txBody>
+          <a:bodyPr wrap="none" rtlCol="0">
+            <a:spAutoFit/>
+          </a:bodyPr>
+          <a:lstStyle/>
+          <a:p>
+            <a:r>
+              <a:rPr lang="en-US" altLang="ko-KR" dirty="0"/>
+              <a:t>Web Server</a:t>
+            </a:r>
+          </a:p>
+        </p:txBody>
+      </p:sp>
+      <p:sp>
+        <p:nvSpPr>
+          <p:cNvPr id="37" name="TextBox 36">
+            <a:extLst>
+              <a:ext uri="{FF2B5EF4-FFF2-40B4-BE49-F238E27FC236}">
+                <a16:creationId xmlns:a16="http://schemas.microsoft.com/office/drawing/2014/main" id="{CA3B8A96-96B9-4865-9019-495FE3F5973B}"/>
+              </a:ext>
+            </a:extLst>
+          </p:cNvPr>
+          <p:cNvSpPr txBox="1"/>
+          <p:nvPr/>
+        </p:nvSpPr>
+        <p:spPr>
+          <a:xfrm>
+            <a:off x="5386138" y="3825220"/>
+            <a:ext cx="1491627" cy="369332"/>
+          </a:xfrm>
+          <a:prstGeom prst="rect">
+            <a:avLst/>
+          </a:prstGeom>
+          <a:noFill/>
+        </p:spPr>
+        <p:txBody>
+          <a:bodyPr wrap="none" rtlCol="0">
+            <a:spAutoFit/>
+          </a:bodyPr>
+          <a:lstStyle/>
+          <a:p>
+            <a:r>
+              <a:rPr lang="en-US" altLang="ko-KR" dirty="0"/>
+              <a:t>WSGI Server</a:t>
+            </a:r>
+          </a:p>
+        </p:txBody>
+      </p:sp>
+      <p:sp>
+        <p:nvSpPr>
+          <p:cNvPr id="38" name="TextBox 37">
+            <a:extLst>
+              <a:ext uri="{FF2B5EF4-FFF2-40B4-BE49-F238E27FC236}">
+                <a16:creationId xmlns:a16="http://schemas.microsoft.com/office/drawing/2014/main" id="{8F1E2B6B-82DB-47FD-A8D0-6AEE2EE974C1}"/>
+              </a:ext>
+            </a:extLst>
+          </p:cNvPr>
+          <p:cNvSpPr txBox="1"/>
+          <p:nvPr/>
+        </p:nvSpPr>
+        <p:spPr>
+          <a:xfrm>
+            <a:off x="7657376" y="3816418"/>
+            <a:ext cx="1917961" cy="369332"/>
+          </a:xfrm>
+          <a:prstGeom prst="rect">
+            <a:avLst/>
+          </a:prstGeom>
+          <a:noFill/>
+        </p:spPr>
+        <p:txBody>
+          <a:bodyPr wrap="none" rtlCol="0">
+            <a:spAutoFit/>
+          </a:bodyPr>
+          <a:lstStyle/>
+          <a:p>
+            <a:r>
+              <a:rPr lang="en-US" altLang="ko-KR" dirty="0"/>
+              <a:t>Web Application</a:t>
+            </a:r>
+          </a:p>
+        </p:txBody>
+      </p:sp>
+      <p:sp>
+        <p:nvSpPr>
+          <p:cNvPr id="39" name="TextBox 38">
+            <a:extLst>
+              <a:ext uri="{FF2B5EF4-FFF2-40B4-BE49-F238E27FC236}">
+                <a16:creationId xmlns:a16="http://schemas.microsoft.com/office/drawing/2014/main" id="{16303B3A-2B4F-4CF8-9951-8D065D532336}"/>
+              </a:ext>
+            </a:extLst>
+          </p:cNvPr>
+          <p:cNvSpPr txBox="1"/>
+          <p:nvPr/>
+        </p:nvSpPr>
+        <p:spPr>
+          <a:xfrm>
+            <a:off x="9795583" y="3825220"/>
+            <a:ext cx="1885966" cy="369332"/>
+          </a:xfrm>
+          <a:prstGeom prst="rect">
+            <a:avLst/>
+          </a:prstGeom>
+          <a:noFill/>
+        </p:spPr>
+        <p:txBody>
+          <a:bodyPr wrap="none" rtlCol="0">
+            <a:spAutoFit/>
+          </a:bodyPr>
+          <a:lstStyle/>
+          <a:p>
+            <a:r>
+              <a:rPr lang="en-US" altLang="ko-KR" dirty="0" err="1"/>
+              <a:t>DataBase</a:t>
+            </a:r>
+            <a:r>
+              <a:rPr lang="en-US" altLang="ko-KR" dirty="0"/>
+              <a:t> Server</a:t>
+            </a:r>
           </a:p>
         </p:txBody>
       </p:sp>
     </p:spTree>
     <p:extLst>
       <p:ext uri="{BB962C8B-B14F-4D97-AF65-F5344CB8AC3E}">
-        <p14:creationId xmlns:p14="http://schemas.microsoft.com/office/powerpoint/2010/main" val="1802889630"/>
+        <p14:creationId xmlns:p14="http://schemas.microsoft.com/office/powerpoint/2010/main" val="367732920"/>
       </p:ext>
     </p:extLst>
   </p:cSld>
